--- a/docs/MasterClassEnero2026_2.pptx
+++ b/docs/MasterClassEnero2026_2.pptx
@@ -2,18 +2,24 @@
 <file path=ppt/presentation.xml><?xml version="1.0" encoding="utf-8"?>
 <p:presentation xmlns:a="http://schemas.openxmlformats.org/drawingml/2006/main" xmlns:r="http://schemas.openxmlformats.org/officeDocument/2006/relationships" xmlns:p="http://schemas.openxmlformats.org/presentationml/2006/main" strictFirstAndLastChars="0" saveSubsetFonts="1" autoCompressPictures="0">
   <p:sldMasterIdLst>
-    <p:sldMasterId id="2147483648" r:id="rId1"/>
+    <p:sldMasterId id="2147483648" r:id="rId2"/>
   </p:sldMasterIdLst>
   <p:notesMasterIdLst>
-    <p:notesMasterId r:id="rId8"/>
+    <p:notesMasterId r:id="rId15"/>
   </p:notesMasterIdLst>
   <p:sldIdLst>
-    <p:sldId id="256" r:id="rId2"/>
-    <p:sldId id="265" r:id="rId3"/>
-    <p:sldId id="266" r:id="rId4"/>
-    <p:sldId id="261" r:id="rId5"/>
-    <p:sldId id="263" r:id="rId6"/>
-    <p:sldId id="264" r:id="rId7"/>
+    <p:sldId id="256" r:id="rId3"/>
+    <p:sldId id="265" r:id="rId4"/>
+    <p:sldId id="272" r:id="rId5"/>
+    <p:sldId id="259" r:id="rId6"/>
+    <p:sldId id="258" r:id="rId7"/>
+    <p:sldId id="262" r:id="rId8"/>
+    <p:sldId id="260" r:id="rId9"/>
+    <p:sldId id="273" r:id="rId10"/>
+    <p:sldId id="274" r:id="rId11"/>
+    <p:sldId id="275" r:id="rId12"/>
+    <p:sldId id="267" r:id="rId13"/>
+    <p:sldId id="264" r:id="rId14"/>
   </p:sldIdLst>
   <p:sldSz cx="12192000" cy="6858000"/>
   <p:notesSz cx="6858000" cy="9144000"/>
@@ -247,8 +253,11 @@
     </a:lvl9pPr>
   </p:defaultTextStyle>
   <p:extLst>
+    <p:ext uri="{EFAFB233-063F-42B5-8137-9DF3F51BA10A}">
+      <p15:sldGuideLst xmlns:p15="http://schemas.microsoft.com/office/powerpoint/2012/main"/>
+    </p:ext>
     <p:ext uri="http://customooxmlschemas.google.com/">
-      <go:slidesCustomData xmlns:go="http://customooxmlschemas.google.com/" xmlns:ahyp="http://schemas.microsoft.com/office/drawing/2018/hyperlinkcolor" xmlns:p15="http://schemas.microsoft.com/office/powerpoint/2012/main" xmlns:p14="http://schemas.microsoft.com/office/powerpoint/2010/main" xmlns:com="http://schemas.openxmlformats.org/drawingml/2006/compatibility" xmlns:pvml="urn:schemas-microsoft-com:office:powerpoint" xmlns:v="urn:schemas-microsoft-com:vml" xmlns:o="urn:schemas-microsoft-com:office:office" xmlns:dgm="http://schemas.openxmlformats.org/drawingml/2006/diagram" xmlns:c="http://schemas.openxmlformats.org/drawingml/2006/chart" xmlns:mv="urn:schemas-microsoft-com:mac:vml" xmlns:mc="http://schemas.openxmlformats.org/markup-compatibility/2006" xmlns="" r:id="rId14" roundtripDataSignature="AMtx7mgsjkNSa1OhYGczPVBggKtVNdEk3g=="/>
+      <go:slidesCustomData xmlns="" xmlns:mc="http://schemas.openxmlformats.org/markup-compatibility/2006" xmlns:mv="urn:schemas-microsoft-com:mac:vml" xmlns:c="http://schemas.openxmlformats.org/drawingml/2006/chart" xmlns:dgm="http://schemas.openxmlformats.org/drawingml/2006/diagram" xmlns:o="urn:schemas-microsoft-com:office:office" xmlns:v="urn:schemas-microsoft-com:vml" xmlns:pvml="urn:schemas-microsoft-com:office:powerpoint" xmlns:com="http://schemas.openxmlformats.org/drawingml/2006/compatibility" xmlns:p14="http://schemas.microsoft.com/office/powerpoint/2010/main" xmlns:p15="http://schemas.microsoft.com/office/powerpoint/2012/main" xmlns:ahyp="http://schemas.microsoft.com/office/drawing/2018/hyperlinkcolor" xmlns:go="http://customooxmlschemas.google.com/" r:id="rId16" roundtripDataSignature="AMtx7mgsjkNSa1OhYGczPVBggKtVNdEk3g=="/>
     </p:ext>
   </p:extLst>
 </p:presentation>
@@ -463,6 +472,7 @@
     </p:spTree>
   </p:cSld>
   <p:clrMap bg1="lt1" tx1="dk1" bg2="dk2" tx2="lt2" accent1="accent1" accent2="accent2" accent3="accent3" accent4="accent4" accent5="accent5" accent6="accent6" hlink="hlink" folHlink="folHlink"/>
+  <p:hf dt="0"/>
   <p:notesStyle>
     <a:defPPr marR="0" lvl="0" algn="l" rtl="0">
       <a:lnSpc>
@@ -799,6 +809,268 @@
 </p:notes>
 </file>
 
+<file path=ppt/notesSlides/notesSlide10.xml><?xml version="1.0" encoding="utf-8"?>
+<p:notes xmlns:a="http://schemas.openxmlformats.org/drawingml/2006/main" xmlns:r="http://schemas.openxmlformats.org/officeDocument/2006/relationships" xmlns:p="http://schemas.openxmlformats.org/presentationml/2006/main">
+  <p:cSld>
+    <p:spTree>
+      <p:nvGrpSpPr>
+        <p:cNvPr id="1" name=""/>
+        <p:cNvGrpSpPr/>
+        <p:nvPr/>
+      </p:nvGrpSpPr>
+      <p:grpSpPr>
+        <a:xfrm>
+          <a:off x="0" y="0"/>
+          <a:ext cx="0" cy="0"/>
+          <a:chOff x="0" y="0"/>
+          <a:chExt cx="0" cy="0"/>
+        </a:xfrm>
+      </p:grpSpPr>
+      <p:sp>
+        <p:nvSpPr>
+          <p:cNvPr id="2" name="Marcador de imagen de diapositiva 1"/>
+          <p:cNvSpPr>
+            <a:spLocks noGrp="1" noRot="1" noChangeAspect="1"/>
+          </p:cNvSpPr>
+          <p:nvPr>
+            <p:ph type="sldImg"/>
+          </p:nvPr>
+        </p:nvSpPr>
+        <p:spPr>
+          <a:xfrm>
+            <a:off x="381000" y="685800"/>
+            <a:ext cx="6096000" cy="3429000"/>
+          </a:xfrm>
+        </p:spPr>
+      </p:sp>
+      <p:sp>
+        <p:nvSpPr>
+          <p:cNvPr id="3" name="Marcador de notas 2"/>
+          <p:cNvSpPr>
+            <a:spLocks noGrp="1"/>
+          </p:cNvSpPr>
+          <p:nvPr>
+            <p:ph type="body" idx="1"/>
+          </p:nvPr>
+        </p:nvSpPr>
+        <p:spPr/>
+        <p:txBody>
+          <a:bodyPr/>
+          <a:lstStyle/>
+          <a:p>
+            <a:r>
+              <a:rPr lang="es-MX" dirty="0"/>
+              <a:t>DEMO</a:t>
+            </a:r>
+          </a:p>
+        </p:txBody>
+      </p:sp>
+      <p:sp>
+        <p:nvSpPr>
+          <p:cNvPr id="4" name="Marcador de número de diapositiva 3"/>
+          <p:cNvSpPr>
+            <a:spLocks noGrp="1"/>
+          </p:cNvSpPr>
+          <p:nvPr>
+            <p:ph type="sldNum" sz="quarter" idx="5"/>
+          </p:nvPr>
+        </p:nvSpPr>
+        <p:spPr/>
+        <p:txBody>
+          <a:bodyPr/>
+          <a:lstStyle/>
+          <a:p>
+            <a:fld id="{26637146-D6E3-4250-90A3-31D911502D4D}" type="slidenum">
+              <a:rPr lang="es-MX" smtClean="0"/>
+              <a:t>10</a:t>
+            </a:fld>
+            <a:endParaRPr lang="es-MX"/>
+          </a:p>
+        </p:txBody>
+      </p:sp>
+    </p:spTree>
+    <p:extLst>
+      <p:ext uri="{BB962C8B-B14F-4D97-AF65-F5344CB8AC3E}">
+        <p14:creationId xmlns:p14="http://schemas.microsoft.com/office/powerpoint/2010/main" val="3181684911"/>
+      </p:ext>
+    </p:extLst>
+  </p:cSld>
+  <p:clrMapOvr>
+    <a:masterClrMapping/>
+  </p:clrMapOvr>
+</p:notes>
+</file>
+
+<file path=ppt/notesSlides/notesSlide11.xml><?xml version="1.0" encoding="utf-8"?>
+<p:notes xmlns:a="http://schemas.openxmlformats.org/drawingml/2006/main" xmlns:r="http://schemas.openxmlformats.org/officeDocument/2006/relationships" xmlns:p="http://schemas.openxmlformats.org/presentationml/2006/main">
+  <p:cSld>
+    <p:spTree>
+      <p:nvGrpSpPr>
+        <p:cNvPr id="1" name=""/>
+        <p:cNvGrpSpPr/>
+        <p:nvPr/>
+      </p:nvGrpSpPr>
+      <p:grpSpPr>
+        <a:xfrm>
+          <a:off x="0" y="0"/>
+          <a:ext cx="0" cy="0"/>
+          <a:chOff x="0" y="0"/>
+          <a:chExt cx="0" cy="0"/>
+        </a:xfrm>
+      </p:grpSpPr>
+      <p:sp>
+        <p:nvSpPr>
+          <p:cNvPr id="2" name="Marcador de imagen de diapositiva 1"/>
+          <p:cNvSpPr>
+            <a:spLocks noGrp="1" noRot="1" noChangeAspect="1"/>
+          </p:cNvSpPr>
+          <p:nvPr>
+            <p:ph type="sldImg"/>
+          </p:nvPr>
+        </p:nvSpPr>
+        <p:spPr>
+          <a:xfrm>
+            <a:off x="381000" y="685800"/>
+            <a:ext cx="6096000" cy="3429000"/>
+          </a:xfrm>
+        </p:spPr>
+      </p:sp>
+      <p:sp>
+        <p:nvSpPr>
+          <p:cNvPr id="3" name="Marcador de notas 2"/>
+          <p:cNvSpPr>
+            <a:spLocks noGrp="1"/>
+          </p:cNvSpPr>
+          <p:nvPr>
+            <p:ph type="body" idx="1"/>
+          </p:nvPr>
+        </p:nvSpPr>
+        <p:spPr/>
+        <p:txBody>
+          <a:bodyPr/>
+          <a:lstStyle/>
+          <a:p>
+            <a:endParaRPr lang="es-MX"/>
+          </a:p>
+        </p:txBody>
+      </p:sp>
+    </p:spTree>
+    <p:extLst>
+      <p:ext uri="{BB962C8B-B14F-4D97-AF65-F5344CB8AC3E}">
+        <p14:creationId xmlns:p14="http://schemas.microsoft.com/office/powerpoint/2010/main" val="1009032669"/>
+      </p:ext>
+    </p:extLst>
+  </p:cSld>
+  <p:clrMapOvr>
+    <a:masterClrMapping/>
+  </p:clrMapOvr>
+</p:notes>
+</file>
+
+<file path=ppt/notesSlides/notesSlide12.xml><?xml version="1.0" encoding="utf-8"?>
+<p:notes xmlns:a="http://schemas.openxmlformats.org/drawingml/2006/main" xmlns:r="http://schemas.openxmlformats.org/officeDocument/2006/relationships" xmlns:p="http://schemas.openxmlformats.org/presentationml/2006/main" showMasterSp="0" showMasterPhAnim="0">
+  <p:cSld>
+    <p:spTree>
+      <p:nvGrpSpPr>
+        <p:cNvPr id="1" name="Shape 125"/>
+        <p:cNvGrpSpPr/>
+        <p:nvPr/>
+      </p:nvGrpSpPr>
+      <p:grpSpPr>
+        <a:xfrm>
+          <a:off x="0" y="0"/>
+          <a:ext cx="0" cy="0"/>
+          <a:chOff x="0" y="0"/>
+          <a:chExt cx="0" cy="0"/>
+        </a:xfrm>
+      </p:grpSpPr>
+      <p:sp>
+        <p:nvSpPr>
+          <p:cNvPr id="126" name="Google Shape;126;p6:notes"/>
+          <p:cNvSpPr txBox="1">
+            <a:spLocks noGrp="1"/>
+          </p:cNvSpPr>
+          <p:nvPr>
+            <p:ph type="body" idx="1"/>
+          </p:nvPr>
+        </p:nvSpPr>
+        <p:spPr>
+          <a:xfrm>
+            <a:off x="685800" y="4343400"/>
+            <a:ext cx="5486400" cy="4114800"/>
+          </a:xfrm>
+          <a:prstGeom prst="rect">
+            <a:avLst/>
+          </a:prstGeom>
+        </p:spPr>
+        <p:txBody>
+          <a:bodyPr spcFirstLastPara="1" wrap="square" lIns="91425" tIns="91425" rIns="91425" bIns="91425" anchor="t" anchorCtr="0">
+            <a:noAutofit/>
+          </a:bodyPr>
+          <a:lstStyle/>
+          <a:p>
+            <a:pPr marL="0" lvl="0" indent="0" algn="l" rtl="0">
+              <a:spcBef>
+                <a:spcPts val="0"/>
+              </a:spcBef>
+              <a:spcAft>
+                <a:spcPts val="0"/>
+              </a:spcAft>
+              <a:buNone/>
+            </a:pPr>
+            <a:endParaRPr/>
+          </a:p>
+        </p:txBody>
+      </p:sp>
+      <p:sp>
+        <p:nvSpPr>
+          <p:cNvPr id="127" name="Google Shape;127;p6:notes"/>
+          <p:cNvSpPr>
+            <a:spLocks noGrp="1" noRot="1" noChangeAspect="1"/>
+          </p:cNvSpPr>
+          <p:nvPr>
+            <p:ph type="sldImg" idx="2"/>
+          </p:nvPr>
+        </p:nvSpPr>
+        <p:spPr>
+          <a:xfrm>
+            <a:off x="381000" y="685800"/>
+            <a:ext cx="6096000" cy="3429000"/>
+          </a:xfrm>
+          <a:custGeom>
+            <a:avLst/>
+            <a:gdLst/>
+            <a:ahLst/>
+            <a:cxnLst/>
+            <a:rect l="l" t="t" r="r" b="b"/>
+            <a:pathLst>
+              <a:path w="120000" h="120000" extrusionOk="0">
+                <a:moveTo>
+                  <a:pt x="0" y="0"/>
+                </a:moveTo>
+                <a:lnTo>
+                  <a:pt x="120000" y="0"/>
+                </a:lnTo>
+                <a:lnTo>
+                  <a:pt x="120000" y="120000"/>
+                </a:lnTo>
+                <a:lnTo>
+                  <a:pt x="0" y="120000"/>
+                </a:lnTo>
+                <a:close/>
+              </a:path>
+            </a:pathLst>
+          </a:custGeom>
+        </p:spPr>
+      </p:sp>
+    </p:spTree>
+  </p:cSld>
+  <p:clrMapOvr>
+    <a:masterClrMapping/>
+  </p:clrMapOvr>
+</p:notes>
+</file>
+
 <file path=ppt/notesSlides/notesSlide2.xml><?xml version="1.0" encoding="utf-8"?>
 <p:notes xmlns:a="http://schemas.openxmlformats.org/drawingml/2006/main" xmlns:r="http://schemas.openxmlformats.org/officeDocument/2006/relationships" xmlns:p="http://schemas.openxmlformats.org/presentationml/2006/main" showMasterSp="0" showMasterPhAnim="0">
   <p:cSld>
@@ -853,6 +1125,141 @@
           </a:bodyPr>
           <a:lstStyle/>
           <a:p>
+            <a:pPr marL="615950" lvl="1" indent="0">
+              <a:buNone/>
+            </a:pPr>
+            <a:r>
+              <a:rPr lang="es-MX" sz="1200" dirty="0"/>
+              <a:t>Profesor: (UTM / ITESM / Anáhuac)</a:t>
+            </a:r>
+          </a:p>
+          <a:p>
+            <a:pPr marL="615950" lvl="1" indent="0">
+              <a:buNone/>
+            </a:pPr>
+            <a:r>
+              <a:rPr lang="es-MX" sz="1200" dirty="0"/>
+              <a:t>Materias: Análisis y diseño de algoritmos / Lenguajes y autómatas / Matemáticas discretas / Matemáticas computacionales / Estructuras de datos / Programación (Java, C, C++, Python) / Bases de datos. </a:t>
+            </a:r>
+          </a:p>
+          <a:p>
+            <a:pPr marL="615950" lvl="1" indent="0">
+              <a:buNone/>
+            </a:pPr>
+            <a:r>
+              <a:rPr lang="es-MX" sz="1200" dirty="0"/>
+              <a:t>Diplomados: Desarrollo de aplicaciones móviles (Java, </a:t>
+            </a:r>
+            <a:r>
+              <a:rPr lang="es-MX" sz="1200" dirty="0" err="1"/>
+              <a:t>Objective</a:t>
+            </a:r>
+            <a:r>
+              <a:rPr lang="es-MX" sz="1200" dirty="0"/>
+              <a:t> C, Swift) / Desarrollo de aplicaciones WEB (Java y Python) </a:t>
+            </a:r>
+          </a:p>
+          <a:p>
+            <a:pPr lvl="1"/>
+            <a:endParaRPr lang="es-MX" sz="2000" dirty="0"/>
+          </a:p>
+          <a:p>
+            <a:pPr marL="615950" lvl="1" indent="0">
+              <a:buNone/>
+            </a:pPr>
+            <a:r>
+              <a:rPr lang="es-MX" sz="2000" dirty="0" err="1"/>
+              <a:t>TruEffort</a:t>
+            </a:r>
+            <a:r>
+              <a:rPr lang="es-MX" sz="2000" dirty="0"/>
+              <a:t>: Desarrollo en la nube – “Microservicios”</a:t>
+            </a:r>
+          </a:p>
+          <a:p>
+            <a:pPr marL="615950" lvl="1" indent="0">
+              <a:buNone/>
+            </a:pPr>
+            <a:r>
+              <a:rPr lang="es-MX" sz="2000" dirty="0"/>
+              <a:t>	</a:t>
+            </a:r>
+            <a:r>
+              <a:rPr lang="es-MX" dirty="0"/>
+              <a:t>AWS / Java (</a:t>
+            </a:r>
+            <a:r>
+              <a:rPr lang="es-MX" dirty="0" err="1"/>
+              <a:t>spring</a:t>
+            </a:r>
+            <a:r>
+              <a:rPr lang="es-MX" dirty="0"/>
+              <a:t>) / Python (</a:t>
+            </a:r>
+            <a:r>
+              <a:rPr lang="es-MX" dirty="0" err="1"/>
+              <a:t>django</a:t>
+            </a:r>
+            <a:r>
+              <a:rPr lang="es-MX" dirty="0"/>
+              <a:t>) / JS (</a:t>
+            </a:r>
+            <a:r>
+              <a:rPr lang="es-MX" dirty="0" err="1"/>
+              <a:t>React</a:t>
+            </a:r>
+            <a:r>
+              <a:rPr lang="es-MX" dirty="0"/>
+              <a:t>) </a:t>
+            </a:r>
+          </a:p>
+          <a:p>
+            <a:pPr marL="615950" lvl="1" indent="0">
+              <a:buNone/>
+            </a:pPr>
+            <a:r>
+              <a:rPr lang="es-MX" dirty="0"/>
+              <a:t>Banxico: </a:t>
+            </a:r>
+          </a:p>
+          <a:p>
+            <a:pPr lvl="1"/>
+            <a:r>
+              <a:rPr lang="es-MX" sz="1200" dirty="0"/>
+              <a:t>Proyectos de Desarrollo de Software: </a:t>
+            </a:r>
+            <a:r>
+              <a:rPr lang="es-MX" sz="1200" dirty="0" err="1"/>
+              <a:t>Standalone</a:t>
+            </a:r>
+            <a:r>
+              <a:rPr lang="es-MX" sz="1200" dirty="0"/>
+              <a:t>, Web y móviles</a:t>
+            </a:r>
+          </a:p>
+          <a:p>
+            <a:pPr lvl="1"/>
+            <a:r>
+              <a:rPr lang="es-MX" sz="1200" dirty="0"/>
+              <a:t>Manufactura (Lean </a:t>
+            </a:r>
+            <a:r>
+              <a:rPr lang="es-MX" sz="1200" dirty="0" err="1"/>
+              <a:t>Manufacturing</a:t>
+            </a:r>
+            <a:r>
+              <a:rPr lang="es-MX" sz="1200" dirty="0"/>
+              <a:t> – SIX SIGMA) </a:t>
+            </a:r>
+          </a:p>
+          <a:p>
+            <a:pPr lvl="1"/>
+            <a:r>
+              <a:rPr lang="es-MX" sz="1200" dirty="0"/>
+              <a:t>Investigador (Distribución de efectivo)</a:t>
+            </a:r>
+          </a:p>
+          <a:p>
             <a:pPr marL="0" lvl="0" indent="0" algn="l" rtl="0">
               <a:spcBef>
                 <a:spcPts val="0"/>
@@ -862,7 +1269,7 @@
               </a:spcAft>
               <a:buNone/>
             </a:pPr>
-            <a:endParaRPr/>
+            <a:endParaRPr dirty="0"/>
           </a:p>
         </p:txBody>
       </p:sp>
@@ -927,17 +1334,11 @@
 </file>
 
 <file path=ppt/notesSlides/notesSlide3.xml><?xml version="1.0" encoding="utf-8"?>
-<p:notes xmlns:a="http://schemas.openxmlformats.org/drawingml/2006/main" xmlns:r="http://schemas.openxmlformats.org/officeDocument/2006/relationships" xmlns:p="http://schemas.openxmlformats.org/presentationml/2006/main" showMasterSp="0" showMasterPhAnim="0">
+<p:notes xmlns:a="http://schemas.openxmlformats.org/drawingml/2006/main" xmlns:r="http://schemas.openxmlformats.org/officeDocument/2006/relationships" xmlns:p="http://schemas.openxmlformats.org/presentationml/2006/main">
   <p:cSld>
     <p:spTree>
       <p:nvGrpSpPr>
-        <p:cNvPr id="1" name="Shape 118">
-          <a:extLst>
-            <a:ext uri="{FF2B5EF4-FFF2-40B4-BE49-F238E27FC236}">
-              <a16:creationId xmlns:a16="http://schemas.microsoft.com/office/drawing/2014/main" id="{633F67B5-FC47-80E7-06FB-1C2D5554A8D6}"/>
-            </a:ext>
-          </a:extLst>
-        </p:cNvPr>
+        <p:cNvPr id="1" name=""/>
         <p:cNvGrpSpPr/>
         <p:nvPr/>
       </p:nvGrpSpPr>
@@ -951,62 +1352,12 @@
       </p:grpSpPr>
       <p:sp>
         <p:nvSpPr>
-          <p:cNvPr id="119" name="Google Shape;119;p5:notes">
-            <a:extLst>
-              <a:ext uri="{FF2B5EF4-FFF2-40B4-BE49-F238E27FC236}">
-                <a16:creationId xmlns:a16="http://schemas.microsoft.com/office/drawing/2014/main" id="{4BD8E0B9-70BE-4CD4-E7F3-5619FA103879}"/>
-              </a:ext>
-            </a:extLst>
-          </p:cNvPr>
-          <p:cNvSpPr txBox="1">
-            <a:spLocks noGrp="1"/>
-          </p:cNvSpPr>
-          <p:nvPr>
-            <p:ph type="body" idx="1"/>
-          </p:nvPr>
-        </p:nvSpPr>
-        <p:spPr>
-          <a:xfrm>
-            <a:off x="685800" y="4343400"/>
-            <a:ext cx="5486400" cy="4114800"/>
-          </a:xfrm>
-          <a:prstGeom prst="rect">
-            <a:avLst/>
-          </a:prstGeom>
-        </p:spPr>
-        <p:txBody>
-          <a:bodyPr spcFirstLastPara="1" wrap="square" lIns="91425" tIns="91425" rIns="91425" bIns="91425" anchor="t" anchorCtr="0">
-            <a:noAutofit/>
-          </a:bodyPr>
-          <a:lstStyle/>
-          <a:p>
-            <a:pPr marL="0" lvl="0" indent="0" algn="l" rtl="0">
-              <a:spcBef>
-                <a:spcPts val="0"/>
-              </a:spcBef>
-              <a:spcAft>
-                <a:spcPts val="0"/>
-              </a:spcAft>
-              <a:buNone/>
-            </a:pPr>
-            <a:endParaRPr/>
-          </a:p>
-        </p:txBody>
-      </p:sp>
-      <p:sp>
-        <p:nvSpPr>
-          <p:cNvPr id="120" name="Google Shape;120;p5:notes">
-            <a:extLst>
-              <a:ext uri="{FF2B5EF4-FFF2-40B4-BE49-F238E27FC236}">
-                <a16:creationId xmlns:a16="http://schemas.microsoft.com/office/drawing/2014/main" id="{503845C0-126A-F2FB-E5CC-79637AF72D2F}"/>
-              </a:ext>
-            </a:extLst>
-          </p:cNvPr>
+          <p:cNvPr id="2" name="Marcador de imagen de diapositiva 1"/>
           <p:cNvSpPr>
             <a:spLocks noGrp="1" noRot="1" noChangeAspect="1"/>
           </p:cNvSpPr>
           <p:nvPr>
-            <p:ph type="sldImg" idx="2"/>
+            <p:ph type="sldImg"/>
           </p:nvPr>
         </p:nvSpPr>
         <p:spPr>
@@ -1014,36 +1365,31 @@
             <a:off x="381000" y="685800"/>
             <a:ext cx="6096000" cy="3429000"/>
           </a:xfrm>
-          <a:custGeom>
-            <a:avLst/>
-            <a:gdLst/>
-            <a:ahLst/>
-            <a:cxnLst/>
-            <a:rect l="l" t="t" r="r" b="b"/>
-            <a:pathLst>
-              <a:path w="120000" h="120000" extrusionOk="0">
-                <a:moveTo>
-                  <a:pt x="0" y="0"/>
-                </a:moveTo>
-                <a:lnTo>
-                  <a:pt x="120000" y="0"/>
-                </a:lnTo>
-                <a:lnTo>
-                  <a:pt x="120000" y="120000"/>
-                </a:lnTo>
-                <a:lnTo>
-                  <a:pt x="0" y="120000"/>
-                </a:lnTo>
-                <a:close/>
-              </a:path>
-            </a:pathLst>
-          </a:custGeom>
         </p:spPr>
+      </p:sp>
+      <p:sp>
+        <p:nvSpPr>
+          <p:cNvPr id="3" name="Marcador de notas 2"/>
+          <p:cNvSpPr>
+            <a:spLocks noGrp="1"/>
+          </p:cNvSpPr>
+          <p:nvPr>
+            <p:ph type="body" idx="1"/>
+          </p:nvPr>
+        </p:nvSpPr>
+        <p:spPr/>
+        <p:txBody>
+          <a:bodyPr/>
+          <a:lstStyle/>
+          <a:p>
+            <a:endParaRPr lang="es-MX"/>
+          </a:p>
+        </p:txBody>
       </p:sp>
     </p:spTree>
     <p:extLst>
       <p:ext uri="{BB962C8B-B14F-4D97-AF65-F5344CB8AC3E}">
-        <p14:creationId xmlns:p14="http://schemas.microsoft.com/office/powerpoint/2010/main" val="1283329817"/>
+        <p14:creationId xmlns:p14="http://schemas.microsoft.com/office/powerpoint/2010/main" val="697777171"/>
       </p:ext>
     </p:extLst>
   </p:cSld>
@@ -1054,11 +1400,11 @@
 </file>
 
 <file path=ppt/notesSlides/notesSlide4.xml><?xml version="1.0" encoding="utf-8"?>
-<p:notes xmlns:a="http://schemas.openxmlformats.org/drawingml/2006/main" xmlns:r="http://schemas.openxmlformats.org/officeDocument/2006/relationships" xmlns:p="http://schemas.openxmlformats.org/presentationml/2006/main" showMasterSp="0" showMasterPhAnim="0">
+<p:notes xmlns:a="http://schemas.openxmlformats.org/drawingml/2006/main" xmlns:r="http://schemas.openxmlformats.org/officeDocument/2006/relationships" xmlns:p="http://schemas.openxmlformats.org/presentationml/2006/main">
   <p:cSld>
     <p:spTree>
       <p:nvGrpSpPr>
-        <p:cNvPr id="1" name="Shape 108"/>
+        <p:cNvPr id="1" name=""/>
         <p:cNvGrpSpPr/>
         <p:nvPr/>
       </p:nvGrpSpPr>
@@ -1072,50 +1418,12 @@
       </p:grpSpPr>
       <p:sp>
         <p:nvSpPr>
-          <p:cNvPr id="109" name="Google Shape;109;p3:notes"/>
-          <p:cNvSpPr txBox="1">
-            <a:spLocks noGrp="1"/>
-          </p:cNvSpPr>
-          <p:nvPr>
-            <p:ph type="body" idx="1"/>
-          </p:nvPr>
-        </p:nvSpPr>
-        <p:spPr>
-          <a:xfrm>
-            <a:off x="685800" y="4343400"/>
-            <a:ext cx="5486400" cy="4114800"/>
-          </a:xfrm>
-          <a:prstGeom prst="rect">
-            <a:avLst/>
-          </a:prstGeom>
-        </p:spPr>
-        <p:txBody>
-          <a:bodyPr spcFirstLastPara="1" wrap="square" lIns="91425" tIns="91425" rIns="91425" bIns="91425" anchor="t" anchorCtr="0">
-            <a:noAutofit/>
-          </a:bodyPr>
-          <a:lstStyle/>
-          <a:p>
-            <a:pPr marL="0" lvl="0" indent="0" algn="l" rtl="0">
-              <a:spcBef>
-                <a:spcPts val="0"/>
-              </a:spcBef>
-              <a:spcAft>
-                <a:spcPts val="0"/>
-              </a:spcAft>
-              <a:buNone/>
-            </a:pPr>
-            <a:endParaRPr/>
-          </a:p>
-        </p:txBody>
-      </p:sp>
-      <p:sp>
-        <p:nvSpPr>
-          <p:cNvPr id="110" name="Google Shape;110;p3:notes"/>
+          <p:cNvPr id="2" name="Marcador de imagen de diapositiva 1"/>
           <p:cNvSpPr>
             <a:spLocks noGrp="1" noRot="1" noChangeAspect="1"/>
           </p:cNvSpPr>
           <p:nvPr>
-            <p:ph type="sldImg" idx="2"/>
+            <p:ph type="sldImg"/>
           </p:nvPr>
         </p:nvSpPr>
         <p:spPr>
@@ -1123,33 +1431,62 @@
             <a:off x="381000" y="685800"/>
             <a:ext cx="6096000" cy="3429000"/>
           </a:xfrm>
-          <a:custGeom>
-            <a:avLst/>
-            <a:gdLst/>
-            <a:ahLst/>
-            <a:cxnLst/>
-            <a:rect l="l" t="t" r="r" b="b"/>
-            <a:pathLst>
-              <a:path w="120000" h="120000" extrusionOk="0">
-                <a:moveTo>
-                  <a:pt x="0" y="0"/>
-                </a:moveTo>
-                <a:lnTo>
-                  <a:pt x="120000" y="0"/>
-                </a:lnTo>
-                <a:lnTo>
-                  <a:pt x="120000" y="120000"/>
-                </a:lnTo>
-                <a:lnTo>
-                  <a:pt x="0" y="120000"/>
-                </a:lnTo>
-                <a:close/>
-              </a:path>
-            </a:pathLst>
-          </a:custGeom>
         </p:spPr>
       </p:sp>
+      <p:sp>
+        <p:nvSpPr>
+          <p:cNvPr id="3" name="Marcador de notas 2"/>
+          <p:cNvSpPr>
+            <a:spLocks noGrp="1"/>
+          </p:cNvSpPr>
+          <p:nvPr>
+            <p:ph type="body" idx="1"/>
+          </p:nvPr>
+        </p:nvSpPr>
+        <p:spPr/>
+        <p:txBody>
+          <a:bodyPr/>
+          <a:lstStyle/>
+          <a:p>
+            <a:r>
+              <a:rPr lang="es-MX" dirty="0"/>
+              <a:t>COMUNIDAD</a:t>
+            </a:r>
+          </a:p>
+          <a:p>
+            <a:endParaRPr lang="es-MX" dirty="0"/>
+          </a:p>
+        </p:txBody>
+      </p:sp>
+      <p:sp>
+        <p:nvSpPr>
+          <p:cNvPr id="4" name="Marcador de número de diapositiva 3"/>
+          <p:cNvSpPr>
+            <a:spLocks noGrp="1"/>
+          </p:cNvSpPr>
+          <p:nvPr>
+            <p:ph type="sldNum" sz="quarter" idx="5"/>
+          </p:nvPr>
+        </p:nvSpPr>
+        <p:spPr/>
+        <p:txBody>
+          <a:bodyPr/>
+          <a:lstStyle/>
+          <a:p>
+            <a:fld id="{26637146-D6E3-4250-90A3-31D911502D4D}" type="slidenum">
+              <a:rPr lang="es-MX" smtClean="0"/>
+              <a:t>4</a:t>
+            </a:fld>
+            <a:endParaRPr lang="es-MX"/>
+          </a:p>
+        </p:txBody>
+      </p:sp>
     </p:spTree>
+    <p:extLst>
+      <p:ext uri="{BB962C8B-B14F-4D97-AF65-F5344CB8AC3E}">
+        <p14:creationId xmlns:p14="http://schemas.microsoft.com/office/powerpoint/2010/main" val="1314668823"/>
+      </p:ext>
+    </p:extLst>
   </p:cSld>
   <p:clrMapOvr>
     <a:masterClrMapping/>
@@ -1158,11 +1495,11 @@
 </file>
 
 <file path=ppt/notesSlides/notesSlide5.xml><?xml version="1.0" encoding="utf-8"?>
-<p:notes xmlns:a="http://schemas.openxmlformats.org/drawingml/2006/main" xmlns:r="http://schemas.openxmlformats.org/officeDocument/2006/relationships" xmlns:p="http://schemas.openxmlformats.org/presentationml/2006/main" showMasterSp="0" showMasterPhAnim="0">
+<p:notes xmlns:a="http://schemas.openxmlformats.org/drawingml/2006/main" xmlns:r="http://schemas.openxmlformats.org/officeDocument/2006/relationships" xmlns:p="http://schemas.openxmlformats.org/presentationml/2006/main">
   <p:cSld>
     <p:spTree>
       <p:nvGrpSpPr>
-        <p:cNvPr id="1" name="Shape 118"/>
+        <p:cNvPr id="1" name=""/>
         <p:cNvGrpSpPr/>
         <p:nvPr/>
       </p:nvGrpSpPr>
@@ -1176,50 +1513,12 @@
       </p:grpSpPr>
       <p:sp>
         <p:nvSpPr>
-          <p:cNvPr id="119" name="Google Shape;119;p5:notes"/>
-          <p:cNvSpPr txBox="1">
-            <a:spLocks noGrp="1"/>
-          </p:cNvSpPr>
-          <p:nvPr>
-            <p:ph type="body" idx="1"/>
-          </p:nvPr>
-        </p:nvSpPr>
-        <p:spPr>
-          <a:xfrm>
-            <a:off x="685800" y="4343400"/>
-            <a:ext cx="5486400" cy="4114800"/>
-          </a:xfrm>
-          <a:prstGeom prst="rect">
-            <a:avLst/>
-          </a:prstGeom>
-        </p:spPr>
-        <p:txBody>
-          <a:bodyPr spcFirstLastPara="1" wrap="square" lIns="91425" tIns="91425" rIns="91425" bIns="91425" anchor="t" anchorCtr="0">
-            <a:noAutofit/>
-          </a:bodyPr>
-          <a:lstStyle/>
-          <a:p>
-            <a:pPr marL="0" lvl="0" indent="0" algn="l" rtl="0">
-              <a:spcBef>
-                <a:spcPts val="0"/>
-              </a:spcBef>
-              <a:spcAft>
-                <a:spcPts val="0"/>
-              </a:spcAft>
-              <a:buNone/>
-            </a:pPr>
-            <a:endParaRPr/>
-          </a:p>
-        </p:txBody>
-      </p:sp>
-      <p:sp>
-        <p:nvSpPr>
-          <p:cNvPr id="120" name="Google Shape;120;p5:notes"/>
+          <p:cNvPr id="2" name="Marcador de imagen de diapositiva 1"/>
           <p:cNvSpPr>
             <a:spLocks noGrp="1" noRot="1" noChangeAspect="1"/>
           </p:cNvSpPr>
           <p:nvPr>
-            <p:ph type="sldImg" idx="2"/>
+            <p:ph type="sldImg"/>
           </p:nvPr>
         </p:nvSpPr>
         <p:spPr>
@@ -1227,33 +1526,86 @@
             <a:off x="381000" y="685800"/>
             <a:ext cx="6096000" cy="3429000"/>
           </a:xfrm>
-          <a:custGeom>
-            <a:avLst/>
-            <a:gdLst/>
-            <a:ahLst/>
-            <a:cxnLst/>
-            <a:rect l="l" t="t" r="r" b="b"/>
-            <a:pathLst>
-              <a:path w="120000" h="120000" extrusionOk="0">
-                <a:moveTo>
-                  <a:pt x="0" y="0"/>
-                </a:moveTo>
-                <a:lnTo>
-                  <a:pt x="120000" y="0"/>
-                </a:lnTo>
-                <a:lnTo>
-                  <a:pt x="120000" y="120000"/>
-                </a:lnTo>
-                <a:lnTo>
-                  <a:pt x="0" y="120000"/>
-                </a:lnTo>
-                <a:close/>
-              </a:path>
-            </a:pathLst>
-          </a:custGeom>
         </p:spPr>
       </p:sp>
+      <p:sp>
+        <p:nvSpPr>
+          <p:cNvPr id="3" name="Marcador de notas 2"/>
+          <p:cNvSpPr>
+            <a:spLocks noGrp="1"/>
+          </p:cNvSpPr>
+          <p:nvPr>
+            <p:ph type="body" idx="1"/>
+          </p:nvPr>
+        </p:nvSpPr>
+        <p:spPr/>
+        <p:txBody>
+          <a:bodyPr/>
+          <a:lstStyle/>
+          <a:p>
+            <a:r>
+              <a:rPr lang="es-MX" b="0" i="0" dirty="0">
+                <a:solidFill>
+                  <a:srgbClr val="374151"/>
+                </a:solidFill>
+                <a:effectLst/>
+                <a:latin typeface="Söhne"/>
+              </a:rPr>
+              <a:t>Generalmente el desarrollador pierde el tiempo reinventando la rueda con el desarrollo de </a:t>
+            </a:r>
+            <a:r>
+              <a:rPr lang="es-MX" b="0" i="0" dirty="0" err="1">
+                <a:solidFill>
+                  <a:srgbClr val="374151"/>
+                </a:solidFill>
+                <a:effectLst/>
+                <a:latin typeface="Söhne"/>
+              </a:rPr>
+              <a:t>CRUDs</a:t>
+            </a:r>
+            <a:r>
+              <a:rPr lang="es-MX" b="0" i="0" dirty="0">
+                <a:solidFill>
+                  <a:srgbClr val="374151"/>
+                </a:solidFill>
+                <a:effectLst/>
+                <a:latin typeface="Söhne"/>
+              </a:rPr>
+              <a:t> para gestionar catálogos, usuarios y privilegios.</a:t>
+            </a:r>
+            <a:endParaRPr lang="es-MX" dirty="0"/>
+          </a:p>
+        </p:txBody>
+      </p:sp>
+      <p:sp>
+        <p:nvSpPr>
+          <p:cNvPr id="4" name="Marcador de número de diapositiva 3"/>
+          <p:cNvSpPr>
+            <a:spLocks noGrp="1"/>
+          </p:cNvSpPr>
+          <p:nvPr>
+            <p:ph type="sldNum" sz="quarter" idx="5"/>
+          </p:nvPr>
+        </p:nvSpPr>
+        <p:spPr/>
+        <p:txBody>
+          <a:bodyPr/>
+          <a:lstStyle/>
+          <a:p>
+            <a:fld id="{26637146-D6E3-4250-90A3-31D911502D4D}" type="slidenum">
+              <a:rPr lang="es-MX" smtClean="0"/>
+              <a:t>5</a:t>
+            </a:fld>
+            <a:endParaRPr lang="es-MX"/>
+          </a:p>
+        </p:txBody>
+      </p:sp>
     </p:spTree>
+    <p:extLst>
+      <p:ext uri="{BB962C8B-B14F-4D97-AF65-F5344CB8AC3E}">
+        <p14:creationId xmlns:p14="http://schemas.microsoft.com/office/powerpoint/2010/main" val="1414183243"/>
+      </p:ext>
+    </p:extLst>
   </p:cSld>
   <p:clrMapOvr>
     <a:masterClrMapping/>
@@ -1262,11 +1614,11 @@
 </file>
 
 <file path=ppt/notesSlides/notesSlide6.xml><?xml version="1.0" encoding="utf-8"?>
-<p:notes xmlns:a="http://schemas.openxmlformats.org/drawingml/2006/main" xmlns:r="http://schemas.openxmlformats.org/officeDocument/2006/relationships" xmlns:p="http://schemas.openxmlformats.org/presentationml/2006/main" showMasterSp="0" showMasterPhAnim="0">
+<p:notes xmlns:a="http://schemas.openxmlformats.org/drawingml/2006/main" xmlns:r="http://schemas.openxmlformats.org/officeDocument/2006/relationships" xmlns:p="http://schemas.openxmlformats.org/presentationml/2006/main">
   <p:cSld>
     <p:spTree>
       <p:nvGrpSpPr>
-        <p:cNvPr id="1" name="Shape 125"/>
+        <p:cNvPr id="1" name=""/>
         <p:cNvGrpSpPr/>
         <p:nvPr/>
       </p:nvGrpSpPr>
@@ -1280,50 +1632,12 @@
       </p:grpSpPr>
       <p:sp>
         <p:nvSpPr>
-          <p:cNvPr id="126" name="Google Shape;126;p6:notes"/>
-          <p:cNvSpPr txBox="1">
-            <a:spLocks noGrp="1"/>
-          </p:cNvSpPr>
-          <p:nvPr>
-            <p:ph type="body" idx="1"/>
-          </p:nvPr>
-        </p:nvSpPr>
-        <p:spPr>
-          <a:xfrm>
-            <a:off x="685800" y="4343400"/>
-            <a:ext cx="5486400" cy="4114800"/>
-          </a:xfrm>
-          <a:prstGeom prst="rect">
-            <a:avLst/>
-          </a:prstGeom>
-        </p:spPr>
-        <p:txBody>
-          <a:bodyPr spcFirstLastPara="1" wrap="square" lIns="91425" tIns="91425" rIns="91425" bIns="91425" anchor="t" anchorCtr="0">
-            <a:noAutofit/>
-          </a:bodyPr>
-          <a:lstStyle/>
-          <a:p>
-            <a:pPr marL="0" lvl="0" indent="0" algn="l" rtl="0">
-              <a:spcBef>
-                <a:spcPts val="0"/>
-              </a:spcBef>
-              <a:spcAft>
-                <a:spcPts val="0"/>
-              </a:spcAft>
-              <a:buNone/>
-            </a:pPr>
-            <a:endParaRPr/>
-          </a:p>
-        </p:txBody>
-      </p:sp>
-      <p:sp>
-        <p:nvSpPr>
-          <p:cNvPr id="127" name="Google Shape;127;p6:notes"/>
+          <p:cNvPr id="2" name="Marcador de imagen de diapositiva 1"/>
           <p:cNvSpPr>
             <a:spLocks noGrp="1" noRot="1" noChangeAspect="1"/>
           </p:cNvSpPr>
           <p:nvPr>
-            <p:ph type="sldImg" idx="2"/>
+            <p:ph type="sldImg"/>
           </p:nvPr>
         </p:nvSpPr>
         <p:spPr>
@@ -1331,33 +1645,265 @@
             <a:off x="381000" y="685800"/>
             <a:ext cx="6096000" cy="3429000"/>
           </a:xfrm>
-          <a:custGeom>
-            <a:avLst/>
-            <a:gdLst/>
-            <a:ahLst/>
-            <a:cxnLst/>
-            <a:rect l="l" t="t" r="r" b="b"/>
-            <a:pathLst>
-              <a:path w="120000" h="120000" extrusionOk="0">
-                <a:moveTo>
-                  <a:pt x="0" y="0"/>
-                </a:moveTo>
-                <a:lnTo>
-                  <a:pt x="120000" y="0"/>
-                </a:lnTo>
-                <a:lnTo>
-                  <a:pt x="120000" y="120000"/>
-                </a:lnTo>
-                <a:lnTo>
-                  <a:pt x="0" y="120000"/>
-                </a:lnTo>
-                <a:close/>
-              </a:path>
-            </a:pathLst>
-          </a:custGeom>
         </p:spPr>
       </p:sp>
+      <p:sp>
+        <p:nvSpPr>
+          <p:cNvPr id="3" name="Marcador de notas 2"/>
+          <p:cNvSpPr>
+            <a:spLocks noGrp="1"/>
+          </p:cNvSpPr>
+          <p:nvPr>
+            <p:ph type="body" idx="1"/>
+          </p:nvPr>
+        </p:nvSpPr>
+        <p:spPr/>
+        <p:txBody>
+          <a:bodyPr/>
+          <a:lstStyle/>
+          <a:p>
+            <a:r>
+              <a:rPr lang="es-MX" dirty="0"/>
+              <a:t>El </a:t>
+            </a:r>
+            <a:r>
+              <a:rPr lang="es-MX" dirty="0" err="1"/>
+              <a:t>framework</a:t>
+            </a:r>
+            <a:r>
+              <a:rPr lang="es-MX" dirty="0"/>
+              <a:t> Django</a:t>
+            </a:r>
+          </a:p>
+        </p:txBody>
+      </p:sp>
+      <p:sp>
+        <p:nvSpPr>
+          <p:cNvPr id="4" name="Marcador de número de diapositiva 3"/>
+          <p:cNvSpPr>
+            <a:spLocks noGrp="1"/>
+          </p:cNvSpPr>
+          <p:nvPr>
+            <p:ph type="sldNum" sz="quarter" idx="5"/>
+          </p:nvPr>
+        </p:nvSpPr>
+        <p:spPr/>
+        <p:txBody>
+          <a:bodyPr/>
+          <a:lstStyle/>
+          <a:p>
+            <a:fld id="{26637146-D6E3-4250-90A3-31D911502D4D}" type="slidenum">
+              <a:rPr lang="es-MX" smtClean="0"/>
+              <a:t>6</a:t>
+            </a:fld>
+            <a:endParaRPr lang="es-MX"/>
+          </a:p>
+        </p:txBody>
+      </p:sp>
     </p:spTree>
+    <p:extLst>
+      <p:ext uri="{BB962C8B-B14F-4D97-AF65-F5344CB8AC3E}">
+        <p14:creationId xmlns:p14="http://schemas.microsoft.com/office/powerpoint/2010/main" val="979528945"/>
+      </p:ext>
+    </p:extLst>
+  </p:cSld>
+  <p:clrMapOvr>
+    <a:masterClrMapping/>
+  </p:clrMapOvr>
+</p:notes>
+</file>
+
+<file path=ppt/notesSlides/notesSlide7.xml><?xml version="1.0" encoding="utf-8"?>
+<p:notes xmlns:a="http://schemas.openxmlformats.org/drawingml/2006/main" xmlns:r="http://schemas.openxmlformats.org/officeDocument/2006/relationships" xmlns:p="http://schemas.openxmlformats.org/presentationml/2006/main">
+  <p:cSld>
+    <p:spTree>
+      <p:nvGrpSpPr>
+        <p:cNvPr id="1" name=""/>
+        <p:cNvGrpSpPr/>
+        <p:nvPr/>
+      </p:nvGrpSpPr>
+      <p:grpSpPr>
+        <a:xfrm>
+          <a:off x="0" y="0"/>
+          <a:ext cx="0" cy="0"/>
+          <a:chOff x="0" y="0"/>
+          <a:chExt cx="0" cy="0"/>
+        </a:xfrm>
+      </p:grpSpPr>
+      <p:sp>
+        <p:nvSpPr>
+          <p:cNvPr id="2" name="Marcador de imagen de diapositiva 1"/>
+          <p:cNvSpPr>
+            <a:spLocks noGrp="1" noRot="1" noChangeAspect="1"/>
+          </p:cNvSpPr>
+          <p:nvPr>
+            <p:ph type="sldImg"/>
+          </p:nvPr>
+        </p:nvSpPr>
+        <p:spPr>
+          <a:xfrm>
+            <a:off x="381000" y="685800"/>
+            <a:ext cx="6096000" cy="3429000"/>
+          </a:xfrm>
+        </p:spPr>
+      </p:sp>
+      <p:sp>
+        <p:nvSpPr>
+          <p:cNvPr id="3" name="Marcador de notas 2"/>
+          <p:cNvSpPr>
+            <a:spLocks noGrp="1"/>
+          </p:cNvSpPr>
+          <p:nvPr>
+            <p:ph type="body" idx="1"/>
+          </p:nvPr>
+        </p:nvSpPr>
+        <p:spPr/>
+        <p:txBody>
+          <a:bodyPr/>
+          <a:lstStyle/>
+          <a:p>
+            <a:endParaRPr lang="es-MX"/>
+          </a:p>
+        </p:txBody>
+      </p:sp>
+    </p:spTree>
+    <p:extLst>
+      <p:ext uri="{BB962C8B-B14F-4D97-AF65-F5344CB8AC3E}">
+        <p14:creationId xmlns:p14="http://schemas.microsoft.com/office/powerpoint/2010/main" val="3691832034"/>
+      </p:ext>
+    </p:extLst>
+  </p:cSld>
+  <p:clrMapOvr>
+    <a:masterClrMapping/>
+  </p:clrMapOvr>
+</p:notes>
+</file>
+
+<file path=ppt/notesSlides/notesSlide8.xml><?xml version="1.0" encoding="utf-8"?>
+<p:notes xmlns:a="http://schemas.openxmlformats.org/drawingml/2006/main" xmlns:r="http://schemas.openxmlformats.org/officeDocument/2006/relationships" xmlns:p="http://schemas.openxmlformats.org/presentationml/2006/main">
+  <p:cSld>
+    <p:spTree>
+      <p:nvGrpSpPr>
+        <p:cNvPr id="1" name=""/>
+        <p:cNvGrpSpPr/>
+        <p:nvPr/>
+      </p:nvGrpSpPr>
+      <p:grpSpPr>
+        <a:xfrm>
+          <a:off x="0" y="0"/>
+          <a:ext cx="0" cy="0"/>
+          <a:chOff x="0" y="0"/>
+          <a:chExt cx="0" cy="0"/>
+        </a:xfrm>
+      </p:grpSpPr>
+      <p:sp>
+        <p:nvSpPr>
+          <p:cNvPr id="2" name="Marcador de imagen de diapositiva 1"/>
+          <p:cNvSpPr>
+            <a:spLocks noGrp="1" noRot="1" noChangeAspect="1"/>
+          </p:cNvSpPr>
+          <p:nvPr>
+            <p:ph type="sldImg"/>
+          </p:nvPr>
+        </p:nvSpPr>
+        <p:spPr>
+          <a:xfrm>
+            <a:off x="381000" y="685800"/>
+            <a:ext cx="6096000" cy="3429000"/>
+          </a:xfrm>
+        </p:spPr>
+      </p:sp>
+      <p:sp>
+        <p:nvSpPr>
+          <p:cNvPr id="3" name="Marcador de notas 2"/>
+          <p:cNvSpPr>
+            <a:spLocks noGrp="1"/>
+          </p:cNvSpPr>
+          <p:nvPr>
+            <p:ph type="body" idx="1"/>
+          </p:nvPr>
+        </p:nvSpPr>
+        <p:spPr/>
+        <p:txBody>
+          <a:bodyPr/>
+          <a:lstStyle/>
+          <a:p>
+            <a:endParaRPr lang="es-MX"/>
+          </a:p>
+        </p:txBody>
+      </p:sp>
+    </p:spTree>
+    <p:extLst>
+      <p:ext uri="{BB962C8B-B14F-4D97-AF65-F5344CB8AC3E}">
+        <p14:creationId xmlns:p14="http://schemas.microsoft.com/office/powerpoint/2010/main" val="3036062953"/>
+      </p:ext>
+    </p:extLst>
+  </p:cSld>
+  <p:clrMapOvr>
+    <a:masterClrMapping/>
+  </p:clrMapOvr>
+</p:notes>
+</file>
+
+<file path=ppt/notesSlides/notesSlide9.xml><?xml version="1.0" encoding="utf-8"?>
+<p:notes xmlns:a="http://schemas.openxmlformats.org/drawingml/2006/main" xmlns:r="http://schemas.openxmlformats.org/officeDocument/2006/relationships" xmlns:p="http://schemas.openxmlformats.org/presentationml/2006/main">
+  <p:cSld>
+    <p:spTree>
+      <p:nvGrpSpPr>
+        <p:cNvPr id="1" name=""/>
+        <p:cNvGrpSpPr/>
+        <p:nvPr/>
+      </p:nvGrpSpPr>
+      <p:grpSpPr>
+        <a:xfrm>
+          <a:off x="0" y="0"/>
+          <a:ext cx="0" cy="0"/>
+          <a:chOff x="0" y="0"/>
+          <a:chExt cx="0" cy="0"/>
+        </a:xfrm>
+      </p:grpSpPr>
+      <p:sp>
+        <p:nvSpPr>
+          <p:cNvPr id="2" name="Marcador de imagen de diapositiva 1"/>
+          <p:cNvSpPr>
+            <a:spLocks noGrp="1" noRot="1" noChangeAspect="1"/>
+          </p:cNvSpPr>
+          <p:nvPr>
+            <p:ph type="sldImg"/>
+          </p:nvPr>
+        </p:nvSpPr>
+        <p:spPr>
+          <a:xfrm>
+            <a:off x="381000" y="685800"/>
+            <a:ext cx="6096000" cy="3429000"/>
+          </a:xfrm>
+        </p:spPr>
+      </p:sp>
+      <p:sp>
+        <p:nvSpPr>
+          <p:cNvPr id="3" name="Marcador de notas 2"/>
+          <p:cNvSpPr>
+            <a:spLocks noGrp="1"/>
+          </p:cNvSpPr>
+          <p:nvPr>
+            <p:ph type="body" idx="1"/>
+          </p:nvPr>
+        </p:nvSpPr>
+        <p:spPr/>
+        <p:txBody>
+          <a:bodyPr/>
+          <a:lstStyle/>
+          <a:p>
+            <a:endParaRPr lang="es-MX"/>
+          </a:p>
+        </p:txBody>
+      </p:sp>
+    </p:spTree>
+    <p:extLst>
+      <p:ext uri="{BB962C8B-B14F-4D97-AF65-F5344CB8AC3E}">
+        <p14:creationId xmlns:p14="http://schemas.microsoft.com/office/powerpoint/2010/main" val="795210069"/>
+      </p:ext>
+    </p:extLst>
   </p:cSld>
   <p:clrMapOvr>
     <a:masterClrMapping/>
@@ -2495,920 +3041,6 @@
 </file>
 
 <file path=ppt/slideLayouts/slideLayout3.xml><?xml version="1.0" encoding="utf-8"?>
-<p:sldLayout xmlns:a="http://schemas.openxmlformats.org/drawingml/2006/main" xmlns:r="http://schemas.openxmlformats.org/officeDocument/2006/relationships" xmlns:p="http://schemas.openxmlformats.org/presentationml/2006/main" matchingName="Dos objetos" type="twoObj">
-  <p:cSld name="TWO_OBJECTS">
-    <p:spTree>
-      <p:nvGrpSpPr>
-        <p:cNvPr id="1" name="Shape 26"/>
-        <p:cNvGrpSpPr/>
-        <p:nvPr/>
-      </p:nvGrpSpPr>
-      <p:grpSpPr>
-        <a:xfrm>
-          <a:off x="0" y="0"/>
-          <a:ext cx="0" cy="0"/>
-          <a:chOff x="0" y="0"/>
-          <a:chExt cx="0" cy="0"/>
-        </a:xfrm>
-      </p:grpSpPr>
-      <p:sp>
-        <p:nvSpPr>
-          <p:cNvPr id="27" name="Google Shape;27;p11"/>
-          <p:cNvSpPr txBox="1">
-            <a:spLocks noGrp="1"/>
-          </p:cNvSpPr>
-          <p:nvPr>
-            <p:ph type="title"/>
-          </p:nvPr>
-        </p:nvSpPr>
-        <p:spPr>
-          <a:xfrm>
-            <a:off x="838200" y="365125"/>
-            <a:ext cx="10515600" cy="1325563"/>
-          </a:xfrm>
-          <a:prstGeom prst="rect">
-            <a:avLst/>
-          </a:prstGeom>
-          <a:noFill/>
-          <a:ln>
-            <a:noFill/>
-          </a:ln>
-        </p:spPr>
-        <p:txBody>
-          <a:bodyPr spcFirstLastPara="1" wrap="square" lIns="91425" tIns="45700" rIns="91425" bIns="45700" anchor="ctr" anchorCtr="0">
-            <a:normAutofit/>
-          </a:bodyPr>
-          <a:lstStyle>
-            <a:lvl1pPr lvl="0" algn="l">
-              <a:lnSpc>
-                <a:spcPct val="90000"/>
-              </a:lnSpc>
-              <a:spcBef>
-                <a:spcPts val="0"/>
-              </a:spcBef>
-              <a:spcAft>
-                <a:spcPts val="0"/>
-              </a:spcAft>
-              <a:buClr>
-                <a:schemeClr val="dk1"/>
-              </a:buClr>
-              <a:buSzPts val="1800"/>
-              <a:buNone/>
-              <a:defRPr/>
-            </a:lvl1pPr>
-            <a:lvl2pPr lvl="1">
-              <a:spcBef>
-                <a:spcPts val="0"/>
-              </a:spcBef>
-              <a:spcAft>
-                <a:spcPts val="0"/>
-              </a:spcAft>
-              <a:buSzPts val="1400"/>
-              <a:buNone/>
-              <a:defRPr/>
-            </a:lvl2pPr>
-            <a:lvl3pPr lvl="2">
-              <a:spcBef>
-                <a:spcPts val="0"/>
-              </a:spcBef>
-              <a:spcAft>
-                <a:spcPts val="0"/>
-              </a:spcAft>
-              <a:buSzPts val="1400"/>
-              <a:buNone/>
-              <a:defRPr/>
-            </a:lvl3pPr>
-            <a:lvl4pPr lvl="3">
-              <a:spcBef>
-                <a:spcPts val="0"/>
-              </a:spcBef>
-              <a:spcAft>
-                <a:spcPts val="0"/>
-              </a:spcAft>
-              <a:buSzPts val="1400"/>
-              <a:buNone/>
-              <a:defRPr/>
-            </a:lvl4pPr>
-            <a:lvl5pPr lvl="4">
-              <a:spcBef>
-                <a:spcPts val="0"/>
-              </a:spcBef>
-              <a:spcAft>
-                <a:spcPts val="0"/>
-              </a:spcAft>
-              <a:buSzPts val="1400"/>
-              <a:buNone/>
-              <a:defRPr/>
-            </a:lvl5pPr>
-            <a:lvl6pPr lvl="5">
-              <a:spcBef>
-                <a:spcPts val="0"/>
-              </a:spcBef>
-              <a:spcAft>
-                <a:spcPts val="0"/>
-              </a:spcAft>
-              <a:buSzPts val="1400"/>
-              <a:buNone/>
-              <a:defRPr/>
-            </a:lvl6pPr>
-            <a:lvl7pPr lvl="6">
-              <a:spcBef>
-                <a:spcPts val="0"/>
-              </a:spcBef>
-              <a:spcAft>
-                <a:spcPts val="0"/>
-              </a:spcAft>
-              <a:buSzPts val="1400"/>
-              <a:buNone/>
-              <a:defRPr/>
-            </a:lvl7pPr>
-            <a:lvl8pPr lvl="7">
-              <a:spcBef>
-                <a:spcPts val="0"/>
-              </a:spcBef>
-              <a:spcAft>
-                <a:spcPts val="0"/>
-              </a:spcAft>
-              <a:buSzPts val="1400"/>
-              <a:buNone/>
-              <a:defRPr/>
-            </a:lvl8pPr>
-            <a:lvl9pPr lvl="8">
-              <a:spcBef>
-                <a:spcPts val="0"/>
-              </a:spcBef>
-              <a:spcAft>
-                <a:spcPts val="0"/>
-              </a:spcAft>
-              <a:buSzPts val="1400"/>
-              <a:buNone/>
-              <a:defRPr/>
-            </a:lvl9pPr>
-          </a:lstStyle>
-          <a:p>
-            <a:endParaRPr/>
-          </a:p>
-        </p:txBody>
-      </p:sp>
-      <p:sp>
-        <p:nvSpPr>
-          <p:cNvPr id="28" name="Google Shape;28;p11"/>
-          <p:cNvSpPr txBox="1">
-            <a:spLocks noGrp="1"/>
-          </p:cNvSpPr>
-          <p:nvPr>
-            <p:ph type="body" idx="1"/>
-          </p:nvPr>
-        </p:nvSpPr>
-        <p:spPr>
-          <a:xfrm>
-            <a:off x="838200" y="1825625"/>
-            <a:ext cx="5181600" cy="4351338"/>
-          </a:xfrm>
-          <a:prstGeom prst="rect">
-            <a:avLst/>
-          </a:prstGeom>
-          <a:noFill/>
-          <a:ln>
-            <a:noFill/>
-          </a:ln>
-        </p:spPr>
-        <p:txBody>
-          <a:bodyPr spcFirstLastPara="1" wrap="square" lIns="91425" tIns="45700" rIns="91425" bIns="45700" anchor="t" anchorCtr="0">
-            <a:normAutofit/>
-          </a:bodyPr>
-          <a:lstStyle>
-            <a:lvl1pPr marL="457200" lvl="0" indent="-342900" algn="l">
-              <a:lnSpc>
-                <a:spcPct val="90000"/>
-              </a:lnSpc>
-              <a:spcBef>
-                <a:spcPts val="1000"/>
-              </a:spcBef>
-              <a:spcAft>
-                <a:spcPts val="0"/>
-              </a:spcAft>
-              <a:buClr>
-                <a:schemeClr val="dk1"/>
-              </a:buClr>
-              <a:buSzPts val="1800"/>
-              <a:buChar char="•"/>
-              <a:defRPr/>
-            </a:lvl1pPr>
-            <a:lvl2pPr marL="914400" lvl="1" indent="-342900" algn="l">
-              <a:lnSpc>
-                <a:spcPct val="90000"/>
-              </a:lnSpc>
-              <a:spcBef>
-                <a:spcPts val="500"/>
-              </a:spcBef>
-              <a:spcAft>
-                <a:spcPts val="0"/>
-              </a:spcAft>
-              <a:buClr>
-                <a:schemeClr val="dk1"/>
-              </a:buClr>
-              <a:buSzPts val="1800"/>
-              <a:buChar char="•"/>
-              <a:defRPr/>
-            </a:lvl2pPr>
-            <a:lvl3pPr marL="1371600" lvl="2" indent="-342900" algn="l">
-              <a:lnSpc>
-                <a:spcPct val="90000"/>
-              </a:lnSpc>
-              <a:spcBef>
-                <a:spcPts val="500"/>
-              </a:spcBef>
-              <a:spcAft>
-                <a:spcPts val="0"/>
-              </a:spcAft>
-              <a:buClr>
-                <a:schemeClr val="dk1"/>
-              </a:buClr>
-              <a:buSzPts val="1800"/>
-              <a:buChar char="•"/>
-              <a:defRPr/>
-            </a:lvl3pPr>
-            <a:lvl4pPr marL="1828800" lvl="3" indent="-342900" algn="l">
-              <a:lnSpc>
-                <a:spcPct val="90000"/>
-              </a:lnSpc>
-              <a:spcBef>
-                <a:spcPts val="500"/>
-              </a:spcBef>
-              <a:spcAft>
-                <a:spcPts val="0"/>
-              </a:spcAft>
-              <a:buClr>
-                <a:schemeClr val="dk1"/>
-              </a:buClr>
-              <a:buSzPts val="1800"/>
-              <a:buChar char="•"/>
-              <a:defRPr/>
-            </a:lvl4pPr>
-            <a:lvl5pPr marL="2286000" lvl="4" indent="-342900" algn="l">
-              <a:lnSpc>
-                <a:spcPct val="90000"/>
-              </a:lnSpc>
-              <a:spcBef>
-                <a:spcPts val="500"/>
-              </a:spcBef>
-              <a:spcAft>
-                <a:spcPts val="0"/>
-              </a:spcAft>
-              <a:buClr>
-                <a:schemeClr val="dk1"/>
-              </a:buClr>
-              <a:buSzPts val="1800"/>
-              <a:buChar char="•"/>
-              <a:defRPr/>
-            </a:lvl5pPr>
-            <a:lvl6pPr marL="2743200" lvl="5" indent="-342900" algn="l">
-              <a:lnSpc>
-                <a:spcPct val="90000"/>
-              </a:lnSpc>
-              <a:spcBef>
-                <a:spcPts val="500"/>
-              </a:spcBef>
-              <a:spcAft>
-                <a:spcPts val="0"/>
-              </a:spcAft>
-              <a:buClr>
-                <a:schemeClr val="dk1"/>
-              </a:buClr>
-              <a:buSzPts val="1800"/>
-              <a:buChar char="•"/>
-              <a:defRPr/>
-            </a:lvl6pPr>
-            <a:lvl7pPr marL="3200400" lvl="6" indent="-342900" algn="l">
-              <a:lnSpc>
-                <a:spcPct val="90000"/>
-              </a:lnSpc>
-              <a:spcBef>
-                <a:spcPts val="500"/>
-              </a:spcBef>
-              <a:spcAft>
-                <a:spcPts val="0"/>
-              </a:spcAft>
-              <a:buClr>
-                <a:schemeClr val="dk1"/>
-              </a:buClr>
-              <a:buSzPts val="1800"/>
-              <a:buChar char="•"/>
-              <a:defRPr/>
-            </a:lvl7pPr>
-            <a:lvl8pPr marL="3657600" lvl="7" indent="-342900" algn="l">
-              <a:lnSpc>
-                <a:spcPct val="90000"/>
-              </a:lnSpc>
-              <a:spcBef>
-                <a:spcPts val="500"/>
-              </a:spcBef>
-              <a:spcAft>
-                <a:spcPts val="0"/>
-              </a:spcAft>
-              <a:buClr>
-                <a:schemeClr val="dk1"/>
-              </a:buClr>
-              <a:buSzPts val="1800"/>
-              <a:buChar char="•"/>
-              <a:defRPr/>
-            </a:lvl8pPr>
-            <a:lvl9pPr marL="4114800" lvl="8" indent="-342900" algn="l">
-              <a:lnSpc>
-                <a:spcPct val="90000"/>
-              </a:lnSpc>
-              <a:spcBef>
-                <a:spcPts val="500"/>
-              </a:spcBef>
-              <a:spcAft>
-                <a:spcPts val="0"/>
-              </a:spcAft>
-              <a:buClr>
-                <a:schemeClr val="dk1"/>
-              </a:buClr>
-              <a:buSzPts val="1800"/>
-              <a:buChar char="•"/>
-              <a:defRPr/>
-            </a:lvl9pPr>
-          </a:lstStyle>
-          <a:p>
-            <a:endParaRPr/>
-          </a:p>
-        </p:txBody>
-      </p:sp>
-      <p:sp>
-        <p:nvSpPr>
-          <p:cNvPr id="29" name="Google Shape;29;p11"/>
-          <p:cNvSpPr txBox="1">
-            <a:spLocks noGrp="1"/>
-          </p:cNvSpPr>
-          <p:nvPr>
-            <p:ph type="body" idx="2"/>
-          </p:nvPr>
-        </p:nvSpPr>
-        <p:spPr>
-          <a:xfrm>
-            <a:off x="6172200" y="1825625"/>
-            <a:ext cx="5181600" cy="4351338"/>
-          </a:xfrm>
-          <a:prstGeom prst="rect">
-            <a:avLst/>
-          </a:prstGeom>
-          <a:noFill/>
-          <a:ln>
-            <a:noFill/>
-          </a:ln>
-        </p:spPr>
-        <p:txBody>
-          <a:bodyPr spcFirstLastPara="1" wrap="square" lIns="91425" tIns="45700" rIns="91425" bIns="45700" anchor="t" anchorCtr="0">
-            <a:normAutofit/>
-          </a:bodyPr>
-          <a:lstStyle>
-            <a:lvl1pPr marL="457200" lvl="0" indent="-342900" algn="l">
-              <a:lnSpc>
-                <a:spcPct val="90000"/>
-              </a:lnSpc>
-              <a:spcBef>
-                <a:spcPts val="1000"/>
-              </a:spcBef>
-              <a:spcAft>
-                <a:spcPts val="0"/>
-              </a:spcAft>
-              <a:buClr>
-                <a:schemeClr val="dk1"/>
-              </a:buClr>
-              <a:buSzPts val="1800"/>
-              <a:buChar char="•"/>
-              <a:defRPr/>
-            </a:lvl1pPr>
-            <a:lvl2pPr marL="914400" lvl="1" indent="-342900" algn="l">
-              <a:lnSpc>
-                <a:spcPct val="90000"/>
-              </a:lnSpc>
-              <a:spcBef>
-                <a:spcPts val="500"/>
-              </a:spcBef>
-              <a:spcAft>
-                <a:spcPts val="0"/>
-              </a:spcAft>
-              <a:buClr>
-                <a:schemeClr val="dk1"/>
-              </a:buClr>
-              <a:buSzPts val="1800"/>
-              <a:buChar char="•"/>
-              <a:defRPr/>
-            </a:lvl2pPr>
-            <a:lvl3pPr marL="1371600" lvl="2" indent="-342900" algn="l">
-              <a:lnSpc>
-                <a:spcPct val="90000"/>
-              </a:lnSpc>
-              <a:spcBef>
-                <a:spcPts val="500"/>
-              </a:spcBef>
-              <a:spcAft>
-                <a:spcPts val="0"/>
-              </a:spcAft>
-              <a:buClr>
-                <a:schemeClr val="dk1"/>
-              </a:buClr>
-              <a:buSzPts val="1800"/>
-              <a:buChar char="•"/>
-              <a:defRPr/>
-            </a:lvl3pPr>
-            <a:lvl4pPr marL="1828800" lvl="3" indent="-342900" algn="l">
-              <a:lnSpc>
-                <a:spcPct val="90000"/>
-              </a:lnSpc>
-              <a:spcBef>
-                <a:spcPts val="500"/>
-              </a:spcBef>
-              <a:spcAft>
-                <a:spcPts val="0"/>
-              </a:spcAft>
-              <a:buClr>
-                <a:schemeClr val="dk1"/>
-              </a:buClr>
-              <a:buSzPts val="1800"/>
-              <a:buChar char="•"/>
-              <a:defRPr/>
-            </a:lvl4pPr>
-            <a:lvl5pPr marL="2286000" lvl="4" indent="-342900" algn="l">
-              <a:lnSpc>
-                <a:spcPct val="90000"/>
-              </a:lnSpc>
-              <a:spcBef>
-                <a:spcPts val="500"/>
-              </a:spcBef>
-              <a:spcAft>
-                <a:spcPts val="0"/>
-              </a:spcAft>
-              <a:buClr>
-                <a:schemeClr val="dk1"/>
-              </a:buClr>
-              <a:buSzPts val="1800"/>
-              <a:buChar char="•"/>
-              <a:defRPr/>
-            </a:lvl5pPr>
-            <a:lvl6pPr marL="2743200" lvl="5" indent="-342900" algn="l">
-              <a:lnSpc>
-                <a:spcPct val="90000"/>
-              </a:lnSpc>
-              <a:spcBef>
-                <a:spcPts val="500"/>
-              </a:spcBef>
-              <a:spcAft>
-                <a:spcPts val="0"/>
-              </a:spcAft>
-              <a:buClr>
-                <a:schemeClr val="dk1"/>
-              </a:buClr>
-              <a:buSzPts val="1800"/>
-              <a:buChar char="•"/>
-              <a:defRPr/>
-            </a:lvl6pPr>
-            <a:lvl7pPr marL="3200400" lvl="6" indent="-342900" algn="l">
-              <a:lnSpc>
-                <a:spcPct val="90000"/>
-              </a:lnSpc>
-              <a:spcBef>
-                <a:spcPts val="500"/>
-              </a:spcBef>
-              <a:spcAft>
-                <a:spcPts val="0"/>
-              </a:spcAft>
-              <a:buClr>
-                <a:schemeClr val="dk1"/>
-              </a:buClr>
-              <a:buSzPts val="1800"/>
-              <a:buChar char="•"/>
-              <a:defRPr/>
-            </a:lvl7pPr>
-            <a:lvl8pPr marL="3657600" lvl="7" indent="-342900" algn="l">
-              <a:lnSpc>
-                <a:spcPct val="90000"/>
-              </a:lnSpc>
-              <a:spcBef>
-                <a:spcPts val="500"/>
-              </a:spcBef>
-              <a:spcAft>
-                <a:spcPts val="0"/>
-              </a:spcAft>
-              <a:buClr>
-                <a:schemeClr val="dk1"/>
-              </a:buClr>
-              <a:buSzPts val="1800"/>
-              <a:buChar char="•"/>
-              <a:defRPr/>
-            </a:lvl8pPr>
-            <a:lvl9pPr marL="4114800" lvl="8" indent="-342900" algn="l">
-              <a:lnSpc>
-                <a:spcPct val="90000"/>
-              </a:lnSpc>
-              <a:spcBef>
-                <a:spcPts val="500"/>
-              </a:spcBef>
-              <a:spcAft>
-                <a:spcPts val="0"/>
-              </a:spcAft>
-              <a:buClr>
-                <a:schemeClr val="dk1"/>
-              </a:buClr>
-              <a:buSzPts val="1800"/>
-              <a:buChar char="•"/>
-              <a:defRPr/>
-            </a:lvl9pPr>
-          </a:lstStyle>
-          <a:p>
-            <a:endParaRPr/>
-          </a:p>
-        </p:txBody>
-      </p:sp>
-      <p:sp>
-        <p:nvSpPr>
-          <p:cNvPr id="30" name="Google Shape;30;p11"/>
-          <p:cNvSpPr txBox="1">
-            <a:spLocks noGrp="1"/>
-          </p:cNvSpPr>
-          <p:nvPr>
-            <p:ph type="dt" idx="10"/>
-          </p:nvPr>
-        </p:nvSpPr>
-        <p:spPr>
-          <a:xfrm>
-            <a:off x="838200" y="6356350"/>
-            <a:ext cx="2743200" cy="365125"/>
-          </a:xfrm>
-          <a:prstGeom prst="rect">
-            <a:avLst/>
-          </a:prstGeom>
-          <a:noFill/>
-          <a:ln>
-            <a:noFill/>
-          </a:ln>
-        </p:spPr>
-        <p:txBody>
-          <a:bodyPr spcFirstLastPara="1" wrap="square" lIns="91425" tIns="45700" rIns="91425" bIns="45700" anchor="ctr" anchorCtr="0">
-            <a:noAutofit/>
-          </a:bodyPr>
-          <a:lstStyle>
-            <a:lvl1pPr lvl="0" algn="l">
-              <a:spcBef>
-                <a:spcPts val="0"/>
-              </a:spcBef>
-              <a:spcAft>
-                <a:spcPts val="0"/>
-              </a:spcAft>
-              <a:buSzPts val="1400"/>
-              <a:buNone/>
-              <a:defRPr/>
-            </a:lvl1pPr>
-            <a:lvl2pPr lvl="1" algn="l">
-              <a:spcBef>
-                <a:spcPts val="0"/>
-              </a:spcBef>
-              <a:spcAft>
-                <a:spcPts val="0"/>
-              </a:spcAft>
-              <a:buSzPts val="1400"/>
-              <a:buNone/>
-              <a:defRPr/>
-            </a:lvl2pPr>
-            <a:lvl3pPr lvl="2" algn="l">
-              <a:spcBef>
-                <a:spcPts val="0"/>
-              </a:spcBef>
-              <a:spcAft>
-                <a:spcPts val="0"/>
-              </a:spcAft>
-              <a:buSzPts val="1400"/>
-              <a:buNone/>
-              <a:defRPr/>
-            </a:lvl3pPr>
-            <a:lvl4pPr lvl="3" algn="l">
-              <a:spcBef>
-                <a:spcPts val="0"/>
-              </a:spcBef>
-              <a:spcAft>
-                <a:spcPts val="0"/>
-              </a:spcAft>
-              <a:buSzPts val="1400"/>
-              <a:buNone/>
-              <a:defRPr/>
-            </a:lvl4pPr>
-            <a:lvl5pPr lvl="4" algn="l">
-              <a:spcBef>
-                <a:spcPts val="0"/>
-              </a:spcBef>
-              <a:spcAft>
-                <a:spcPts val="0"/>
-              </a:spcAft>
-              <a:buSzPts val="1400"/>
-              <a:buNone/>
-              <a:defRPr/>
-            </a:lvl5pPr>
-            <a:lvl6pPr lvl="5" algn="l">
-              <a:spcBef>
-                <a:spcPts val="0"/>
-              </a:spcBef>
-              <a:spcAft>
-                <a:spcPts val="0"/>
-              </a:spcAft>
-              <a:buSzPts val="1400"/>
-              <a:buNone/>
-              <a:defRPr/>
-            </a:lvl6pPr>
-            <a:lvl7pPr lvl="6" algn="l">
-              <a:spcBef>
-                <a:spcPts val="0"/>
-              </a:spcBef>
-              <a:spcAft>
-                <a:spcPts val="0"/>
-              </a:spcAft>
-              <a:buSzPts val="1400"/>
-              <a:buNone/>
-              <a:defRPr/>
-            </a:lvl7pPr>
-            <a:lvl8pPr lvl="7" algn="l">
-              <a:spcBef>
-                <a:spcPts val="0"/>
-              </a:spcBef>
-              <a:spcAft>
-                <a:spcPts val="0"/>
-              </a:spcAft>
-              <a:buSzPts val="1400"/>
-              <a:buNone/>
-              <a:defRPr/>
-            </a:lvl8pPr>
-            <a:lvl9pPr lvl="8" algn="l">
-              <a:spcBef>
-                <a:spcPts val="0"/>
-              </a:spcBef>
-              <a:spcAft>
-                <a:spcPts val="0"/>
-              </a:spcAft>
-              <a:buSzPts val="1400"/>
-              <a:buNone/>
-              <a:defRPr/>
-            </a:lvl9pPr>
-          </a:lstStyle>
-          <a:p>
-            <a:endParaRPr/>
-          </a:p>
-        </p:txBody>
-      </p:sp>
-      <p:sp>
-        <p:nvSpPr>
-          <p:cNvPr id="31" name="Google Shape;31;p11"/>
-          <p:cNvSpPr txBox="1">
-            <a:spLocks noGrp="1"/>
-          </p:cNvSpPr>
-          <p:nvPr>
-            <p:ph type="ftr" idx="11"/>
-          </p:nvPr>
-        </p:nvSpPr>
-        <p:spPr>
-          <a:xfrm>
-            <a:off x="4038600" y="6356350"/>
-            <a:ext cx="4114800" cy="365125"/>
-          </a:xfrm>
-          <a:prstGeom prst="rect">
-            <a:avLst/>
-          </a:prstGeom>
-          <a:noFill/>
-          <a:ln>
-            <a:noFill/>
-          </a:ln>
-        </p:spPr>
-        <p:txBody>
-          <a:bodyPr spcFirstLastPara="1" wrap="square" lIns="91425" tIns="45700" rIns="91425" bIns="45700" anchor="ctr" anchorCtr="0">
-            <a:noAutofit/>
-          </a:bodyPr>
-          <a:lstStyle>
-            <a:lvl1pPr lvl="0" algn="ctr">
-              <a:spcBef>
-                <a:spcPts val="0"/>
-              </a:spcBef>
-              <a:spcAft>
-                <a:spcPts val="0"/>
-              </a:spcAft>
-              <a:buSzPts val="1400"/>
-              <a:buNone/>
-              <a:defRPr/>
-            </a:lvl1pPr>
-            <a:lvl2pPr lvl="1" algn="l">
-              <a:spcBef>
-                <a:spcPts val="0"/>
-              </a:spcBef>
-              <a:spcAft>
-                <a:spcPts val="0"/>
-              </a:spcAft>
-              <a:buSzPts val="1400"/>
-              <a:buNone/>
-              <a:defRPr/>
-            </a:lvl2pPr>
-            <a:lvl3pPr lvl="2" algn="l">
-              <a:spcBef>
-                <a:spcPts val="0"/>
-              </a:spcBef>
-              <a:spcAft>
-                <a:spcPts val="0"/>
-              </a:spcAft>
-              <a:buSzPts val="1400"/>
-              <a:buNone/>
-              <a:defRPr/>
-            </a:lvl3pPr>
-            <a:lvl4pPr lvl="3" algn="l">
-              <a:spcBef>
-                <a:spcPts val="0"/>
-              </a:spcBef>
-              <a:spcAft>
-                <a:spcPts val="0"/>
-              </a:spcAft>
-              <a:buSzPts val="1400"/>
-              <a:buNone/>
-              <a:defRPr/>
-            </a:lvl4pPr>
-            <a:lvl5pPr lvl="4" algn="l">
-              <a:spcBef>
-                <a:spcPts val="0"/>
-              </a:spcBef>
-              <a:spcAft>
-                <a:spcPts val="0"/>
-              </a:spcAft>
-              <a:buSzPts val="1400"/>
-              <a:buNone/>
-              <a:defRPr/>
-            </a:lvl5pPr>
-            <a:lvl6pPr lvl="5" algn="l">
-              <a:spcBef>
-                <a:spcPts val="0"/>
-              </a:spcBef>
-              <a:spcAft>
-                <a:spcPts val="0"/>
-              </a:spcAft>
-              <a:buSzPts val="1400"/>
-              <a:buNone/>
-              <a:defRPr/>
-            </a:lvl6pPr>
-            <a:lvl7pPr lvl="6" algn="l">
-              <a:spcBef>
-                <a:spcPts val="0"/>
-              </a:spcBef>
-              <a:spcAft>
-                <a:spcPts val="0"/>
-              </a:spcAft>
-              <a:buSzPts val="1400"/>
-              <a:buNone/>
-              <a:defRPr/>
-            </a:lvl7pPr>
-            <a:lvl8pPr lvl="7" algn="l">
-              <a:spcBef>
-                <a:spcPts val="0"/>
-              </a:spcBef>
-              <a:spcAft>
-                <a:spcPts val="0"/>
-              </a:spcAft>
-              <a:buSzPts val="1400"/>
-              <a:buNone/>
-              <a:defRPr/>
-            </a:lvl8pPr>
-            <a:lvl9pPr lvl="8" algn="l">
-              <a:spcBef>
-                <a:spcPts val="0"/>
-              </a:spcBef>
-              <a:spcAft>
-                <a:spcPts val="0"/>
-              </a:spcAft>
-              <a:buSzPts val="1400"/>
-              <a:buNone/>
-              <a:defRPr/>
-            </a:lvl9pPr>
-          </a:lstStyle>
-          <a:p>
-            <a:endParaRPr/>
-          </a:p>
-        </p:txBody>
-      </p:sp>
-      <p:sp>
-        <p:nvSpPr>
-          <p:cNvPr id="32" name="Google Shape;32;p11"/>
-          <p:cNvSpPr txBox="1">
-            <a:spLocks noGrp="1"/>
-          </p:cNvSpPr>
-          <p:nvPr>
-            <p:ph type="sldNum" idx="12"/>
-          </p:nvPr>
-        </p:nvSpPr>
-        <p:spPr>
-          <a:xfrm>
-            <a:off x="8610600" y="6356350"/>
-            <a:ext cx="2743200" cy="365125"/>
-          </a:xfrm>
-          <a:prstGeom prst="rect">
-            <a:avLst/>
-          </a:prstGeom>
-          <a:noFill/>
-          <a:ln>
-            <a:noFill/>
-          </a:ln>
-        </p:spPr>
-        <p:txBody>
-          <a:bodyPr spcFirstLastPara="1" wrap="square" lIns="91425" tIns="45700" rIns="91425" bIns="45700" anchor="ctr" anchorCtr="0">
-            <a:noAutofit/>
-          </a:bodyPr>
-          <a:lstStyle>
-            <a:lvl1pPr marL="0" lvl="0" indent="0" algn="r">
-              <a:spcBef>
-                <a:spcPts val="0"/>
-              </a:spcBef>
-              <a:buNone/>
-              <a:defRPr/>
-            </a:lvl1pPr>
-            <a:lvl2pPr marL="0" lvl="1" indent="0" algn="r">
-              <a:spcBef>
-                <a:spcPts val="0"/>
-              </a:spcBef>
-              <a:buNone/>
-              <a:defRPr/>
-            </a:lvl2pPr>
-            <a:lvl3pPr marL="0" lvl="2" indent="0" algn="r">
-              <a:spcBef>
-                <a:spcPts val="0"/>
-              </a:spcBef>
-              <a:buNone/>
-              <a:defRPr/>
-            </a:lvl3pPr>
-            <a:lvl4pPr marL="0" lvl="3" indent="0" algn="r">
-              <a:spcBef>
-                <a:spcPts val="0"/>
-              </a:spcBef>
-              <a:buNone/>
-              <a:defRPr/>
-            </a:lvl4pPr>
-            <a:lvl5pPr marL="0" lvl="4" indent="0" algn="r">
-              <a:spcBef>
-                <a:spcPts val="0"/>
-              </a:spcBef>
-              <a:buNone/>
-              <a:defRPr/>
-            </a:lvl5pPr>
-            <a:lvl6pPr marL="0" lvl="5" indent="0" algn="r">
-              <a:spcBef>
-                <a:spcPts val="0"/>
-              </a:spcBef>
-              <a:buNone/>
-              <a:defRPr/>
-            </a:lvl6pPr>
-            <a:lvl7pPr marL="0" lvl="6" indent="0" algn="r">
-              <a:spcBef>
-                <a:spcPts val="0"/>
-              </a:spcBef>
-              <a:buNone/>
-              <a:defRPr/>
-            </a:lvl7pPr>
-            <a:lvl8pPr marL="0" lvl="7" indent="0" algn="r">
-              <a:spcBef>
-                <a:spcPts val="0"/>
-              </a:spcBef>
-              <a:buNone/>
-              <a:defRPr/>
-            </a:lvl8pPr>
-            <a:lvl9pPr marL="0" lvl="8" indent="0" algn="r">
-              <a:spcBef>
-                <a:spcPts val="0"/>
-              </a:spcBef>
-              <a:buNone/>
-              <a:defRPr/>
-            </a:lvl9pPr>
-          </a:lstStyle>
-          <a:p>
-            <a:pPr marL="0" lvl="0" indent="0" algn="r" rtl="0">
-              <a:spcBef>
-                <a:spcPts val="0"/>
-              </a:spcBef>
-              <a:spcAft>
-                <a:spcPts val="0"/>
-              </a:spcAft>
-              <a:buNone/>
-            </a:pPr>
-            <a:fld id="{00000000-1234-1234-1234-123412341234}" type="slidenum">
-              <a:rPr lang="es-MX"/>
-              <a:t>‹Nº›</a:t>
-            </a:fld>
-            <a:endParaRPr/>
-          </a:p>
-        </p:txBody>
-      </p:sp>
-    </p:spTree>
-  </p:cSld>
-  <p:clrMapOvr>
-    <a:masterClrMapping/>
-  </p:clrMapOvr>
-</p:sldLayout>
-</file>
-
-<file path=ppt/slideLayouts/slideLayout4.xml><?xml version="1.0" encoding="utf-8"?>
 <p:sldLayout xmlns:a="http://schemas.openxmlformats.org/drawingml/2006/main" xmlns:r="http://schemas.openxmlformats.org/officeDocument/2006/relationships" xmlns:p="http://schemas.openxmlformats.org/presentationml/2006/main" matchingName="Título y objetos" type="obj">
   <p:cSld name="OBJECT">
     <p:spTree>
@@ -4135,7 +3767,7 @@
 </p:sldLayout>
 </file>
 
-<file path=ppt/slideLayouts/slideLayout5.xml><?xml version="1.0" encoding="utf-8"?>
+<file path=ppt/slideLayouts/slideLayout4.xml><?xml version="1.0" encoding="utf-8"?>
 <p:sldLayout xmlns:a="http://schemas.openxmlformats.org/drawingml/2006/main" xmlns:r="http://schemas.openxmlformats.org/officeDocument/2006/relationships" xmlns:p="http://schemas.openxmlformats.org/presentationml/2006/main" matchingName="Encabezado de sección" type="secHead">
   <p:cSld name="SECTION_HEADER">
     <p:spTree>
@@ -4899,7 +4531,7 @@
 </p:sldLayout>
 </file>
 
-<file path=ppt/slideLayouts/slideLayout6.xml><?xml version="1.0" encoding="utf-8"?>
+<file path=ppt/slideLayouts/slideLayout5.xml><?xml version="1.0" encoding="utf-8"?>
 <p:sldLayout xmlns:a="http://schemas.openxmlformats.org/drawingml/2006/main" xmlns:r="http://schemas.openxmlformats.org/officeDocument/2006/relationships" xmlns:p="http://schemas.openxmlformats.org/presentationml/2006/main" matchingName="Comparación" type="twoTxTwoObj">
   <p:cSld name="TWO_OBJECTS_WITH_TEXT">
     <p:spTree>
@@ -6187,7 +5819,7 @@
 </p:sldLayout>
 </file>
 
-<file path=ppt/slideLayouts/slideLayout7.xml><?xml version="1.0" encoding="utf-8"?>
+<file path=ppt/slideLayouts/slideLayout6.xml><?xml version="1.0" encoding="utf-8"?>
 <p:sldLayout xmlns:a="http://schemas.openxmlformats.org/drawingml/2006/main" xmlns:r="http://schemas.openxmlformats.org/officeDocument/2006/relationships" xmlns:p="http://schemas.openxmlformats.org/presentationml/2006/main" matchingName="Contenido con título" type="objTx">
   <p:cSld name="OBJECT_WITH_CAPTION_TEXT">
     <p:spTree>
@@ -7102,7 +6734,7 @@
 </p:sldLayout>
 </file>
 
-<file path=ppt/slideLayouts/slideLayout8.xml><?xml version="1.0" encoding="utf-8"?>
+<file path=ppt/slideLayouts/slideLayout7.xml><?xml version="1.0" encoding="utf-8"?>
 <p:sldLayout xmlns:a="http://schemas.openxmlformats.org/drawingml/2006/main" xmlns:r="http://schemas.openxmlformats.org/officeDocument/2006/relationships" xmlns:p="http://schemas.openxmlformats.org/presentationml/2006/main" matchingName="Imagen con título" type="picTx">
   <p:cSld name="PICTURE_WITH_CAPTION_TEXT">
     <p:spTree>
@@ -8098,7 +7730,7 @@
 </p:sldLayout>
 </file>
 
-<file path=ppt/slideLayouts/slideLayout9.xml><?xml version="1.0" encoding="utf-8"?>
+<file path=ppt/slideLayouts/slideLayout8.xml><?xml version="1.0" encoding="utf-8"?>
 <p:sldLayout xmlns:a="http://schemas.openxmlformats.org/drawingml/2006/main" xmlns:r="http://schemas.openxmlformats.org/officeDocument/2006/relationships" xmlns:p="http://schemas.openxmlformats.org/presentationml/2006/main" matchingName="Título y texto vertical" type="vertTx">
   <p:cSld name="VERTICAL_TEXT">
     <p:spTree>
@@ -8831,7 +8463,7 @@
     <p:bg>
       <p:bgPr>
         <a:blipFill>
-          <a:blip r:embed="rId11">
+          <a:blip r:embed="rId10">
             <a:alphaModFix/>
           </a:blip>
           <a:stretch>
@@ -9869,13 +9501,12 @@
   <p:sldLayoutIdLst>
     <p:sldLayoutId id="2147483649" r:id="rId1"/>
     <p:sldLayoutId id="2147483651" r:id="rId2"/>
-    <p:sldLayoutId id="2147483652" r:id="rId3"/>
-    <p:sldLayoutId id="2147483653" r:id="rId4"/>
-    <p:sldLayoutId id="2147483654" r:id="rId5"/>
-    <p:sldLayoutId id="2147483655" r:id="rId6"/>
-    <p:sldLayoutId id="2147483656" r:id="rId7"/>
-    <p:sldLayoutId id="2147483657" r:id="rId8"/>
-    <p:sldLayoutId id="2147483658" r:id="rId9"/>
+    <p:sldLayoutId id="2147483653" r:id="rId3"/>
+    <p:sldLayoutId id="2147483654" r:id="rId4"/>
+    <p:sldLayoutId id="2147483655" r:id="rId5"/>
+    <p:sldLayoutId id="2147483656" r:id="rId6"/>
+    <p:sldLayoutId id="2147483657" r:id="rId7"/>
+    <p:sldLayoutId id="2147483658" r:id="rId8"/>
   </p:sldLayoutIdLst>
   <p:hf sldNum="0" hdr="0" ftr="0" dt="0"/>
   <p:txStyles>
@@ -10728,18 +10359,12 @@
 </p:sld>
 </file>
 
-<file path=ppt/slides/slide2.xml><?xml version="1.0" encoding="utf-8"?>
+<file path=ppt/slides/slide10.xml><?xml version="1.0" encoding="utf-8"?>
 <p:sld xmlns:a="http://schemas.openxmlformats.org/drawingml/2006/main" xmlns:r="http://schemas.openxmlformats.org/officeDocument/2006/relationships" xmlns:p="http://schemas.openxmlformats.org/presentationml/2006/main">
   <p:cSld>
     <p:spTree>
       <p:nvGrpSpPr>
-        <p:cNvPr id="1" name="Shape 121">
-          <a:extLst>
-            <a:ext uri="{FF2B5EF4-FFF2-40B4-BE49-F238E27FC236}">
-              <a16:creationId xmlns:a16="http://schemas.microsoft.com/office/drawing/2014/main" id="{AFDF9B51-06BB-7BFC-1054-244EEEA03173}"/>
-            </a:ext>
-          </a:extLst>
-        </p:cNvPr>
+        <p:cNvPr id="1" name=""/>
         <p:cNvGrpSpPr/>
         <p:nvPr/>
       </p:nvGrpSpPr>
@@ -10756,7 +10381,7 @@
           <p:cNvPr id="2" name="Título 1">
             <a:extLst>
               <a:ext uri="{FF2B5EF4-FFF2-40B4-BE49-F238E27FC236}">
-                <a16:creationId xmlns:a16="http://schemas.microsoft.com/office/drawing/2014/main" id="{1E21A215-1180-7A29-0378-A35B4020C47B}"/>
+                <a16:creationId xmlns:a16="http://schemas.microsoft.com/office/drawing/2014/main" id="{2F1B427F-8F10-4DF3-43E8-74C72E68DDC2}"/>
               </a:ext>
             </a:extLst>
           </p:cNvPr>
@@ -10767,24 +10392,31 @@
             <p:ph type="title"/>
           </p:nvPr>
         </p:nvSpPr>
-        <p:spPr/>
+        <p:spPr>
+          <a:xfrm>
+            <a:off x="838200" y="609600"/>
+            <a:ext cx="3739341" cy="1330839"/>
+          </a:xfrm>
+        </p:spPr>
         <p:txBody>
-          <a:bodyPr/>
+          <a:bodyPr>
+            <a:normAutofit/>
+          </a:bodyPr>
           <a:lstStyle/>
           <a:p>
             <a:r>
               <a:rPr lang="es-MX" dirty="0"/>
-              <a:t>Presentación</a:t>
+              <a:t>Práctica</a:t>
             </a:r>
           </a:p>
         </p:txBody>
       </p:sp>
       <p:sp>
         <p:nvSpPr>
-          <p:cNvPr id="3" name="Marcador de texto 2">
+          <p:cNvPr id="3" name="Marcador de contenido 2">
             <a:extLst>
               <a:ext uri="{FF2B5EF4-FFF2-40B4-BE49-F238E27FC236}">
-                <a16:creationId xmlns:a16="http://schemas.microsoft.com/office/drawing/2014/main" id="{902B342D-D738-39AC-D5C1-49EA52BA8769}"/>
+                <a16:creationId xmlns:a16="http://schemas.microsoft.com/office/drawing/2014/main" id="{794FA59F-4E3A-D464-BE09-257D15608FF8}"/>
               </a:ext>
             </a:extLst>
           </p:cNvPr>
@@ -10792,74 +10424,109 @@
             <a:spLocks noGrp="1"/>
           </p:cNvSpPr>
           <p:nvPr>
-            <p:ph type="body" idx="1"/>
+            <p:ph idx="1"/>
           </p:nvPr>
         </p:nvSpPr>
-        <p:spPr/>
+        <p:spPr>
+          <a:xfrm>
+            <a:off x="838200" y="1645461"/>
+            <a:ext cx="5257800" cy="4459617"/>
+          </a:xfrm>
+        </p:spPr>
         <p:txBody>
-          <a:bodyPr/>
+          <a:bodyPr>
+            <a:normAutofit/>
+          </a:bodyPr>
           <a:lstStyle/>
           <a:p>
             <a:r>
-              <a:rPr lang="es-MX" dirty="0"/>
-              <a:t>BUAP – LCC</a:t>
+              <a:rPr lang="es-MX" sz="2400" dirty="0"/>
+              <a:t>Crear una aplicación para la administración y visualización de proyectos. </a:t>
             </a:r>
           </a:p>
           <a:p>
             <a:r>
-              <a:rPr lang="es-MX" dirty="0"/>
-              <a:t>ITESM – MCC – Seguridad y Aplicaciones distribuidas</a:t>
+              <a:rPr lang="es-MX" sz="2400" dirty="0"/>
+              <a:t>REQ. Un proyecto consta de:</a:t>
             </a:r>
           </a:p>
           <a:p>
+            <a:pPr lvl="1"/>
             <a:r>
               <a:rPr lang="es-MX" dirty="0"/>
-              <a:t>UADY – Especialidad en Estadística</a:t>
+              <a:t>Nombre</a:t>
             </a:r>
           </a:p>
           <a:p>
+            <a:pPr lvl="1"/>
             <a:r>
               <a:rPr lang="es-MX" dirty="0"/>
-              <a:t>ITESM – </a:t>
-            </a:r>
-            <a:r>
-              <a:rPr lang="es-MX" dirty="0" err="1"/>
-              <a:t>DataScience</a:t>
-            </a:r>
-            <a:r>
-              <a:rPr lang="es-MX"/>
-              <a:t> (Certificación) </a:t>
-            </a:r>
-            <a:endParaRPr lang="es-MX" dirty="0"/>
+              <a:t>Descripción</a:t>
+            </a:r>
           </a:p>
           <a:p>
+            <a:pPr lvl="1"/>
             <a:r>
               <a:rPr lang="es-MX" dirty="0"/>
-              <a:t>Profesor de cátedra (desde 2001)</a:t>
+              <a:t>Tipo de proyecto</a:t>
             </a:r>
           </a:p>
           <a:p>
+            <a:pPr lvl="1"/>
             <a:r>
               <a:rPr lang="es-MX" dirty="0"/>
-              <a:t>Banco de México - Investigador 2002</a:t>
+              <a:t>Imagen</a:t>
             </a:r>
           </a:p>
           <a:p>
-            <a:r>
-              <a:rPr lang="es-MX" dirty="0" err="1"/>
-              <a:t>TruEffort</a:t>
-            </a:r>
+            <a:pPr lvl="1"/>
             <a:r>
               <a:rPr lang="es-MX" dirty="0"/>
-              <a:t> - Asesor - CTO) 2022 - fecha</a:t>
+              <a:t>Fecha de elaboración</a:t>
             </a:r>
           </a:p>
         </p:txBody>
       </p:sp>
+      <p:pic>
+        <p:nvPicPr>
+          <p:cNvPr id="11" name="Imagen 10" descr="Logotipo, nombre de la empresa&#10;&#10;Descripción generada automáticamente">
+            <a:extLst>
+              <a:ext uri="{FF2B5EF4-FFF2-40B4-BE49-F238E27FC236}">
+                <a16:creationId xmlns:a16="http://schemas.microsoft.com/office/drawing/2014/main" id="{3CE07717-5C05-5F40-8AB9-0A973B0186A7}"/>
+              </a:ext>
+            </a:extLst>
+          </p:cNvPr>
+          <p:cNvPicPr>
+            <a:picLocks noChangeAspect="1"/>
+          </p:cNvPicPr>
+          <p:nvPr/>
+        </p:nvPicPr>
+        <p:blipFill>
+          <a:blip r:embed="rId3">
+            <a:extLst>
+              <a:ext uri="{837473B0-CC2E-450A-ABE3-18F120FF3D39}">
+                <a1611:picAttrSrcUrl xmlns:a1611="http://schemas.microsoft.com/office/drawing/2016/11/main" r:id="rId4"/>
+              </a:ext>
+            </a:extLst>
+          </a:blip>
+          <a:stretch>
+            <a:fillRect/>
+          </a:stretch>
+        </p:blipFill>
+        <p:spPr>
+          <a:xfrm>
+            <a:off x="6492663" y="1940439"/>
+            <a:ext cx="4861137" cy="3026057"/>
+          </a:xfrm>
+          <a:prstGeom prst="rect">
+            <a:avLst/>
+          </a:prstGeom>
+        </p:spPr>
+      </p:pic>
     </p:spTree>
     <p:extLst>
       <p:ext uri="{BB962C8B-B14F-4D97-AF65-F5344CB8AC3E}">
-        <p14:creationId xmlns:p14="http://schemas.microsoft.com/office/powerpoint/2010/main" val="1751049798"/>
+        <p14:creationId xmlns:p14="http://schemas.microsoft.com/office/powerpoint/2010/main" val="3842198126"/>
       </p:ext>
     </p:extLst>
   </p:cSld>
@@ -10869,18 +10536,12 @@
 </p:sld>
 </file>
 
-<file path=ppt/slides/slide3.xml><?xml version="1.0" encoding="utf-8"?>
+<file path=ppt/slides/slide11.xml><?xml version="1.0" encoding="utf-8"?>
 <p:sld xmlns:a="http://schemas.openxmlformats.org/drawingml/2006/main" xmlns:r="http://schemas.openxmlformats.org/officeDocument/2006/relationships" xmlns:p="http://schemas.openxmlformats.org/presentationml/2006/main">
   <p:cSld>
     <p:spTree>
       <p:nvGrpSpPr>
-        <p:cNvPr id="1" name="Shape 121">
-          <a:extLst>
-            <a:ext uri="{FF2B5EF4-FFF2-40B4-BE49-F238E27FC236}">
-              <a16:creationId xmlns:a16="http://schemas.microsoft.com/office/drawing/2014/main" id="{557DF488-DF0C-06DA-B0EB-9BA17A03AD32}"/>
-            </a:ext>
-          </a:extLst>
-        </p:cNvPr>
+        <p:cNvPr id="1" name=""/>
         <p:cNvGrpSpPr/>
         <p:nvPr/>
       </p:nvGrpSpPr>
@@ -10892,176 +10553,46 @@
           <a:chExt cx="0" cy="0"/>
         </a:xfrm>
       </p:grpSpPr>
-      <p:sp>
-        <p:nvSpPr>
-          <p:cNvPr id="122" name="Google Shape;122;p5">
+      <p:pic>
+        <p:nvPicPr>
+          <p:cNvPr id="4" name="Imagen 3" descr="Texto&#10;&#10;Descripción generada automáticamente">
             <a:extLst>
               <a:ext uri="{FF2B5EF4-FFF2-40B4-BE49-F238E27FC236}">
-                <a16:creationId xmlns:a16="http://schemas.microsoft.com/office/drawing/2014/main" id="{F19D560B-A4DC-1E1C-8FA5-A5ACD36B459C}"/>
+                <a16:creationId xmlns:a16="http://schemas.microsoft.com/office/drawing/2014/main" id="{70423DFA-BE9D-3C06-1989-A0D943A3CD0D}"/>
               </a:ext>
             </a:extLst>
           </p:cNvPr>
-          <p:cNvSpPr txBox="1">
-            <a:spLocks noGrp="1"/>
-          </p:cNvSpPr>
-          <p:nvPr>
-            <p:ph type="body" idx="1"/>
-          </p:nvPr>
-        </p:nvSpPr>
+          <p:cNvPicPr>
+            <a:picLocks noChangeAspect="1"/>
+          </p:cNvPicPr>
+          <p:nvPr/>
+        </p:nvPicPr>
+        <p:blipFill>
+          <a:blip r:embed="rId3">
+            <a:extLst>
+              <a:ext uri="{837473B0-CC2E-450A-ABE3-18F120FF3D39}">
+                <a1611:picAttrSrcUrl xmlns:a1611="http://schemas.microsoft.com/office/drawing/2016/11/main" r:id="rId4"/>
+              </a:ext>
+            </a:extLst>
+          </a:blip>
+          <a:stretch>
+            <a:fillRect/>
+          </a:stretch>
+        </p:blipFill>
         <p:spPr>
           <a:xfrm>
-            <a:off x="838200" y="1825625"/>
-            <a:ext cx="5181600" cy="4351338"/>
+            <a:off x="901337" y="516727"/>
+            <a:ext cx="10189028" cy="5824545"/>
           </a:xfrm>
           <a:prstGeom prst="rect">
             <a:avLst/>
           </a:prstGeom>
-          <a:noFill/>
-          <a:ln>
-            <a:noFill/>
-          </a:ln>
         </p:spPr>
-        <p:txBody>
-          <a:bodyPr spcFirstLastPara="1" wrap="square" lIns="91425" tIns="45700" rIns="91425" bIns="45700" anchor="t" anchorCtr="0">
-            <a:normAutofit/>
-          </a:bodyPr>
-          <a:lstStyle/>
-          <a:p>
-            <a:pPr marL="228600" lvl="0" indent="-50800" algn="l" rtl="0">
-              <a:lnSpc>
-                <a:spcPct val="90000"/>
-              </a:lnSpc>
-              <a:spcBef>
-                <a:spcPts val="0"/>
-              </a:spcBef>
-              <a:spcAft>
-                <a:spcPts val="0"/>
-              </a:spcAft>
-              <a:buClr>
-                <a:schemeClr val="dk1"/>
-              </a:buClr>
-              <a:buSzPts val="2800"/>
-              <a:buNone/>
-            </a:pPr>
-            <a:endParaRPr/>
-          </a:p>
-        </p:txBody>
-      </p:sp>
-      <p:sp>
-        <p:nvSpPr>
-          <p:cNvPr id="123" name="Google Shape;123;p5">
-            <a:extLst>
-              <a:ext uri="{FF2B5EF4-FFF2-40B4-BE49-F238E27FC236}">
-                <a16:creationId xmlns:a16="http://schemas.microsoft.com/office/drawing/2014/main" id="{B16CAB6B-E5AA-285E-1D9F-6E1D72C9E9C3}"/>
-              </a:ext>
-            </a:extLst>
-          </p:cNvPr>
-          <p:cNvSpPr txBox="1">
-            <a:spLocks noGrp="1"/>
-          </p:cNvSpPr>
-          <p:nvPr>
-            <p:ph type="body" idx="2"/>
-          </p:nvPr>
-        </p:nvSpPr>
-        <p:spPr>
-          <a:xfrm>
-            <a:off x="6172200" y="1825625"/>
-            <a:ext cx="5181600" cy="4351338"/>
-          </a:xfrm>
-          <a:prstGeom prst="rect">
-            <a:avLst/>
-          </a:prstGeom>
-          <a:noFill/>
-          <a:ln>
-            <a:noFill/>
-          </a:ln>
-        </p:spPr>
-        <p:txBody>
-          <a:bodyPr spcFirstLastPara="1" wrap="square" lIns="91425" tIns="45700" rIns="91425" bIns="45700" anchor="t" anchorCtr="0">
-            <a:normAutofit/>
-          </a:bodyPr>
-          <a:lstStyle/>
-          <a:p>
-            <a:pPr marL="228600" lvl="0" indent="-50800" algn="l" rtl="0">
-              <a:lnSpc>
-                <a:spcPct val="90000"/>
-              </a:lnSpc>
-              <a:spcBef>
-                <a:spcPts val="0"/>
-              </a:spcBef>
-              <a:spcAft>
-                <a:spcPts val="0"/>
-              </a:spcAft>
-              <a:buClr>
-                <a:schemeClr val="dk1"/>
-              </a:buClr>
-              <a:buSzPts val="2800"/>
-              <a:buNone/>
-            </a:pPr>
-            <a:endParaRPr/>
-          </a:p>
-        </p:txBody>
-      </p:sp>
-      <p:sp>
-        <p:nvSpPr>
-          <p:cNvPr id="124" name="Google Shape;124;p5">
-            <a:extLst>
-              <a:ext uri="{FF2B5EF4-FFF2-40B4-BE49-F238E27FC236}">
-                <a16:creationId xmlns:a16="http://schemas.microsoft.com/office/drawing/2014/main" id="{7288391F-758B-7E5B-EE9E-087BEC1C32AC}"/>
-              </a:ext>
-            </a:extLst>
-          </p:cNvPr>
-          <p:cNvSpPr txBox="1">
-            <a:spLocks noGrp="1"/>
-          </p:cNvSpPr>
-          <p:nvPr>
-            <p:ph type="title"/>
-          </p:nvPr>
-        </p:nvSpPr>
-        <p:spPr>
-          <a:xfrm>
-            <a:off x="838200" y="365125"/>
-            <a:ext cx="10515600" cy="1325563"/>
-          </a:xfrm>
-          <a:prstGeom prst="rect">
-            <a:avLst/>
-          </a:prstGeom>
-          <a:noFill/>
-          <a:ln>
-            <a:noFill/>
-          </a:ln>
-        </p:spPr>
-        <p:txBody>
-          <a:bodyPr spcFirstLastPara="1" wrap="square" lIns="91425" tIns="45700" rIns="91425" bIns="45700" anchor="ctr" anchorCtr="0">
-            <a:normAutofit/>
-          </a:bodyPr>
-          <a:lstStyle/>
-          <a:p>
-            <a:pPr marL="0" lvl="0" indent="0" algn="l" rtl="0">
-              <a:lnSpc>
-                <a:spcPct val="90000"/>
-              </a:lnSpc>
-              <a:spcBef>
-                <a:spcPts val="0"/>
-              </a:spcBef>
-              <a:spcAft>
-                <a:spcPts val="0"/>
-              </a:spcAft>
-              <a:buClr>
-                <a:schemeClr val="dk1"/>
-              </a:buClr>
-              <a:buSzPts val="4400"/>
-              <a:buFont typeface="Verdana"/>
-              <a:buNone/>
-            </a:pPr>
-            <a:endParaRPr/>
-          </a:p>
-        </p:txBody>
-      </p:sp>
+      </p:pic>
     </p:spTree>
     <p:extLst>
       <p:ext uri="{BB962C8B-B14F-4D97-AF65-F5344CB8AC3E}">
-        <p14:creationId xmlns:p14="http://schemas.microsoft.com/office/powerpoint/2010/main" val="3739865150"/>
+        <p14:creationId xmlns:p14="http://schemas.microsoft.com/office/powerpoint/2010/main" val="909761175"/>
       </p:ext>
     </p:extLst>
   </p:cSld>
@@ -11071,299 +10602,7 @@
 </p:sld>
 </file>
 
-<file path=ppt/slides/slide4.xml><?xml version="1.0" encoding="utf-8"?>
-<p:sld xmlns:a="http://schemas.openxmlformats.org/drawingml/2006/main" xmlns:r="http://schemas.openxmlformats.org/officeDocument/2006/relationships" xmlns:p="http://schemas.openxmlformats.org/presentationml/2006/main">
-  <p:cSld>
-    <p:bg>
-      <p:bgPr>
-        <a:blipFill>
-          <a:blip r:embed="rId3">
-            <a:alphaModFix/>
-          </a:blip>
-          <a:stretch>
-            <a:fillRect/>
-          </a:stretch>
-        </a:blipFill>
-        <a:effectLst/>
-      </p:bgPr>
-    </p:bg>
-    <p:spTree>
-      <p:nvGrpSpPr>
-        <p:cNvPr id="1" name="Shape 111"/>
-        <p:cNvGrpSpPr/>
-        <p:nvPr/>
-      </p:nvGrpSpPr>
-      <p:grpSpPr>
-        <a:xfrm>
-          <a:off x="0" y="0"/>
-          <a:ext cx="0" cy="0"/>
-          <a:chOff x="0" y="0"/>
-          <a:chExt cx="0" cy="0"/>
-        </a:xfrm>
-      </p:grpSpPr>
-      <p:sp>
-        <p:nvSpPr>
-          <p:cNvPr id="112" name="Google Shape;112;p3"/>
-          <p:cNvSpPr txBox="1"/>
-          <p:nvPr/>
-        </p:nvSpPr>
-        <p:spPr>
-          <a:xfrm>
-            <a:off x="838200" y="2317173"/>
-            <a:ext cx="10515600" cy="2057399"/>
-          </a:xfrm>
-          <a:prstGeom prst="rect">
-            <a:avLst/>
-          </a:prstGeom>
-          <a:noFill/>
-          <a:ln>
-            <a:noFill/>
-          </a:ln>
-        </p:spPr>
-        <p:txBody>
-          <a:bodyPr spcFirstLastPara="1" wrap="square" lIns="91425" tIns="45700" rIns="91425" bIns="45700" anchor="ctr" anchorCtr="0">
-            <a:noAutofit/>
-          </a:bodyPr>
-          <a:lstStyle/>
-          <a:p>
-            <a:pPr marL="0" marR="0" lvl="0" indent="0" algn="ctr" rtl="0">
-              <a:lnSpc>
-                <a:spcPct val="90000"/>
-              </a:lnSpc>
-              <a:spcBef>
-                <a:spcPts val="0"/>
-              </a:spcBef>
-              <a:spcAft>
-                <a:spcPts val="0"/>
-              </a:spcAft>
-              <a:buClr>
-                <a:schemeClr val="lt1"/>
-              </a:buClr>
-              <a:buSzPts val="4400"/>
-              <a:buFont typeface="Rockwell"/>
-              <a:buNone/>
-            </a:pPr>
-            <a:r>
-              <a:rPr lang="es-MX" sz="4400" b="1" i="0" u="none" strike="noStrike" cap="none">
-                <a:solidFill>
-                  <a:schemeClr val="lt1"/>
-                </a:solidFill>
-                <a:latin typeface="Rockwell"/>
-                <a:ea typeface="Rockwell"/>
-                <a:cs typeface="Rockwell"/>
-                <a:sym typeface="Rockwell"/>
-              </a:rPr>
-              <a:t>Frase corta o</a:t>
-            </a:r>
-            <a:br>
-              <a:rPr lang="es-MX" sz="4400" b="1" i="0" u="none" strike="noStrike" cap="none">
-                <a:solidFill>
-                  <a:schemeClr val="lt1"/>
-                </a:solidFill>
-                <a:latin typeface="Rockwell"/>
-                <a:ea typeface="Rockwell"/>
-                <a:cs typeface="Rockwell"/>
-                <a:sym typeface="Rockwell"/>
-              </a:rPr>
-            </a:br>
-            <a:r>
-              <a:rPr lang="es-MX" sz="4400" b="1" i="0" u="none" strike="noStrike" cap="none">
-                <a:solidFill>
-                  <a:schemeClr val="lt1"/>
-                </a:solidFill>
-                <a:latin typeface="Rockwell"/>
-                <a:ea typeface="Rockwell"/>
-                <a:cs typeface="Rockwell"/>
-                <a:sym typeface="Rockwell"/>
-              </a:rPr>
-              <a:t>texto destacable</a:t>
-            </a:r>
-            <a:endParaRPr/>
-          </a:p>
-        </p:txBody>
-      </p:sp>
-    </p:spTree>
-  </p:cSld>
-  <p:clrMapOvr>
-    <a:masterClrMapping/>
-  </p:clrMapOvr>
-</p:sld>
-</file>
-
-<file path=ppt/slides/slide5.xml><?xml version="1.0" encoding="utf-8"?>
-<p:sld xmlns:a="http://schemas.openxmlformats.org/drawingml/2006/main" xmlns:r="http://schemas.openxmlformats.org/officeDocument/2006/relationships" xmlns:p="http://schemas.openxmlformats.org/presentationml/2006/main">
-  <p:cSld>
-    <p:spTree>
-      <p:nvGrpSpPr>
-        <p:cNvPr id="1" name="Shape 121"/>
-        <p:cNvGrpSpPr/>
-        <p:nvPr/>
-      </p:nvGrpSpPr>
-      <p:grpSpPr>
-        <a:xfrm>
-          <a:off x="0" y="0"/>
-          <a:ext cx="0" cy="0"/>
-          <a:chOff x="0" y="0"/>
-          <a:chExt cx="0" cy="0"/>
-        </a:xfrm>
-      </p:grpSpPr>
-      <p:sp>
-        <p:nvSpPr>
-          <p:cNvPr id="122" name="Google Shape;122;p5"/>
-          <p:cNvSpPr txBox="1">
-            <a:spLocks noGrp="1"/>
-          </p:cNvSpPr>
-          <p:nvPr>
-            <p:ph type="body" idx="1"/>
-          </p:nvPr>
-        </p:nvSpPr>
-        <p:spPr>
-          <a:xfrm>
-            <a:off x="838200" y="1825625"/>
-            <a:ext cx="5181600" cy="4351338"/>
-          </a:xfrm>
-          <a:prstGeom prst="rect">
-            <a:avLst/>
-          </a:prstGeom>
-          <a:noFill/>
-          <a:ln>
-            <a:noFill/>
-          </a:ln>
-        </p:spPr>
-        <p:txBody>
-          <a:bodyPr spcFirstLastPara="1" wrap="square" lIns="91425" tIns="45700" rIns="91425" bIns="45700" anchor="t" anchorCtr="0">
-            <a:normAutofit/>
-          </a:bodyPr>
-          <a:lstStyle/>
-          <a:p>
-            <a:pPr marL="228600" lvl="0" indent="-50800" algn="l" rtl="0">
-              <a:lnSpc>
-                <a:spcPct val="90000"/>
-              </a:lnSpc>
-              <a:spcBef>
-                <a:spcPts val="0"/>
-              </a:spcBef>
-              <a:spcAft>
-                <a:spcPts val="0"/>
-              </a:spcAft>
-              <a:buClr>
-                <a:schemeClr val="dk1"/>
-              </a:buClr>
-              <a:buSzPts val="2800"/>
-              <a:buNone/>
-            </a:pPr>
-            <a:endParaRPr/>
-          </a:p>
-        </p:txBody>
-      </p:sp>
-      <p:sp>
-        <p:nvSpPr>
-          <p:cNvPr id="123" name="Google Shape;123;p5"/>
-          <p:cNvSpPr txBox="1">
-            <a:spLocks noGrp="1"/>
-          </p:cNvSpPr>
-          <p:nvPr>
-            <p:ph type="body" idx="2"/>
-          </p:nvPr>
-        </p:nvSpPr>
-        <p:spPr>
-          <a:xfrm>
-            <a:off x="6172200" y="1825625"/>
-            <a:ext cx="5181600" cy="4351338"/>
-          </a:xfrm>
-          <a:prstGeom prst="rect">
-            <a:avLst/>
-          </a:prstGeom>
-          <a:noFill/>
-          <a:ln>
-            <a:noFill/>
-          </a:ln>
-        </p:spPr>
-        <p:txBody>
-          <a:bodyPr spcFirstLastPara="1" wrap="square" lIns="91425" tIns="45700" rIns="91425" bIns="45700" anchor="t" anchorCtr="0">
-            <a:normAutofit/>
-          </a:bodyPr>
-          <a:lstStyle/>
-          <a:p>
-            <a:pPr marL="228600" lvl="0" indent="-50800" algn="l" rtl="0">
-              <a:lnSpc>
-                <a:spcPct val="90000"/>
-              </a:lnSpc>
-              <a:spcBef>
-                <a:spcPts val="0"/>
-              </a:spcBef>
-              <a:spcAft>
-                <a:spcPts val="0"/>
-              </a:spcAft>
-              <a:buClr>
-                <a:schemeClr val="dk1"/>
-              </a:buClr>
-              <a:buSzPts val="2800"/>
-              <a:buNone/>
-            </a:pPr>
-            <a:endParaRPr/>
-          </a:p>
-        </p:txBody>
-      </p:sp>
-      <p:sp>
-        <p:nvSpPr>
-          <p:cNvPr id="124" name="Google Shape;124;p5"/>
-          <p:cNvSpPr txBox="1">
-            <a:spLocks noGrp="1"/>
-          </p:cNvSpPr>
-          <p:nvPr>
-            <p:ph type="title"/>
-          </p:nvPr>
-        </p:nvSpPr>
-        <p:spPr>
-          <a:xfrm>
-            <a:off x="838200" y="365125"/>
-            <a:ext cx="10515600" cy="1325563"/>
-          </a:xfrm>
-          <a:prstGeom prst="rect">
-            <a:avLst/>
-          </a:prstGeom>
-          <a:noFill/>
-          <a:ln>
-            <a:noFill/>
-          </a:ln>
-        </p:spPr>
-        <p:txBody>
-          <a:bodyPr spcFirstLastPara="1" wrap="square" lIns="91425" tIns="45700" rIns="91425" bIns="45700" anchor="ctr" anchorCtr="0">
-            <a:normAutofit/>
-          </a:bodyPr>
-          <a:lstStyle/>
-          <a:p>
-            <a:pPr marL="0" lvl="0" indent="0" algn="l" rtl="0">
-              <a:lnSpc>
-                <a:spcPct val="90000"/>
-              </a:lnSpc>
-              <a:spcBef>
-                <a:spcPts val="0"/>
-              </a:spcBef>
-              <a:spcAft>
-                <a:spcPts val="0"/>
-              </a:spcAft>
-              <a:buClr>
-                <a:schemeClr val="dk1"/>
-              </a:buClr>
-              <a:buSzPts val="4400"/>
-              <a:buFont typeface="Verdana"/>
-              <a:buNone/>
-            </a:pPr>
-            <a:endParaRPr/>
-          </a:p>
-        </p:txBody>
-      </p:sp>
-    </p:spTree>
-  </p:cSld>
-  <p:clrMapOvr>
-    <a:masterClrMapping/>
-  </p:clrMapOvr>
-</p:sld>
-</file>
-
-<file path=ppt/slides/slide6.xml><?xml version="1.0" encoding="utf-8"?>
+<file path=ppt/slides/slide12.xml><?xml version="1.0" encoding="utf-8"?>
 <p:sld xmlns:a="http://schemas.openxmlformats.org/drawingml/2006/main" xmlns:r="http://schemas.openxmlformats.org/officeDocument/2006/relationships" xmlns:p="http://schemas.openxmlformats.org/presentationml/2006/main">
   <p:cSld>
     <p:bg>
@@ -11521,6 +10760,3915 @@
         </p:txBody>
       </p:sp>
     </p:spTree>
+  </p:cSld>
+  <p:clrMapOvr>
+    <a:masterClrMapping/>
+  </p:clrMapOvr>
+</p:sld>
+</file>
+
+<file path=ppt/slides/slide2.xml><?xml version="1.0" encoding="utf-8"?>
+<p:sld xmlns:a="http://schemas.openxmlformats.org/drawingml/2006/main" xmlns:r="http://schemas.openxmlformats.org/officeDocument/2006/relationships" xmlns:p="http://schemas.openxmlformats.org/presentationml/2006/main">
+  <p:cSld>
+    <p:spTree>
+      <p:nvGrpSpPr>
+        <p:cNvPr id="1" name="Shape 121">
+          <a:extLst>
+            <a:ext uri="{FF2B5EF4-FFF2-40B4-BE49-F238E27FC236}">
+              <a16:creationId xmlns:a16="http://schemas.microsoft.com/office/drawing/2014/main" id="{AFDF9B51-06BB-7BFC-1054-244EEEA03173}"/>
+            </a:ext>
+          </a:extLst>
+        </p:cNvPr>
+        <p:cNvGrpSpPr/>
+        <p:nvPr/>
+      </p:nvGrpSpPr>
+      <p:grpSpPr>
+        <a:xfrm>
+          <a:off x="0" y="0"/>
+          <a:ext cx="0" cy="0"/>
+          <a:chOff x="0" y="0"/>
+          <a:chExt cx="0" cy="0"/>
+        </a:xfrm>
+      </p:grpSpPr>
+      <p:sp>
+        <p:nvSpPr>
+          <p:cNvPr id="2" name="Título 1">
+            <a:extLst>
+              <a:ext uri="{FF2B5EF4-FFF2-40B4-BE49-F238E27FC236}">
+                <a16:creationId xmlns:a16="http://schemas.microsoft.com/office/drawing/2014/main" id="{1E21A215-1180-7A29-0378-A35B4020C47B}"/>
+              </a:ext>
+            </a:extLst>
+          </p:cNvPr>
+          <p:cNvSpPr>
+            <a:spLocks noGrp="1"/>
+          </p:cNvSpPr>
+          <p:nvPr>
+            <p:ph type="title"/>
+          </p:nvPr>
+        </p:nvSpPr>
+        <p:spPr/>
+        <p:txBody>
+          <a:bodyPr/>
+          <a:lstStyle/>
+          <a:p>
+            <a:r>
+              <a:rPr lang="es-MX" dirty="0"/>
+              <a:t>Presentación</a:t>
+            </a:r>
+          </a:p>
+        </p:txBody>
+      </p:sp>
+      <p:sp>
+        <p:nvSpPr>
+          <p:cNvPr id="3" name="Marcador de texto 2">
+            <a:extLst>
+              <a:ext uri="{FF2B5EF4-FFF2-40B4-BE49-F238E27FC236}">
+                <a16:creationId xmlns:a16="http://schemas.microsoft.com/office/drawing/2014/main" id="{902B342D-D738-39AC-D5C1-49EA52BA8769}"/>
+              </a:ext>
+            </a:extLst>
+          </p:cNvPr>
+          <p:cNvSpPr>
+            <a:spLocks noGrp="1"/>
+          </p:cNvSpPr>
+          <p:nvPr>
+            <p:ph type="body" idx="1"/>
+          </p:nvPr>
+        </p:nvSpPr>
+        <p:spPr/>
+        <p:txBody>
+          <a:bodyPr/>
+          <a:lstStyle/>
+          <a:p>
+            <a:r>
+              <a:rPr lang="es-MX" dirty="0"/>
+              <a:t>Ciencias Computacionales – Seguridad y Aplicaciones distribuidas</a:t>
+            </a:r>
+          </a:p>
+          <a:p>
+            <a:r>
+              <a:rPr lang="es-MX" dirty="0"/>
+              <a:t>Especialidad en Estadística y Data </a:t>
+            </a:r>
+            <a:r>
+              <a:rPr lang="es-MX" dirty="0" err="1"/>
+              <a:t>Science</a:t>
+            </a:r>
+            <a:endParaRPr lang="es-MX" dirty="0"/>
+          </a:p>
+          <a:p>
+            <a:r>
+              <a:rPr lang="es-MX" dirty="0"/>
+              <a:t>Profesor de cátedra -2001</a:t>
+            </a:r>
+          </a:p>
+          <a:p>
+            <a:r>
+              <a:rPr lang="es-MX" dirty="0"/>
+              <a:t>Banco de México - 2002</a:t>
+            </a:r>
+          </a:p>
+          <a:p>
+            <a:r>
+              <a:rPr lang="es-MX" dirty="0" err="1"/>
+              <a:t>TruEffort</a:t>
+            </a:r>
+            <a:r>
+              <a:rPr lang="es-MX" dirty="0"/>
+              <a:t> – (Asesor - CTO) - 2022</a:t>
+            </a:r>
+          </a:p>
+        </p:txBody>
+      </p:sp>
+    </p:spTree>
+    <p:extLst>
+      <p:ext uri="{BB962C8B-B14F-4D97-AF65-F5344CB8AC3E}">
+        <p14:creationId xmlns:p14="http://schemas.microsoft.com/office/powerpoint/2010/main" val="1751049798"/>
+      </p:ext>
+    </p:extLst>
+  </p:cSld>
+  <p:clrMapOvr>
+    <a:masterClrMapping/>
+  </p:clrMapOvr>
+</p:sld>
+</file>
+
+<file path=ppt/slides/slide3.xml><?xml version="1.0" encoding="utf-8"?>
+<p:sld xmlns:a="http://schemas.openxmlformats.org/drawingml/2006/main" xmlns:r="http://schemas.openxmlformats.org/officeDocument/2006/relationships" xmlns:p="http://schemas.openxmlformats.org/presentationml/2006/main">
+  <p:cSld>
+    <p:spTree>
+      <p:nvGrpSpPr>
+        <p:cNvPr id="1" name=""/>
+        <p:cNvGrpSpPr/>
+        <p:nvPr/>
+      </p:nvGrpSpPr>
+      <p:grpSpPr>
+        <a:xfrm>
+          <a:off x="0" y="0"/>
+          <a:ext cx="0" cy="0"/>
+          <a:chOff x="0" y="0"/>
+          <a:chExt cx="0" cy="0"/>
+        </a:xfrm>
+      </p:grpSpPr>
+      <p:sp>
+        <p:nvSpPr>
+          <p:cNvPr id="2" name="Título 1">
+            <a:extLst>
+              <a:ext uri="{FF2B5EF4-FFF2-40B4-BE49-F238E27FC236}">
+                <a16:creationId xmlns:a16="http://schemas.microsoft.com/office/drawing/2014/main" id="{6976BFD4-C478-9FBF-C07C-F291198E60E7}"/>
+              </a:ext>
+            </a:extLst>
+          </p:cNvPr>
+          <p:cNvSpPr>
+            <a:spLocks noGrp="1"/>
+          </p:cNvSpPr>
+          <p:nvPr>
+            <p:ph type="title"/>
+          </p:nvPr>
+        </p:nvSpPr>
+        <p:spPr>
+          <a:xfrm>
+            <a:off x="838201" y="365125"/>
+            <a:ext cx="5251316" cy="1807305"/>
+          </a:xfrm>
+        </p:spPr>
+        <p:txBody>
+          <a:bodyPr>
+            <a:normAutofit/>
+          </a:bodyPr>
+          <a:lstStyle/>
+          <a:p>
+            <a:r>
+              <a:rPr lang="es-MX" dirty="0"/>
+              <a:t>Agenda</a:t>
+            </a:r>
+          </a:p>
+        </p:txBody>
+      </p:sp>
+      <p:sp>
+        <p:nvSpPr>
+          <p:cNvPr id="19" name="Marcador de contenido 2">
+            <a:extLst>
+              <a:ext uri="{FF2B5EF4-FFF2-40B4-BE49-F238E27FC236}">
+                <a16:creationId xmlns:a16="http://schemas.microsoft.com/office/drawing/2014/main" id="{2109EC46-4322-E71E-6835-F571F16D4B72}"/>
+              </a:ext>
+            </a:extLst>
+          </p:cNvPr>
+          <p:cNvSpPr>
+            <a:spLocks noGrp="1"/>
+          </p:cNvSpPr>
+          <p:nvPr>
+            <p:ph idx="1"/>
+          </p:nvPr>
+        </p:nvSpPr>
+        <p:spPr>
+          <a:xfrm>
+            <a:off x="838200" y="2333297"/>
+            <a:ext cx="5257800" cy="3843666"/>
+          </a:xfrm>
+        </p:spPr>
+        <p:txBody>
+          <a:bodyPr>
+            <a:normAutofit/>
+          </a:bodyPr>
+          <a:lstStyle/>
+          <a:p>
+            <a:r>
+              <a:rPr lang="es-MX" sz="3200" dirty="0"/>
+              <a:t>¿Por qué Python? </a:t>
+            </a:r>
+          </a:p>
+          <a:p>
+            <a:r>
+              <a:rPr lang="es-MX" sz="3200" dirty="0"/>
+              <a:t>¿Por qué Django? </a:t>
+            </a:r>
+          </a:p>
+          <a:p>
+            <a:r>
+              <a:rPr lang="es-MX" sz="3200" dirty="0"/>
+              <a:t>Framework</a:t>
+            </a:r>
+          </a:p>
+          <a:p>
+            <a:r>
+              <a:rPr lang="es-MX" sz="3200" dirty="0"/>
+              <a:t>Práctica</a:t>
+            </a:r>
+          </a:p>
+        </p:txBody>
+      </p:sp>
+      <p:pic>
+        <p:nvPicPr>
+          <p:cNvPr id="5" name="Picture 4" descr="Script de ordenador en una pantalla">
+            <a:extLst>
+              <a:ext uri="{FF2B5EF4-FFF2-40B4-BE49-F238E27FC236}">
+                <a16:creationId xmlns:a16="http://schemas.microsoft.com/office/drawing/2014/main" id="{8F7BF727-8810-0B01-3B9B-40C4EF520E6B}"/>
+              </a:ext>
+            </a:extLst>
+          </p:cNvPr>
+          <p:cNvPicPr>
+            <a:picLocks noChangeAspect="1"/>
+          </p:cNvPicPr>
+          <p:nvPr/>
+        </p:nvPicPr>
+        <p:blipFill rotWithShape="1">
+          <a:blip r:embed="rId3"/>
+          <a:srcRect l="769" r="41194" b="-1"/>
+          <a:stretch/>
+        </p:blipFill>
+        <p:spPr>
+          <a:xfrm>
+            <a:off x="6229215" y="10"/>
+            <a:ext cx="5962785" cy="6857990"/>
+          </a:xfrm>
+          <a:custGeom>
+            <a:avLst/>
+            <a:gdLst/>
+            <a:ahLst/>
+            <a:cxnLst/>
+            <a:rect l="l" t="t" r="r" b="b"/>
+            <a:pathLst>
+              <a:path w="5962785" h="6858000">
+                <a:moveTo>
+                  <a:pt x="1044839" y="0"/>
+                </a:moveTo>
+                <a:lnTo>
+                  <a:pt x="5962785" y="0"/>
+                </a:lnTo>
+                <a:lnTo>
+                  <a:pt x="5962785" y="6858000"/>
+                </a:lnTo>
+                <a:lnTo>
+                  <a:pt x="1469886" y="6858000"/>
+                </a:lnTo>
+                <a:lnTo>
+                  <a:pt x="1416006" y="6823984"/>
+                </a:lnTo>
+                <a:cubicBezTo>
+                  <a:pt x="1356767" y="6787940"/>
+                  <a:pt x="1296437" y="6755500"/>
+                  <a:pt x="1232473" y="6733873"/>
+                </a:cubicBezTo>
+                <a:cubicBezTo>
+                  <a:pt x="1145250" y="6705037"/>
+                  <a:pt x="1060933" y="6654575"/>
+                  <a:pt x="1075471" y="6503186"/>
+                </a:cubicBezTo>
+                <a:cubicBezTo>
+                  <a:pt x="1078378" y="6459932"/>
+                  <a:pt x="1055118" y="6427493"/>
+                  <a:pt x="1020229" y="6438306"/>
+                </a:cubicBezTo>
+                <a:cubicBezTo>
+                  <a:pt x="953358" y="6459932"/>
+                  <a:pt x="921375" y="6398656"/>
+                  <a:pt x="883579" y="6351798"/>
+                </a:cubicBezTo>
+                <a:cubicBezTo>
+                  <a:pt x="816707" y="6268895"/>
+                  <a:pt x="752743" y="6182387"/>
+                  <a:pt x="645167" y="6167969"/>
+                </a:cubicBezTo>
+                <a:cubicBezTo>
+                  <a:pt x="665519" y="6103088"/>
+                  <a:pt x="700408" y="6110298"/>
+                  <a:pt x="732391" y="6124716"/>
+                </a:cubicBezTo>
+                <a:cubicBezTo>
+                  <a:pt x="816707" y="6160761"/>
+                  <a:pt x="901023" y="6200410"/>
+                  <a:pt x="985339" y="6236455"/>
+                </a:cubicBezTo>
+                <a:cubicBezTo>
+                  <a:pt x="1040581" y="6258081"/>
+                  <a:pt x="1095822" y="6290522"/>
+                  <a:pt x="1168509" y="6265291"/>
+                </a:cubicBezTo>
+                <a:cubicBezTo>
+                  <a:pt x="1104545" y="6135530"/>
+                  <a:pt x="996969" y="6110298"/>
+                  <a:pt x="909746" y="6070649"/>
+                </a:cubicBezTo>
+                <a:cubicBezTo>
+                  <a:pt x="802169" y="6020185"/>
+                  <a:pt x="738206" y="5926470"/>
+                  <a:pt x="659704" y="5818335"/>
+                </a:cubicBezTo>
+                <a:cubicBezTo>
+                  <a:pt x="738206" y="5789500"/>
+                  <a:pt x="787632" y="5868798"/>
+                  <a:pt x="851597" y="5865193"/>
+                </a:cubicBezTo>
+                <a:cubicBezTo>
+                  <a:pt x="854504" y="5854380"/>
+                  <a:pt x="860319" y="5832753"/>
+                  <a:pt x="860319" y="5832753"/>
+                </a:cubicBezTo>
+                <a:cubicBezTo>
+                  <a:pt x="755650" y="5775081"/>
+                  <a:pt x="709132" y="5666947"/>
+                  <a:pt x="691686" y="5533581"/>
+                </a:cubicBezTo>
+                <a:cubicBezTo>
+                  <a:pt x="685872" y="5465095"/>
+                  <a:pt x="648075" y="5443468"/>
+                  <a:pt x="610278" y="5411029"/>
+                </a:cubicBezTo>
+                <a:cubicBezTo>
+                  <a:pt x="482350" y="5299289"/>
+                  <a:pt x="345700" y="5198364"/>
+                  <a:pt x="238123" y="5046976"/>
+                </a:cubicBezTo>
+                <a:cubicBezTo>
+                  <a:pt x="363144" y="5064998"/>
+                  <a:pt x="461997" y="5165924"/>
+                  <a:pt x="592833" y="5209177"/>
+                </a:cubicBezTo>
+                <a:cubicBezTo>
+                  <a:pt x="488165" y="5043371"/>
+                  <a:pt x="351514" y="4956864"/>
+                  <a:pt x="226494" y="4855939"/>
+                </a:cubicBezTo>
+                <a:cubicBezTo>
+                  <a:pt x="168344" y="4809081"/>
+                  <a:pt x="116011" y="4751408"/>
+                  <a:pt x="49139" y="4726177"/>
+                </a:cubicBezTo>
+                <a:cubicBezTo>
+                  <a:pt x="25879" y="4718968"/>
+                  <a:pt x="-14825" y="4700947"/>
+                  <a:pt x="5527" y="4650483"/>
+                </a:cubicBezTo>
+                <a:cubicBezTo>
+                  <a:pt x="22972" y="4607230"/>
+                  <a:pt x="54954" y="4621648"/>
+                  <a:pt x="84029" y="4632460"/>
+                </a:cubicBezTo>
+                <a:cubicBezTo>
+                  <a:pt x="153807" y="4661296"/>
+                  <a:pt x="229401" y="4661296"/>
+                  <a:pt x="325347" y="4661296"/>
+                </a:cubicBezTo>
+                <a:cubicBezTo>
+                  <a:pt x="243939" y="4524326"/>
+                  <a:pt x="95658" y="4567580"/>
+                  <a:pt x="25879" y="4423401"/>
+                </a:cubicBezTo>
+                <a:cubicBezTo>
+                  <a:pt x="113103" y="4398170"/>
+                  <a:pt x="179975" y="4448632"/>
+                  <a:pt x="249753" y="4459446"/>
+                </a:cubicBezTo>
+                <a:cubicBezTo>
+                  <a:pt x="313718" y="4470259"/>
+                  <a:pt x="328254" y="4445028"/>
+                  <a:pt x="313718" y="4365729"/>
+                </a:cubicBezTo>
+                <a:cubicBezTo>
+                  <a:pt x="290458" y="4243177"/>
+                  <a:pt x="325347" y="4181900"/>
+                  <a:pt x="418386" y="4214341"/>
+                </a:cubicBezTo>
+                <a:cubicBezTo>
+                  <a:pt x="505609" y="4246781"/>
+                  <a:pt x="514332" y="4199922"/>
+                  <a:pt x="491072" y="4131438"/>
+                </a:cubicBezTo>
+                <a:cubicBezTo>
+                  <a:pt x="456183" y="4030512"/>
+                  <a:pt x="493979" y="3951214"/>
+                  <a:pt x="520147" y="3864706"/>
+                </a:cubicBezTo>
+                <a:cubicBezTo>
+                  <a:pt x="560851" y="3734945"/>
+                  <a:pt x="543407" y="3670064"/>
+                  <a:pt x="459090" y="3572743"/>
+                </a:cubicBezTo>
+                <a:cubicBezTo>
+                  <a:pt x="409664" y="3518676"/>
+                  <a:pt x="360236" y="3471818"/>
+                  <a:pt x="290458" y="3424959"/>
+                </a:cubicBezTo>
+                <a:cubicBezTo>
+                  <a:pt x="450368" y="3399728"/>
+                  <a:pt x="284643" y="3313221"/>
+                  <a:pt x="339884" y="3259153"/>
+                </a:cubicBezTo>
+                <a:cubicBezTo>
+                  <a:pt x="453275" y="3237527"/>
+                  <a:pt x="543407" y="3410542"/>
+                  <a:pt x="697501" y="3360078"/>
+                </a:cubicBezTo>
+                <a:cubicBezTo>
+                  <a:pt x="511425" y="3212294"/>
+                  <a:pt x="302087" y="3165436"/>
+                  <a:pt x="165437" y="2967190"/>
+                </a:cubicBezTo>
+                <a:cubicBezTo>
+                  <a:pt x="197419" y="2923937"/>
+                  <a:pt x="229401" y="2967190"/>
+                  <a:pt x="255568" y="2949167"/>
+                </a:cubicBezTo>
+                <a:cubicBezTo>
+                  <a:pt x="255568" y="2938354"/>
+                  <a:pt x="560851" y="3006840"/>
+                  <a:pt x="578296" y="2725691"/>
+                </a:cubicBezTo>
+                <a:cubicBezTo>
+                  <a:pt x="584111" y="2725691"/>
+                  <a:pt x="589926" y="2725691"/>
+                  <a:pt x="595740" y="2714876"/>
+                </a:cubicBezTo>
+                <a:cubicBezTo>
+                  <a:pt x="627722" y="2675228"/>
+                  <a:pt x="598648" y="2581510"/>
+                  <a:pt x="650982" y="2574301"/>
+                </a:cubicBezTo>
+                <a:cubicBezTo>
+                  <a:pt x="709132" y="2567092"/>
+                  <a:pt x="764373" y="2534653"/>
+                  <a:pt x="825429" y="2552674"/>
+                </a:cubicBezTo>
+                <a:cubicBezTo>
+                  <a:pt x="871949" y="2567092"/>
+                  <a:pt x="921375" y="2585115"/>
+                  <a:pt x="970802" y="2585115"/>
+                </a:cubicBezTo>
+                <a:cubicBezTo>
+                  <a:pt x="1023136" y="2585115"/>
+                  <a:pt x="1095822" y="2707668"/>
+                  <a:pt x="1127805" y="2545465"/>
+                </a:cubicBezTo>
+                <a:cubicBezTo>
+                  <a:pt x="1127805" y="2538257"/>
+                  <a:pt x="1217936" y="2556280"/>
+                  <a:pt x="1267362" y="2563488"/>
+                </a:cubicBezTo>
+                <a:cubicBezTo>
+                  <a:pt x="1308067" y="2570698"/>
+                  <a:pt x="1357494" y="2603137"/>
+                  <a:pt x="1386568" y="2538257"/>
+                </a:cubicBezTo>
+                <a:cubicBezTo>
+                  <a:pt x="1401105" y="2498607"/>
+                  <a:pt x="1331326" y="2426518"/>
+                  <a:pt x="1270270" y="2419309"/>
+                </a:cubicBezTo>
+                <a:cubicBezTo>
+                  <a:pt x="1215029" y="2412101"/>
+                  <a:pt x="1159787" y="2404892"/>
+                  <a:pt x="1107453" y="2419309"/>
+                </a:cubicBezTo>
+                <a:cubicBezTo>
+                  <a:pt x="1043489" y="2437331"/>
+                  <a:pt x="1008599" y="2408495"/>
+                  <a:pt x="991154" y="2343615"/>
+                </a:cubicBezTo>
+                <a:cubicBezTo>
+                  <a:pt x="970802" y="2275131"/>
+                  <a:pt x="933005" y="2239085"/>
+                  <a:pt x="880671" y="2206645"/>
+                </a:cubicBezTo>
+                <a:cubicBezTo>
+                  <a:pt x="752743" y="2127346"/>
+                  <a:pt x="630630" y="2033629"/>
+                  <a:pt x="491072" y="1986771"/>
+                </a:cubicBezTo>
+                <a:cubicBezTo>
+                  <a:pt x="464905" y="1979562"/>
+                  <a:pt x="432923" y="1965145"/>
+                  <a:pt x="421293" y="1903868"/>
+                </a:cubicBezTo>
+                <a:cubicBezTo>
+                  <a:pt x="799262" y="1997584"/>
+                  <a:pt x="1142342" y="2239085"/>
+                  <a:pt x="1531941" y="2224667"/>
+                </a:cubicBezTo>
+                <a:cubicBezTo>
+                  <a:pt x="1427272" y="2148974"/>
+                  <a:pt x="1302252" y="2145369"/>
+                  <a:pt x="1188861" y="2091301"/>
+                </a:cubicBezTo>
+                <a:cubicBezTo>
+                  <a:pt x="1270270" y="2051652"/>
+                  <a:pt x="1345864" y="2094906"/>
+                  <a:pt x="1421458" y="2116532"/>
+                </a:cubicBezTo>
+                <a:cubicBezTo>
+                  <a:pt x="1485422" y="2134554"/>
+                  <a:pt x="1543571" y="2138160"/>
+                  <a:pt x="1549386" y="2026420"/>
+                </a:cubicBezTo>
+                <a:cubicBezTo>
+                  <a:pt x="1549386" y="2015607"/>
+                  <a:pt x="1549386" y="2008398"/>
+                  <a:pt x="1549386" y="1997584"/>
+                </a:cubicBezTo>
+                <a:cubicBezTo>
+                  <a:pt x="1526126" y="1950727"/>
+                  <a:pt x="1494144" y="1929099"/>
+                  <a:pt x="1453440" y="1914682"/>
+                </a:cubicBezTo>
+                <a:cubicBezTo>
+                  <a:pt x="1430180" y="1907473"/>
+                  <a:pt x="1398198" y="1893056"/>
+                  <a:pt x="1398198" y="1860614"/>
+                </a:cubicBezTo>
+                <a:cubicBezTo>
+                  <a:pt x="1401105" y="1738063"/>
+                  <a:pt x="1322604" y="1702018"/>
+                  <a:pt x="1247011" y="1665972"/>
+                </a:cubicBezTo>
+                <a:cubicBezTo>
+                  <a:pt x="1287715" y="1604696"/>
+                  <a:pt x="1322604" y="1647950"/>
+                  <a:pt x="1354586" y="1644345"/>
+                </a:cubicBezTo>
+                <a:cubicBezTo>
+                  <a:pt x="1374939" y="1640741"/>
+                  <a:pt x="1395290" y="1637138"/>
+                  <a:pt x="1395290" y="1604696"/>
+                </a:cubicBezTo>
+                <a:cubicBezTo>
+                  <a:pt x="1395290" y="1579465"/>
+                  <a:pt x="1386568" y="1547025"/>
+                  <a:pt x="1366216" y="1547025"/>
+                </a:cubicBezTo>
+                <a:cubicBezTo>
+                  <a:pt x="1238288" y="1543420"/>
+                  <a:pt x="1165601" y="1370405"/>
+                  <a:pt x="1031858" y="1370405"/>
+                </a:cubicBezTo>
+                <a:cubicBezTo>
+                  <a:pt x="950450" y="1370405"/>
+                  <a:pt x="1072563" y="1273083"/>
+                  <a:pt x="1005692" y="1233435"/>
+                </a:cubicBezTo>
+                <a:cubicBezTo>
+                  <a:pt x="991154" y="1222621"/>
+                  <a:pt x="1046396" y="1208203"/>
+                  <a:pt x="1069655" y="1211808"/>
+                </a:cubicBezTo>
+                <a:cubicBezTo>
+                  <a:pt x="1092915" y="1215412"/>
+                  <a:pt x="1113268" y="1240644"/>
+                  <a:pt x="1142342" y="1222621"/>
+                </a:cubicBezTo>
+                <a:cubicBezTo>
+                  <a:pt x="1156879" y="1157741"/>
+                  <a:pt x="1119082" y="1132510"/>
+                  <a:pt x="1084193" y="1114487"/>
+                </a:cubicBezTo>
+                <a:cubicBezTo>
+                  <a:pt x="1008599" y="1071234"/>
+                  <a:pt x="933005" y="1020771"/>
+                  <a:pt x="848689" y="1006353"/>
+                </a:cubicBezTo>
+                <a:cubicBezTo>
+                  <a:pt x="819615" y="1002748"/>
+                  <a:pt x="802169" y="984726"/>
+                  <a:pt x="805077" y="948681"/>
+                </a:cubicBezTo>
+                <a:cubicBezTo>
+                  <a:pt x="810892" y="901822"/>
+                  <a:pt x="839967" y="916240"/>
+                  <a:pt x="863226" y="919844"/>
+                </a:cubicBezTo>
+                <a:cubicBezTo>
+                  <a:pt x="877764" y="923450"/>
+                  <a:pt x="892301" y="934263"/>
+                  <a:pt x="906838" y="909031"/>
+                </a:cubicBezTo>
+                <a:cubicBezTo>
+                  <a:pt x="566666" y="653113"/>
+                  <a:pt x="386404" y="667532"/>
+                  <a:pt x="5527" y="458471"/>
+                </a:cubicBezTo>
+                <a:cubicBezTo>
+                  <a:pt x="89843" y="418822"/>
+                  <a:pt x="150900" y="447658"/>
+                  <a:pt x="209049" y="454867"/>
+                </a:cubicBezTo>
+                <a:cubicBezTo>
+                  <a:pt x="354422" y="472890"/>
+                  <a:pt x="264290" y="505329"/>
+                  <a:pt x="409664" y="526956"/>
+                </a:cubicBezTo>
+                <a:cubicBezTo>
+                  <a:pt x="479443" y="537770"/>
+                  <a:pt x="543407" y="573815"/>
+                  <a:pt x="621908" y="516143"/>
+                </a:cubicBezTo>
+                <a:cubicBezTo>
+                  <a:pt x="674242" y="476494"/>
+                  <a:pt x="758558" y="519747"/>
+                  <a:pt x="822522" y="552188"/>
+                </a:cubicBezTo>
+                <a:cubicBezTo>
+                  <a:pt x="874856" y="581024"/>
+                  <a:pt x="927190" y="588232"/>
+                  <a:pt x="996969" y="552188"/>
+                </a:cubicBezTo>
+                <a:cubicBezTo>
+                  <a:pt x="933005" y="530562"/>
+                  <a:pt x="883579" y="512539"/>
+                  <a:pt x="834151" y="498120"/>
+                </a:cubicBezTo>
+                <a:cubicBezTo>
+                  <a:pt x="793447" y="487307"/>
+                  <a:pt x="770187" y="462076"/>
+                  <a:pt x="773095" y="408008"/>
+                </a:cubicBezTo>
+                <a:cubicBezTo>
+                  <a:pt x="773095" y="379172"/>
+                  <a:pt x="764373" y="339523"/>
+                  <a:pt x="793447" y="325106"/>
+                </a:cubicBezTo>
+                <a:cubicBezTo>
+                  <a:pt x="816707" y="310688"/>
+                  <a:pt x="848689" y="325106"/>
+                  <a:pt x="860319" y="350336"/>
+                </a:cubicBezTo>
+                <a:cubicBezTo>
+                  <a:pt x="874856" y="397195"/>
+                  <a:pt x="889393" y="440449"/>
+                  <a:pt x="938820" y="444054"/>
+                </a:cubicBezTo>
+                <a:cubicBezTo>
+                  <a:pt x="1005692" y="451262"/>
+                  <a:pt x="967894" y="422426"/>
+                  <a:pt x="956265" y="386381"/>
+                </a:cubicBezTo>
+                <a:cubicBezTo>
+                  <a:pt x="944635" y="346733"/>
+                  <a:pt x="979525" y="335919"/>
+                  <a:pt x="1002784" y="343127"/>
+                </a:cubicBezTo>
+                <a:cubicBezTo>
+                  <a:pt x="1090008" y="375569"/>
+                  <a:pt x="1180139" y="317897"/>
+                  <a:pt x="1270270" y="364755"/>
+                </a:cubicBezTo>
+                <a:cubicBezTo>
+                  <a:pt x="1247011" y="249411"/>
+                  <a:pt x="1197583" y="198949"/>
+                  <a:pt x="1092915" y="180926"/>
+                </a:cubicBezTo>
+                <a:cubicBezTo>
+                  <a:pt x="1055118" y="177322"/>
+                  <a:pt x="1014414" y="184530"/>
+                  <a:pt x="979525" y="152090"/>
+                </a:cubicBezTo>
+                <a:cubicBezTo>
+                  <a:pt x="959172" y="134068"/>
+                  <a:pt x="938820" y="112441"/>
+                  <a:pt x="953358" y="76396"/>
+                </a:cubicBezTo>
+                <a:cubicBezTo>
+                  <a:pt x="962080" y="51165"/>
+                  <a:pt x="985339" y="51165"/>
+                  <a:pt x="1005692" y="58373"/>
+                </a:cubicBezTo>
+                <a:cubicBezTo>
+                  <a:pt x="1090008" y="98023"/>
+                  <a:pt x="1180139" y="108837"/>
+                  <a:pt x="1267362" y="123254"/>
+                </a:cubicBezTo>
+                <a:cubicBezTo>
+                  <a:pt x="1281900" y="126859"/>
+                  <a:pt x="1296437" y="134068"/>
+                  <a:pt x="1310975" y="98023"/>
+                </a:cubicBezTo>
+                <a:cubicBezTo>
+                  <a:pt x="1260095" y="81803"/>
+                  <a:pt x="1209941" y="62879"/>
+                  <a:pt x="1159787" y="43505"/>
+                </a:cubicBezTo>
+                <a:close/>
+              </a:path>
+            </a:pathLst>
+          </a:custGeom>
+        </p:spPr>
+      </p:pic>
+    </p:spTree>
+    <p:extLst>
+      <p:ext uri="{BB962C8B-B14F-4D97-AF65-F5344CB8AC3E}">
+        <p14:creationId xmlns:p14="http://schemas.microsoft.com/office/powerpoint/2010/main" val="928272141"/>
+      </p:ext>
+    </p:extLst>
+  </p:cSld>
+  <p:clrMapOvr>
+    <a:masterClrMapping/>
+  </p:clrMapOvr>
+</p:sld>
+</file>
+
+<file path=ppt/slides/slide4.xml><?xml version="1.0" encoding="utf-8"?>
+<p:sld xmlns:a="http://schemas.openxmlformats.org/drawingml/2006/main" xmlns:r="http://schemas.openxmlformats.org/officeDocument/2006/relationships" xmlns:p="http://schemas.openxmlformats.org/presentationml/2006/main">
+  <p:cSld>
+    <p:spTree>
+      <p:nvGrpSpPr>
+        <p:cNvPr id="1" name=""/>
+        <p:cNvGrpSpPr/>
+        <p:nvPr/>
+      </p:nvGrpSpPr>
+      <p:grpSpPr>
+        <a:xfrm>
+          <a:off x="0" y="0"/>
+          <a:ext cx="0" cy="0"/>
+          <a:chOff x="0" y="0"/>
+          <a:chExt cx="0" cy="0"/>
+        </a:xfrm>
+      </p:grpSpPr>
+      <p:pic>
+        <p:nvPicPr>
+          <p:cNvPr id="5" name="Picture 4" descr="Icon&#10;&#10;Description automatically generated">
+            <a:extLst>
+              <a:ext uri="{FF2B5EF4-FFF2-40B4-BE49-F238E27FC236}">
+                <a16:creationId xmlns:a16="http://schemas.microsoft.com/office/drawing/2014/main" id="{B036C0DF-1E27-B804-07BA-8BB5F16437C5}"/>
+              </a:ext>
+            </a:extLst>
+          </p:cNvPr>
+          <p:cNvPicPr>
+            <a:picLocks noChangeAspect="1"/>
+          </p:cNvPicPr>
+          <p:nvPr/>
+        </p:nvPicPr>
+        <p:blipFill rotWithShape="1">
+          <a:blip r:embed="rId3">
+            <a:alphaModFix amt="40000"/>
+            <a:extLst>
+              <a:ext uri="{837473B0-CC2E-450A-ABE3-18F120FF3D39}">
+                <a1611:picAttrSrcUrl xmlns:a1611="http://schemas.microsoft.com/office/drawing/2016/11/main" r:id="rId4"/>
+              </a:ext>
+            </a:extLst>
+          </a:blip>
+          <a:srcRect t="9421" r="1" b="9423"/>
+          <a:stretch/>
+        </p:blipFill>
+        <p:spPr>
+          <a:xfrm>
+            <a:off x="20" y="10"/>
+            <a:ext cx="8450297" cy="6857990"/>
+          </a:xfrm>
+          <a:prstGeom prst="rect">
+            <a:avLst/>
+          </a:prstGeom>
+        </p:spPr>
+      </p:pic>
+      <p:sp>
+        <p:nvSpPr>
+          <p:cNvPr id="2" name="Title 1">
+            <a:extLst>
+              <a:ext uri="{FF2B5EF4-FFF2-40B4-BE49-F238E27FC236}">
+                <a16:creationId xmlns:a16="http://schemas.microsoft.com/office/drawing/2014/main" id="{D4965E00-009B-EC43-5E72-9C767015BC8A}"/>
+              </a:ext>
+            </a:extLst>
+          </p:cNvPr>
+          <p:cNvSpPr>
+            <a:spLocks noGrp="1"/>
+          </p:cNvSpPr>
+          <p:nvPr>
+            <p:ph type="title"/>
+          </p:nvPr>
+        </p:nvSpPr>
+        <p:spPr>
+          <a:xfrm>
+            <a:off x="838201" y="365125"/>
+            <a:ext cx="5251316" cy="1627636"/>
+          </a:xfrm>
+        </p:spPr>
+        <p:txBody>
+          <a:bodyPr>
+            <a:normAutofit fontScale="90000"/>
+          </a:bodyPr>
+          <a:lstStyle/>
+          <a:p>
+            <a:r>
+              <a:rPr lang="es-ES_tradnl" dirty="0">
+                <a:solidFill>
+                  <a:schemeClr val="tx1"/>
+                </a:solidFill>
+              </a:rPr>
+              <a:t>¿Por qué “Python”?</a:t>
+            </a:r>
+            <a:br>
+              <a:rPr lang="es-ES_tradnl" dirty="0">
+                <a:solidFill>
+                  <a:schemeClr val="tx1"/>
+                </a:solidFill>
+              </a:rPr>
+            </a:br>
+            <a:r>
+              <a:rPr lang="es-ES_tradnl" dirty="0">
+                <a:solidFill>
+                  <a:schemeClr val="tx1"/>
+                </a:solidFill>
+              </a:rPr>
+              <a:t>	</a:t>
+            </a:r>
+            <a:r>
+              <a:rPr lang="es-ES_tradnl" dirty="0">
+                <a:solidFill>
+                  <a:schemeClr val="tx1"/>
+                </a:solidFill>
+                <a:sym typeface="Wingdings" panose="05000000000000000000" pitchFamily="2" charset="2"/>
+              </a:rPr>
+              <a:t> </a:t>
+            </a:r>
+            <a:r>
+              <a:rPr lang="es-ES_tradnl" b="1" dirty="0">
+                <a:solidFill>
+                  <a:schemeClr val="tx1"/>
+                </a:solidFill>
+                <a:sym typeface="Wingdings" panose="05000000000000000000" pitchFamily="2" charset="2"/>
+              </a:rPr>
+              <a:t>Popular</a:t>
+            </a:r>
+            <a:endParaRPr lang="es-ES_tradnl" b="1" dirty="0">
+              <a:solidFill>
+                <a:schemeClr val="tx1"/>
+              </a:solidFill>
+            </a:endParaRPr>
+          </a:p>
+        </p:txBody>
+      </p:sp>
+      <p:sp>
+        <p:nvSpPr>
+          <p:cNvPr id="3" name="Content Placeholder 2">
+            <a:extLst>
+              <a:ext uri="{FF2B5EF4-FFF2-40B4-BE49-F238E27FC236}">
+                <a16:creationId xmlns:a16="http://schemas.microsoft.com/office/drawing/2014/main" id="{6B6FF83B-96EB-49F7-54E4-2B5485EEB83B}"/>
+              </a:ext>
+            </a:extLst>
+          </p:cNvPr>
+          <p:cNvSpPr>
+            <a:spLocks noGrp="1"/>
+          </p:cNvSpPr>
+          <p:nvPr>
+            <p:ph idx="1"/>
+          </p:nvPr>
+        </p:nvSpPr>
+        <p:spPr>
+          <a:xfrm>
+            <a:off x="838201" y="1729843"/>
+            <a:ext cx="5962785" cy="4527266"/>
+          </a:xfrm>
+        </p:spPr>
+        <p:txBody>
+          <a:bodyPr>
+            <a:normAutofit fontScale="92500" lnSpcReduction="20000"/>
+          </a:bodyPr>
+          <a:lstStyle/>
+          <a:p>
+            <a:pPr marL="457200" lvl="1" indent="0">
+              <a:buNone/>
+            </a:pPr>
+            <a:endParaRPr lang="en-US" sz="2800" dirty="0">
+              <a:solidFill>
+                <a:srgbClr val="FFFFFF"/>
+              </a:solidFill>
+            </a:endParaRPr>
+          </a:p>
+          <a:p>
+            <a:r>
+              <a:rPr lang="en-US" dirty="0">
+                <a:solidFill>
+                  <a:schemeClr val="tx1"/>
+                </a:solidFill>
+              </a:rPr>
+              <a:t>POO</a:t>
+            </a:r>
+          </a:p>
+          <a:p>
+            <a:r>
+              <a:rPr lang="en-US" dirty="0" err="1">
+                <a:solidFill>
+                  <a:schemeClr val="tx1"/>
+                </a:solidFill>
+              </a:rPr>
+              <a:t>Potente</a:t>
+            </a:r>
+            <a:r>
+              <a:rPr lang="en-US" dirty="0">
+                <a:solidFill>
+                  <a:schemeClr val="tx1"/>
+                </a:solidFill>
+              </a:rPr>
+              <a:t>, </a:t>
+            </a:r>
+            <a:r>
+              <a:rPr lang="en-US" dirty="0" err="1">
+                <a:solidFill>
+                  <a:schemeClr val="tx1"/>
+                </a:solidFill>
+              </a:rPr>
+              <a:t>versatil</a:t>
+            </a:r>
+            <a:r>
+              <a:rPr lang="en-US" dirty="0">
+                <a:solidFill>
+                  <a:schemeClr val="tx1"/>
+                </a:solidFill>
+              </a:rPr>
+              <a:t> y </a:t>
+            </a:r>
+            <a:r>
+              <a:rPr lang="en-US" dirty="0" err="1">
+                <a:solidFill>
+                  <a:schemeClr val="tx1"/>
+                </a:solidFill>
+              </a:rPr>
+              <a:t>ampliamente</a:t>
+            </a:r>
+            <a:r>
+              <a:rPr lang="en-US" dirty="0">
+                <a:solidFill>
+                  <a:schemeClr val="tx1"/>
+                </a:solidFill>
+              </a:rPr>
+              <a:t> </a:t>
+            </a:r>
+            <a:r>
+              <a:rPr lang="en-US" dirty="0" err="1">
+                <a:solidFill>
+                  <a:schemeClr val="tx1"/>
+                </a:solidFill>
+              </a:rPr>
+              <a:t>utilizado</a:t>
+            </a:r>
+            <a:endParaRPr lang="en-US" dirty="0">
+              <a:solidFill>
+                <a:schemeClr val="tx1"/>
+              </a:solidFill>
+            </a:endParaRPr>
+          </a:p>
+          <a:p>
+            <a:pPr lvl="1"/>
+            <a:r>
+              <a:rPr lang="en-US" sz="2800" dirty="0">
+                <a:solidFill>
+                  <a:schemeClr val="tx1"/>
+                </a:solidFill>
+              </a:rPr>
+              <a:t>Web, </a:t>
+            </a:r>
+            <a:r>
+              <a:rPr lang="en-US" sz="2800" dirty="0" err="1">
+                <a:solidFill>
+                  <a:schemeClr val="tx1"/>
+                </a:solidFill>
+              </a:rPr>
+              <a:t>DataScience</a:t>
+            </a:r>
+            <a:r>
+              <a:rPr lang="en-US" sz="2800" dirty="0">
+                <a:solidFill>
+                  <a:schemeClr val="tx1"/>
+                </a:solidFill>
+              </a:rPr>
+              <a:t> (ML)</a:t>
+            </a:r>
+          </a:p>
+          <a:p>
+            <a:pPr lvl="1"/>
+            <a:r>
+              <a:rPr lang="en-US" sz="2800" dirty="0" err="1">
+                <a:solidFill>
+                  <a:schemeClr val="tx1"/>
+                </a:solidFill>
+              </a:rPr>
+              <a:t>Automatización</a:t>
+            </a:r>
+            <a:r>
+              <a:rPr lang="en-US" sz="2800" dirty="0">
+                <a:solidFill>
+                  <a:schemeClr val="tx1"/>
+                </a:solidFill>
+              </a:rPr>
+              <a:t>, Test, Security </a:t>
+            </a:r>
+          </a:p>
+          <a:p>
+            <a:pPr lvl="1"/>
+            <a:r>
+              <a:rPr lang="en-US" sz="2800" dirty="0">
+                <a:solidFill>
+                  <a:schemeClr val="tx1"/>
+                </a:solidFill>
+                <a:sym typeface="Wingdings" panose="05000000000000000000" pitchFamily="2" charset="2"/>
+              </a:rPr>
+              <a:t> </a:t>
+            </a:r>
+            <a:r>
+              <a:rPr lang="en-US" sz="2800" dirty="0" err="1">
+                <a:solidFill>
+                  <a:schemeClr val="tx1"/>
+                </a:solidFill>
+                <a:sym typeface="Wingdings" panose="05000000000000000000" pitchFamily="2" charset="2"/>
+              </a:rPr>
+              <a:t>E</a:t>
+            </a:r>
+            <a:r>
+              <a:rPr lang="en-US" sz="2800" dirty="0" err="1">
+                <a:solidFill>
+                  <a:schemeClr val="tx1"/>
+                </a:solidFill>
+              </a:rPr>
+              <a:t>stándar</a:t>
+            </a:r>
+            <a:r>
+              <a:rPr lang="en-US" sz="2800" dirty="0">
+                <a:solidFill>
+                  <a:schemeClr val="tx1"/>
+                </a:solidFill>
+              </a:rPr>
+              <a:t> </a:t>
+            </a:r>
+          </a:p>
+          <a:p>
+            <a:r>
+              <a:rPr lang="en-US" dirty="0" err="1">
+                <a:solidFill>
+                  <a:schemeClr val="tx1"/>
+                </a:solidFill>
+              </a:rPr>
+              <a:t>Aplicaciones</a:t>
+            </a:r>
+            <a:r>
+              <a:rPr lang="en-US" dirty="0">
+                <a:solidFill>
+                  <a:schemeClr val="tx1"/>
+                </a:solidFill>
+              </a:rPr>
+              <a:t> </a:t>
+            </a:r>
+            <a:r>
+              <a:rPr lang="en-US" dirty="0" err="1">
+                <a:solidFill>
+                  <a:schemeClr val="tx1"/>
+                </a:solidFill>
+              </a:rPr>
+              <a:t>escalables</a:t>
+            </a:r>
+            <a:endParaRPr lang="en-US" dirty="0">
+              <a:solidFill>
+                <a:schemeClr val="tx1"/>
+              </a:solidFill>
+            </a:endParaRPr>
+          </a:p>
+          <a:p>
+            <a:r>
+              <a:rPr lang="en-US" dirty="0" err="1">
+                <a:solidFill>
+                  <a:schemeClr val="tx1"/>
+                </a:solidFill>
+              </a:rPr>
+              <a:t>Curva</a:t>
+            </a:r>
+            <a:r>
+              <a:rPr lang="en-US" dirty="0">
+                <a:solidFill>
+                  <a:schemeClr val="tx1"/>
+                </a:solidFill>
+              </a:rPr>
+              <a:t> de </a:t>
+            </a:r>
+            <a:r>
+              <a:rPr lang="en-US" dirty="0" err="1">
+                <a:solidFill>
+                  <a:schemeClr val="tx1"/>
+                </a:solidFill>
+              </a:rPr>
+              <a:t>aprendizaje</a:t>
+            </a:r>
+            <a:r>
+              <a:rPr lang="en-US" dirty="0">
+                <a:solidFill>
+                  <a:schemeClr val="tx1"/>
+                </a:solidFill>
+              </a:rPr>
+              <a:t> </a:t>
+            </a:r>
+            <a:r>
+              <a:rPr lang="en-US" dirty="0" err="1">
+                <a:solidFill>
+                  <a:schemeClr val="tx1"/>
+                </a:solidFill>
+              </a:rPr>
+              <a:t>corta</a:t>
+            </a:r>
+            <a:endParaRPr lang="en-US" dirty="0">
+              <a:solidFill>
+                <a:schemeClr val="tx1"/>
+              </a:solidFill>
+            </a:endParaRPr>
+          </a:p>
+          <a:p>
+            <a:r>
+              <a:rPr lang="en-US" dirty="0">
+                <a:solidFill>
+                  <a:schemeClr val="tx1"/>
+                </a:solidFill>
+              </a:rPr>
+              <a:t>Open source</a:t>
+            </a:r>
+          </a:p>
+          <a:p>
+            <a:r>
+              <a:rPr lang="en-US" dirty="0">
+                <a:solidFill>
+                  <a:schemeClr val="tx1"/>
+                </a:solidFill>
+              </a:rPr>
+              <a:t>Multi-</a:t>
+            </a:r>
+            <a:r>
+              <a:rPr lang="en-US" dirty="0" err="1">
+                <a:solidFill>
+                  <a:schemeClr val="tx1"/>
+                </a:solidFill>
+              </a:rPr>
+              <a:t>plataforma</a:t>
+            </a:r>
+            <a:endParaRPr lang="es-ES_tradnl" dirty="0">
+              <a:solidFill>
+                <a:schemeClr val="tx1"/>
+              </a:solidFill>
+            </a:endParaRPr>
+          </a:p>
+        </p:txBody>
+      </p:sp>
+      <p:pic>
+        <p:nvPicPr>
+          <p:cNvPr id="7" name="Imagen 6" descr="Interfaz de usuario gráfica, Texto, Aplicación, Chat o mensaje de texto&#10;&#10;Descripción generada automáticamente">
+            <a:extLst>
+              <a:ext uri="{FF2B5EF4-FFF2-40B4-BE49-F238E27FC236}">
+                <a16:creationId xmlns:a16="http://schemas.microsoft.com/office/drawing/2014/main" id="{E4371C86-C768-12AE-ECA2-2531548BB417}"/>
+              </a:ext>
+            </a:extLst>
+          </p:cNvPr>
+          <p:cNvPicPr>
+            <a:picLocks noChangeAspect="1"/>
+          </p:cNvPicPr>
+          <p:nvPr/>
+        </p:nvPicPr>
+        <p:blipFill rotWithShape="1">
+          <a:blip r:embed="rId5">
+            <a:extLst>
+              <a:ext uri="{837473B0-CC2E-450A-ABE3-18F120FF3D39}">
+                <a1611:picAttrSrcUrl xmlns:a1611="http://schemas.microsoft.com/office/drawing/2016/11/main" r:id="rId6"/>
+              </a:ext>
+            </a:extLst>
+          </a:blip>
+          <a:srcRect l="17849" r="15638" b="1"/>
+          <a:stretch/>
+        </p:blipFill>
+        <p:spPr>
+          <a:xfrm>
+            <a:off x="6225997" y="10"/>
+            <a:ext cx="5962785" cy="6857990"/>
+          </a:xfrm>
+          <a:custGeom>
+            <a:avLst/>
+            <a:gdLst/>
+            <a:ahLst/>
+            <a:cxnLst/>
+            <a:rect l="l" t="t" r="r" b="b"/>
+            <a:pathLst>
+              <a:path w="5962785" h="6858000">
+                <a:moveTo>
+                  <a:pt x="1044839" y="0"/>
+                </a:moveTo>
+                <a:lnTo>
+                  <a:pt x="5962785" y="0"/>
+                </a:lnTo>
+                <a:lnTo>
+                  <a:pt x="5962785" y="6858000"/>
+                </a:lnTo>
+                <a:lnTo>
+                  <a:pt x="1469886" y="6858000"/>
+                </a:lnTo>
+                <a:lnTo>
+                  <a:pt x="1416006" y="6823984"/>
+                </a:lnTo>
+                <a:cubicBezTo>
+                  <a:pt x="1356767" y="6787940"/>
+                  <a:pt x="1296437" y="6755500"/>
+                  <a:pt x="1232473" y="6733873"/>
+                </a:cubicBezTo>
+                <a:cubicBezTo>
+                  <a:pt x="1145250" y="6705037"/>
+                  <a:pt x="1060933" y="6654575"/>
+                  <a:pt x="1075471" y="6503186"/>
+                </a:cubicBezTo>
+                <a:cubicBezTo>
+                  <a:pt x="1078378" y="6459932"/>
+                  <a:pt x="1055118" y="6427493"/>
+                  <a:pt x="1020229" y="6438306"/>
+                </a:cubicBezTo>
+                <a:cubicBezTo>
+                  <a:pt x="953358" y="6459932"/>
+                  <a:pt x="921375" y="6398656"/>
+                  <a:pt x="883579" y="6351798"/>
+                </a:cubicBezTo>
+                <a:cubicBezTo>
+                  <a:pt x="816707" y="6268895"/>
+                  <a:pt x="752743" y="6182387"/>
+                  <a:pt x="645167" y="6167969"/>
+                </a:cubicBezTo>
+                <a:cubicBezTo>
+                  <a:pt x="665519" y="6103088"/>
+                  <a:pt x="700408" y="6110298"/>
+                  <a:pt x="732391" y="6124716"/>
+                </a:cubicBezTo>
+                <a:cubicBezTo>
+                  <a:pt x="816707" y="6160761"/>
+                  <a:pt x="901023" y="6200410"/>
+                  <a:pt x="985339" y="6236455"/>
+                </a:cubicBezTo>
+                <a:cubicBezTo>
+                  <a:pt x="1040581" y="6258081"/>
+                  <a:pt x="1095822" y="6290522"/>
+                  <a:pt x="1168509" y="6265291"/>
+                </a:cubicBezTo>
+                <a:cubicBezTo>
+                  <a:pt x="1104545" y="6135530"/>
+                  <a:pt x="996969" y="6110298"/>
+                  <a:pt x="909746" y="6070649"/>
+                </a:cubicBezTo>
+                <a:cubicBezTo>
+                  <a:pt x="802169" y="6020185"/>
+                  <a:pt x="738206" y="5926470"/>
+                  <a:pt x="659704" y="5818335"/>
+                </a:cubicBezTo>
+                <a:cubicBezTo>
+                  <a:pt x="738206" y="5789500"/>
+                  <a:pt x="787632" y="5868798"/>
+                  <a:pt x="851597" y="5865193"/>
+                </a:cubicBezTo>
+                <a:cubicBezTo>
+                  <a:pt x="854504" y="5854380"/>
+                  <a:pt x="860319" y="5832753"/>
+                  <a:pt x="860319" y="5832753"/>
+                </a:cubicBezTo>
+                <a:cubicBezTo>
+                  <a:pt x="755650" y="5775081"/>
+                  <a:pt x="709132" y="5666947"/>
+                  <a:pt x="691686" y="5533581"/>
+                </a:cubicBezTo>
+                <a:cubicBezTo>
+                  <a:pt x="685872" y="5465095"/>
+                  <a:pt x="648075" y="5443468"/>
+                  <a:pt x="610278" y="5411029"/>
+                </a:cubicBezTo>
+                <a:cubicBezTo>
+                  <a:pt x="482350" y="5299289"/>
+                  <a:pt x="345700" y="5198364"/>
+                  <a:pt x="238123" y="5046976"/>
+                </a:cubicBezTo>
+                <a:cubicBezTo>
+                  <a:pt x="363144" y="5064998"/>
+                  <a:pt x="461997" y="5165924"/>
+                  <a:pt x="592833" y="5209177"/>
+                </a:cubicBezTo>
+                <a:cubicBezTo>
+                  <a:pt x="488165" y="5043371"/>
+                  <a:pt x="351514" y="4956864"/>
+                  <a:pt x="226494" y="4855939"/>
+                </a:cubicBezTo>
+                <a:cubicBezTo>
+                  <a:pt x="168344" y="4809081"/>
+                  <a:pt x="116011" y="4751408"/>
+                  <a:pt x="49139" y="4726177"/>
+                </a:cubicBezTo>
+                <a:cubicBezTo>
+                  <a:pt x="25879" y="4718968"/>
+                  <a:pt x="-14825" y="4700947"/>
+                  <a:pt x="5527" y="4650483"/>
+                </a:cubicBezTo>
+                <a:cubicBezTo>
+                  <a:pt x="22972" y="4607230"/>
+                  <a:pt x="54954" y="4621648"/>
+                  <a:pt x="84029" y="4632460"/>
+                </a:cubicBezTo>
+                <a:cubicBezTo>
+                  <a:pt x="153807" y="4661296"/>
+                  <a:pt x="229401" y="4661296"/>
+                  <a:pt x="325347" y="4661296"/>
+                </a:cubicBezTo>
+                <a:cubicBezTo>
+                  <a:pt x="243939" y="4524326"/>
+                  <a:pt x="95658" y="4567580"/>
+                  <a:pt x="25879" y="4423401"/>
+                </a:cubicBezTo>
+                <a:cubicBezTo>
+                  <a:pt x="113103" y="4398170"/>
+                  <a:pt x="179975" y="4448632"/>
+                  <a:pt x="249753" y="4459446"/>
+                </a:cubicBezTo>
+                <a:cubicBezTo>
+                  <a:pt x="313718" y="4470259"/>
+                  <a:pt x="328254" y="4445028"/>
+                  <a:pt x="313718" y="4365729"/>
+                </a:cubicBezTo>
+                <a:cubicBezTo>
+                  <a:pt x="290458" y="4243177"/>
+                  <a:pt x="325347" y="4181900"/>
+                  <a:pt x="418386" y="4214341"/>
+                </a:cubicBezTo>
+                <a:cubicBezTo>
+                  <a:pt x="505609" y="4246781"/>
+                  <a:pt x="514332" y="4199922"/>
+                  <a:pt x="491072" y="4131438"/>
+                </a:cubicBezTo>
+                <a:cubicBezTo>
+                  <a:pt x="456183" y="4030512"/>
+                  <a:pt x="493979" y="3951214"/>
+                  <a:pt x="520147" y="3864706"/>
+                </a:cubicBezTo>
+                <a:cubicBezTo>
+                  <a:pt x="560851" y="3734945"/>
+                  <a:pt x="543407" y="3670064"/>
+                  <a:pt x="459090" y="3572743"/>
+                </a:cubicBezTo>
+                <a:cubicBezTo>
+                  <a:pt x="409664" y="3518676"/>
+                  <a:pt x="360236" y="3471818"/>
+                  <a:pt x="290458" y="3424959"/>
+                </a:cubicBezTo>
+                <a:cubicBezTo>
+                  <a:pt x="450368" y="3399728"/>
+                  <a:pt x="284643" y="3313221"/>
+                  <a:pt x="339884" y="3259153"/>
+                </a:cubicBezTo>
+                <a:cubicBezTo>
+                  <a:pt x="453275" y="3237527"/>
+                  <a:pt x="543407" y="3410542"/>
+                  <a:pt x="697501" y="3360078"/>
+                </a:cubicBezTo>
+                <a:cubicBezTo>
+                  <a:pt x="511425" y="3212294"/>
+                  <a:pt x="302087" y="3165436"/>
+                  <a:pt x="165437" y="2967190"/>
+                </a:cubicBezTo>
+                <a:cubicBezTo>
+                  <a:pt x="197419" y="2923937"/>
+                  <a:pt x="229401" y="2967190"/>
+                  <a:pt x="255568" y="2949167"/>
+                </a:cubicBezTo>
+                <a:cubicBezTo>
+                  <a:pt x="255568" y="2938354"/>
+                  <a:pt x="560851" y="3006840"/>
+                  <a:pt x="578296" y="2725691"/>
+                </a:cubicBezTo>
+                <a:cubicBezTo>
+                  <a:pt x="584111" y="2725691"/>
+                  <a:pt x="589926" y="2725691"/>
+                  <a:pt x="595740" y="2714876"/>
+                </a:cubicBezTo>
+                <a:cubicBezTo>
+                  <a:pt x="627722" y="2675228"/>
+                  <a:pt x="598648" y="2581510"/>
+                  <a:pt x="650982" y="2574301"/>
+                </a:cubicBezTo>
+                <a:cubicBezTo>
+                  <a:pt x="709132" y="2567092"/>
+                  <a:pt x="764373" y="2534653"/>
+                  <a:pt x="825429" y="2552674"/>
+                </a:cubicBezTo>
+                <a:cubicBezTo>
+                  <a:pt x="871949" y="2567092"/>
+                  <a:pt x="921375" y="2585115"/>
+                  <a:pt x="970802" y="2585115"/>
+                </a:cubicBezTo>
+                <a:cubicBezTo>
+                  <a:pt x="1023136" y="2585115"/>
+                  <a:pt x="1095822" y="2707668"/>
+                  <a:pt x="1127805" y="2545465"/>
+                </a:cubicBezTo>
+                <a:cubicBezTo>
+                  <a:pt x="1127805" y="2538257"/>
+                  <a:pt x="1217936" y="2556280"/>
+                  <a:pt x="1267362" y="2563488"/>
+                </a:cubicBezTo>
+                <a:cubicBezTo>
+                  <a:pt x="1308067" y="2570698"/>
+                  <a:pt x="1357494" y="2603137"/>
+                  <a:pt x="1386568" y="2538257"/>
+                </a:cubicBezTo>
+                <a:cubicBezTo>
+                  <a:pt x="1401105" y="2498607"/>
+                  <a:pt x="1331326" y="2426518"/>
+                  <a:pt x="1270270" y="2419309"/>
+                </a:cubicBezTo>
+                <a:cubicBezTo>
+                  <a:pt x="1215029" y="2412101"/>
+                  <a:pt x="1159787" y="2404892"/>
+                  <a:pt x="1107453" y="2419309"/>
+                </a:cubicBezTo>
+                <a:cubicBezTo>
+                  <a:pt x="1043489" y="2437331"/>
+                  <a:pt x="1008599" y="2408495"/>
+                  <a:pt x="991154" y="2343615"/>
+                </a:cubicBezTo>
+                <a:cubicBezTo>
+                  <a:pt x="970802" y="2275131"/>
+                  <a:pt x="933005" y="2239085"/>
+                  <a:pt x="880671" y="2206645"/>
+                </a:cubicBezTo>
+                <a:cubicBezTo>
+                  <a:pt x="752743" y="2127346"/>
+                  <a:pt x="630630" y="2033629"/>
+                  <a:pt x="491072" y="1986771"/>
+                </a:cubicBezTo>
+                <a:cubicBezTo>
+                  <a:pt x="464905" y="1979562"/>
+                  <a:pt x="432923" y="1965145"/>
+                  <a:pt x="421293" y="1903868"/>
+                </a:cubicBezTo>
+                <a:cubicBezTo>
+                  <a:pt x="799262" y="1997584"/>
+                  <a:pt x="1142342" y="2239085"/>
+                  <a:pt x="1531941" y="2224667"/>
+                </a:cubicBezTo>
+                <a:cubicBezTo>
+                  <a:pt x="1427272" y="2148974"/>
+                  <a:pt x="1302252" y="2145369"/>
+                  <a:pt x="1188861" y="2091301"/>
+                </a:cubicBezTo>
+                <a:cubicBezTo>
+                  <a:pt x="1270270" y="2051652"/>
+                  <a:pt x="1345864" y="2094906"/>
+                  <a:pt x="1421458" y="2116532"/>
+                </a:cubicBezTo>
+                <a:cubicBezTo>
+                  <a:pt x="1485422" y="2134554"/>
+                  <a:pt x="1543571" y="2138160"/>
+                  <a:pt x="1549386" y="2026420"/>
+                </a:cubicBezTo>
+                <a:cubicBezTo>
+                  <a:pt x="1549386" y="2015607"/>
+                  <a:pt x="1549386" y="2008398"/>
+                  <a:pt x="1549386" y="1997584"/>
+                </a:cubicBezTo>
+                <a:cubicBezTo>
+                  <a:pt x="1526126" y="1950727"/>
+                  <a:pt x="1494144" y="1929099"/>
+                  <a:pt x="1453440" y="1914682"/>
+                </a:cubicBezTo>
+                <a:cubicBezTo>
+                  <a:pt x="1430180" y="1907473"/>
+                  <a:pt x="1398198" y="1893056"/>
+                  <a:pt x="1398198" y="1860614"/>
+                </a:cubicBezTo>
+                <a:cubicBezTo>
+                  <a:pt x="1401105" y="1738063"/>
+                  <a:pt x="1322604" y="1702018"/>
+                  <a:pt x="1247011" y="1665972"/>
+                </a:cubicBezTo>
+                <a:cubicBezTo>
+                  <a:pt x="1287715" y="1604696"/>
+                  <a:pt x="1322604" y="1647950"/>
+                  <a:pt x="1354586" y="1644345"/>
+                </a:cubicBezTo>
+                <a:cubicBezTo>
+                  <a:pt x="1374939" y="1640741"/>
+                  <a:pt x="1395290" y="1637138"/>
+                  <a:pt x="1395290" y="1604696"/>
+                </a:cubicBezTo>
+                <a:cubicBezTo>
+                  <a:pt x="1395290" y="1579465"/>
+                  <a:pt x="1386568" y="1547025"/>
+                  <a:pt x="1366216" y="1547025"/>
+                </a:cubicBezTo>
+                <a:cubicBezTo>
+                  <a:pt x="1238288" y="1543420"/>
+                  <a:pt x="1165601" y="1370405"/>
+                  <a:pt x="1031858" y="1370405"/>
+                </a:cubicBezTo>
+                <a:cubicBezTo>
+                  <a:pt x="950450" y="1370405"/>
+                  <a:pt x="1072563" y="1273083"/>
+                  <a:pt x="1005692" y="1233435"/>
+                </a:cubicBezTo>
+                <a:cubicBezTo>
+                  <a:pt x="991154" y="1222621"/>
+                  <a:pt x="1046396" y="1208203"/>
+                  <a:pt x="1069655" y="1211808"/>
+                </a:cubicBezTo>
+                <a:cubicBezTo>
+                  <a:pt x="1092915" y="1215412"/>
+                  <a:pt x="1113268" y="1240644"/>
+                  <a:pt x="1142342" y="1222621"/>
+                </a:cubicBezTo>
+                <a:cubicBezTo>
+                  <a:pt x="1156879" y="1157741"/>
+                  <a:pt x="1119082" y="1132510"/>
+                  <a:pt x="1084193" y="1114487"/>
+                </a:cubicBezTo>
+                <a:cubicBezTo>
+                  <a:pt x="1008599" y="1071234"/>
+                  <a:pt x="933005" y="1020771"/>
+                  <a:pt x="848689" y="1006353"/>
+                </a:cubicBezTo>
+                <a:cubicBezTo>
+                  <a:pt x="819615" y="1002748"/>
+                  <a:pt x="802169" y="984726"/>
+                  <a:pt x="805077" y="948681"/>
+                </a:cubicBezTo>
+                <a:cubicBezTo>
+                  <a:pt x="810892" y="901822"/>
+                  <a:pt x="839967" y="916240"/>
+                  <a:pt x="863226" y="919844"/>
+                </a:cubicBezTo>
+                <a:cubicBezTo>
+                  <a:pt x="877764" y="923450"/>
+                  <a:pt x="892301" y="934263"/>
+                  <a:pt x="906838" y="909031"/>
+                </a:cubicBezTo>
+                <a:cubicBezTo>
+                  <a:pt x="566666" y="653113"/>
+                  <a:pt x="386404" y="667532"/>
+                  <a:pt x="5527" y="458471"/>
+                </a:cubicBezTo>
+                <a:cubicBezTo>
+                  <a:pt x="89843" y="418822"/>
+                  <a:pt x="150900" y="447658"/>
+                  <a:pt x="209049" y="454867"/>
+                </a:cubicBezTo>
+                <a:cubicBezTo>
+                  <a:pt x="354422" y="472890"/>
+                  <a:pt x="264290" y="505329"/>
+                  <a:pt x="409664" y="526956"/>
+                </a:cubicBezTo>
+                <a:cubicBezTo>
+                  <a:pt x="479443" y="537770"/>
+                  <a:pt x="543407" y="573815"/>
+                  <a:pt x="621908" y="516143"/>
+                </a:cubicBezTo>
+                <a:cubicBezTo>
+                  <a:pt x="674242" y="476494"/>
+                  <a:pt x="758558" y="519747"/>
+                  <a:pt x="822522" y="552188"/>
+                </a:cubicBezTo>
+                <a:cubicBezTo>
+                  <a:pt x="874856" y="581024"/>
+                  <a:pt x="927190" y="588232"/>
+                  <a:pt x="996969" y="552188"/>
+                </a:cubicBezTo>
+                <a:cubicBezTo>
+                  <a:pt x="933005" y="530562"/>
+                  <a:pt x="883579" y="512539"/>
+                  <a:pt x="834151" y="498120"/>
+                </a:cubicBezTo>
+                <a:cubicBezTo>
+                  <a:pt x="793447" y="487307"/>
+                  <a:pt x="770187" y="462076"/>
+                  <a:pt x="773095" y="408008"/>
+                </a:cubicBezTo>
+                <a:cubicBezTo>
+                  <a:pt x="773095" y="379172"/>
+                  <a:pt x="764373" y="339523"/>
+                  <a:pt x="793447" y="325106"/>
+                </a:cubicBezTo>
+                <a:cubicBezTo>
+                  <a:pt x="816707" y="310688"/>
+                  <a:pt x="848689" y="325106"/>
+                  <a:pt x="860319" y="350336"/>
+                </a:cubicBezTo>
+                <a:cubicBezTo>
+                  <a:pt x="874856" y="397195"/>
+                  <a:pt x="889393" y="440449"/>
+                  <a:pt x="938820" y="444054"/>
+                </a:cubicBezTo>
+                <a:cubicBezTo>
+                  <a:pt x="1005692" y="451262"/>
+                  <a:pt x="967894" y="422426"/>
+                  <a:pt x="956265" y="386381"/>
+                </a:cubicBezTo>
+                <a:cubicBezTo>
+                  <a:pt x="944635" y="346733"/>
+                  <a:pt x="979525" y="335919"/>
+                  <a:pt x="1002784" y="343127"/>
+                </a:cubicBezTo>
+                <a:cubicBezTo>
+                  <a:pt x="1090008" y="375569"/>
+                  <a:pt x="1180139" y="317897"/>
+                  <a:pt x="1270270" y="364755"/>
+                </a:cubicBezTo>
+                <a:cubicBezTo>
+                  <a:pt x="1247011" y="249411"/>
+                  <a:pt x="1197583" y="198949"/>
+                  <a:pt x="1092915" y="180926"/>
+                </a:cubicBezTo>
+                <a:cubicBezTo>
+                  <a:pt x="1055118" y="177322"/>
+                  <a:pt x="1014414" y="184530"/>
+                  <a:pt x="979525" y="152090"/>
+                </a:cubicBezTo>
+                <a:cubicBezTo>
+                  <a:pt x="959172" y="134068"/>
+                  <a:pt x="938820" y="112441"/>
+                  <a:pt x="953358" y="76396"/>
+                </a:cubicBezTo>
+                <a:cubicBezTo>
+                  <a:pt x="962080" y="51165"/>
+                  <a:pt x="985339" y="51165"/>
+                  <a:pt x="1005692" y="58373"/>
+                </a:cubicBezTo>
+                <a:cubicBezTo>
+                  <a:pt x="1090008" y="98023"/>
+                  <a:pt x="1180139" y="108837"/>
+                  <a:pt x="1267362" y="123254"/>
+                </a:cubicBezTo>
+                <a:cubicBezTo>
+                  <a:pt x="1281900" y="126859"/>
+                  <a:pt x="1296437" y="134068"/>
+                  <a:pt x="1310975" y="98023"/>
+                </a:cubicBezTo>
+                <a:cubicBezTo>
+                  <a:pt x="1260095" y="81803"/>
+                  <a:pt x="1209941" y="62879"/>
+                  <a:pt x="1159787" y="43505"/>
+                </a:cubicBezTo>
+                <a:close/>
+              </a:path>
+            </a:pathLst>
+          </a:custGeom>
+        </p:spPr>
+      </p:pic>
+      <p:sp>
+        <p:nvSpPr>
+          <p:cNvPr id="9" name="CuadroTexto 8">
+            <a:extLst>
+              <a:ext uri="{FF2B5EF4-FFF2-40B4-BE49-F238E27FC236}">
+                <a16:creationId xmlns:a16="http://schemas.microsoft.com/office/drawing/2014/main" id="{30A989AB-3FFF-715A-7256-C623258A62EF}"/>
+              </a:ext>
+            </a:extLst>
+          </p:cNvPr>
+          <p:cNvSpPr txBox="1"/>
+          <p:nvPr/>
+        </p:nvSpPr>
+        <p:spPr>
+          <a:xfrm>
+            <a:off x="6229215" y="5472995"/>
+            <a:ext cx="5962785" cy="954107"/>
+          </a:xfrm>
+          <a:prstGeom prst="rect">
+            <a:avLst/>
+          </a:prstGeom>
+          <a:solidFill>
+            <a:schemeClr val="accent1">
+              <a:lumMod val="50000"/>
+            </a:schemeClr>
+          </a:solidFill>
+        </p:spPr>
+        <p:txBody>
+          <a:bodyPr wrap="square">
+            <a:spAutoFit/>
+          </a:bodyPr>
+          <a:lstStyle/>
+          <a:p>
+            <a:pPr lvl="1"/>
+            <a:r>
+              <a:rPr lang="en-US" sz="2800" dirty="0">
+                <a:solidFill>
+                  <a:srgbClr val="00B0F0"/>
+                </a:solidFill>
+              </a:rPr>
+              <a:t>https://www.tiobe.com/tiobe-index/</a:t>
+            </a:r>
+          </a:p>
+          <a:p>
+            <a:pPr lvl="1"/>
+            <a:r>
+              <a:rPr lang="en-US" sz="2800" dirty="0" err="1">
+                <a:solidFill>
+                  <a:srgbClr val="00B0F0"/>
+                </a:solidFill>
+              </a:rPr>
+              <a:t>StackOverflow</a:t>
+            </a:r>
+            <a:endParaRPr lang="es-MX" sz="2800" dirty="0">
+              <a:solidFill>
+                <a:srgbClr val="00B0F0"/>
+              </a:solidFill>
+            </a:endParaRPr>
+          </a:p>
+        </p:txBody>
+      </p:sp>
+    </p:spTree>
+    <p:extLst>
+      <p:ext uri="{BB962C8B-B14F-4D97-AF65-F5344CB8AC3E}">
+        <p14:creationId xmlns:p14="http://schemas.microsoft.com/office/powerpoint/2010/main" val="4272916556"/>
+      </p:ext>
+    </p:extLst>
+  </p:cSld>
+  <p:clrMapOvr>
+    <a:masterClrMapping/>
+  </p:clrMapOvr>
+</p:sld>
+</file>
+
+<file path=ppt/slides/slide5.xml><?xml version="1.0" encoding="utf-8"?>
+<p:sld xmlns:a="http://schemas.openxmlformats.org/drawingml/2006/main" xmlns:r="http://schemas.openxmlformats.org/officeDocument/2006/relationships" xmlns:p="http://schemas.openxmlformats.org/presentationml/2006/main">
+  <p:cSld>
+    <p:spTree>
+      <p:nvGrpSpPr>
+        <p:cNvPr id="1" name=""/>
+        <p:cNvGrpSpPr/>
+        <p:nvPr/>
+      </p:nvGrpSpPr>
+      <p:grpSpPr>
+        <a:xfrm>
+          <a:off x="0" y="0"/>
+          <a:ext cx="0" cy="0"/>
+          <a:chOff x="0" y="0"/>
+          <a:chExt cx="0" cy="0"/>
+        </a:xfrm>
+      </p:grpSpPr>
+      <p:sp>
+        <p:nvSpPr>
+          <p:cNvPr id="2" name="Title 1">
+            <a:extLst>
+              <a:ext uri="{FF2B5EF4-FFF2-40B4-BE49-F238E27FC236}">
+                <a16:creationId xmlns:a16="http://schemas.microsoft.com/office/drawing/2014/main" id="{30FE5441-CA66-91B3-A532-73DE11485AA2}"/>
+              </a:ext>
+            </a:extLst>
+          </p:cNvPr>
+          <p:cNvSpPr>
+            <a:spLocks noGrp="1"/>
+          </p:cNvSpPr>
+          <p:nvPr>
+            <p:ph type="title"/>
+          </p:nvPr>
+        </p:nvSpPr>
+        <p:spPr>
+          <a:xfrm>
+            <a:off x="5450197" y="377289"/>
+            <a:ext cx="5754896" cy="821314"/>
+          </a:xfrm>
+        </p:spPr>
+        <p:txBody>
+          <a:bodyPr anchor="b">
+            <a:normAutofit/>
+          </a:bodyPr>
+          <a:lstStyle/>
+          <a:p>
+            <a:r>
+              <a:rPr lang="es-ES_tradnl" sz="4000" dirty="0"/>
+              <a:t>¿Por qué Django?</a:t>
+            </a:r>
+          </a:p>
+        </p:txBody>
+      </p:sp>
+      <p:pic>
+        <p:nvPicPr>
+          <p:cNvPr id="5" name="Picture 4" descr="A picture containing text&#10;&#10;Description automatically generated">
+            <a:extLst>
+              <a:ext uri="{FF2B5EF4-FFF2-40B4-BE49-F238E27FC236}">
+                <a16:creationId xmlns:a16="http://schemas.microsoft.com/office/drawing/2014/main" id="{ACC7F3D1-44B4-8023-3986-B4D1843934D1}"/>
+              </a:ext>
+            </a:extLst>
+          </p:cNvPr>
+          <p:cNvPicPr>
+            <a:picLocks noChangeAspect="1"/>
+          </p:cNvPicPr>
+          <p:nvPr/>
+        </p:nvPicPr>
+        <p:blipFill rotWithShape="1">
+          <a:blip r:embed="rId3">
+            <a:extLst>
+              <a:ext uri="{837473B0-CC2E-450A-ABE3-18F120FF3D39}">
+                <a1611:picAttrSrcUrl xmlns:a1611="http://schemas.microsoft.com/office/drawing/2016/11/main" r:id="rId4"/>
+              </a:ext>
+            </a:extLst>
+          </a:blip>
+          <a:srcRect t="1513" r="4" b="4"/>
+          <a:stretch/>
+        </p:blipFill>
+        <p:spPr>
+          <a:xfrm>
+            <a:off x="704923" y="1789611"/>
+            <a:ext cx="3307590" cy="3438091"/>
+          </a:xfrm>
+          <a:prstGeom prst="rect">
+            <a:avLst/>
+          </a:prstGeom>
+        </p:spPr>
+      </p:pic>
+      <p:sp>
+        <p:nvSpPr>
+          <p:cNvPr id="3" name="Content Placeholder 2">
+            <a:extLst>
+              <a:ext uri="{FF2B5EF4-FFF2-40B4-BE49-F238E27FC236}">
+                <a16:creationId xmlns:a16="http://schemas.microsoft.com/office/drawing/2014/main" id="{6A8D503B-9145-DC2C-713A-C91FDE47595F}"/>
+              </a:ext>
+            </a:extLst>
+          </p:cNvPr>
+          <p:cNvSpPr>
+            <a:spLocks noGrp="1"/>
+          </p:cNvSpPr>
+          <p:nvPr>
+            <p:ph idx="1"/>
+          </p:nvPr>
+        </p:nvSpPr>
+        <p:spPr>
+          <a:xfrm>
+            <a:off x="3921072" y="1642289"/>
+            <a:ext cx="7566005" cy="4617720"/>
+          </a:xfrm>
+        </p:spPr>
+        <p:txBody>
+          <a:bodyPr anchor="t">
+            <a:normAutofit fontScale="92500" lnSpcReduction="20000"/>
+          </a:bodyPr>
+          <a:lstStyle/>
+          <a:p>
+            <a:r>
+              <a:rPr lang="es-ES_tradnl" b="1" u="sng" dirty="0"/>
+              <a:t>Ahorro de tiempo</a:t>
+            </a:r>
+            <a:endParaRPr lang="es-ES_tradnl" dirty="0">
+              <a:sym typeface="Wingdings" panose="05000000000000000000" pitchFamily="2" charset="2"/>
+            </a:endParaRPr>
+          </a:p>
+          <a:p>
+            <a:pPr lvl="1"/>
+            <a:r>
+              <a:rPr lang="es-MX" b="0" i="0" dirty="0">
+                <a:solidFill>
+                  <a:srgbClr val="374151"/>
+                </a:solidFill>
+                <a:effectLst/>
+                <a:latin typeface="Söhne"/>
+              </a:rPr>
+              <a:t>Desarrollador </a:t>
+            </a:r>
+            <a:r>
+              <a:rPr lang="es-MX" b="0" i="0" dirty="0">
+                <a:solidFill>
+                  <a:srgbClr val="374151"/>
+                </a:solidFill>
+                <a:effectLst/>
+                <a:latin typeface="Söhne"/>
+                <a:sym typeface="Wingdings" panose="05000000000000000000" pitchFamily="2" charset="2"/>
+              </a:rPr>
+              <a:t> </a:t>
+            </a:r>
+            <a:r>
+              <a:rPr lang="es-MX" b="0" i="0" dirty="0">
+                <a:solidFill>
+                  <a:srgbClr val="374151"/>
+                </a:solidFill>
+                <a:effectLst/>
+                <a:latin typeface="Söhne"/>
+              </a:rPr>
+              <a:t>creación de valor</a:t>
+            </a:r>
+            <a:r>
+              <a:rPr lang="es-MX" dirty="0">
+                <a:solidFill>
+                  <a:srgbClr val="374151"/>
+                </a:solidFill>
+                <a:latin typeface="Söhne"/>
+              </a:rPr>
+              <a:t> </a:t>
+            </a:r>
+            <a:r>
+              <a:rPr lang="es-MX" b="0" i="0" dirty="0">
+                <a:solidFill>
+                  <a:srgbClr val="374151"/>
+                </a:solidFill>
+                <a:effectLst/>
+                <a:latin typeface="Söhne"/>
+              </a:rPr>
+              <a:t>"</a:t>
+            </a:r>
+            <a:r>
+              <a:rPr lang="es-MX" b="0" i="0" dirty="0">
+                <a:solidFill>
+                  <a:srgbClr val="FF0000"/>
+                </a:solidFill>
+                <a:effectLst/>
+                <a:latin typeface="Söhne"/>
+              </a:rPr>
+              <a:t>lógica del negocio</a:t>
+            </a:r>
+            <a:r>
+              <a:rPr lang="es-MX" b="0" i="0" dirty="0">
+                <a:solidFill>
+                  <a:srgbClr val="374151"/>
+                </a:solidFill>
+                <a:effectLst/>
+                <a:latin typeface="Söhne"/>
+              </a:rPr>
+              <a:t>“. </a:t>
+            </a:r>
+            <a:r>
+              <a:rPr lang="es-MX" b="0" i="1" dirty="0">
+                <a:solidFill>
+                  <a:srgbClr val="374151"/>
+                </a:solidFill>
+                <a:effectLst/>
+                <a:latin typeface="Söhne"/>
+              </a:rPr>
+              <a:t>¡Hay que dejar de "inventar el hilo negro" y liberar el potencial creativo para construir soluciones innovadoras y significativas!</a:t>
+            </a:r>
+            <a:endParaRPr lang="es-ES_tradnl" b="1" i="1" dirty="0"/>
+          </a:p>
+          <a:p>
+            <a:r>
+              <a:rPr lang="es-ES_tradnl" dirty="0">
+                <a:sym typeface="Wingdings" panose="05000000000000000000" pitchFamily="2" charset="2"/>
+              </a:rPr>
+              <a:t>Framework para el desarrollo </a:t>
+            </a:r>
+            <a:r>
+              <a:rPr lang="es-ES_tradnl" b="1" dirty="0">
+                <a:sym typeface="Wingdings" panose="05000000000000000000" pitchFamily="2" charset="2"/>
+              </a:rPr>
+              <a:t>Web</a:t>
+            </a:r>
+            <a:r>
+              <a:rPr lang="es-ES_tradnl" dirty="0">
+                <a:sym typeface="Wingdings" panose="05000000000000000000" pitchFamily="2" charset="2"/>
+              </a:rPr>
+              <a:t> en Python </a:t>
+            </a:r>
+            <a:endParaRPr lang="es-ES_tradnl" dirty="0"/>
+          </a:p>
+          <a:p>
+            <a:r>
+              <a:rPr lang="es-ES_tradnl" dirty="0"/>
+              <a:t>Versátil / Fácil de usar</a:t>
+            </a:r>
+          </a:p>
+          <a:p>
+            <a:r>
+              <a:rPr lang="es-ES_tradnl" dirty="0"/>
+              <a:t>Aplicaciones Web</a:t>
+            </a:r>
+          </a:p>
+          <a:p>
+            <a:pPr lvl="1"/>
+            <a:r>
+              <a:rPr lang="es-ES_tradnl" dirty="0"/>
+              <a:t>Pequeñas y grandes / simples y complejas. </a:t>
+            </a:r>
+          </a:p>
+          <a:p>
+            <a:pPr lvl="1"/>
+            <a:r>
+              <a:rPr lang="es-ES_tradnl" b="1" dirty="0"/>
+              <a:t>Eficientes</a:t>
+            </a:r>
+            <a:r>
+              <a:rPr lang="es-ES_tradnl" dirty="0"/>
+              <a:t> y </a:t>
+            </a:r>
+            <a:r>
+              <a:rPr lang="es-ES_tradnl" b="1" dirty="0"/>
+              <a:t>seguras</a:t>
+            </a:r>
+            <a:r>
+              <a:rPr lang="es-ES_tradnl" dirty="0"/>
+              <a:t> </a:t>
+            </a:r>
+            <a:endParaRPr lang="es-ES_tradnl" b="1" u="sng" dirty="0"/>
+          </a:p>
+          <a:p>
+            <a:r>
+              <a:rPr lang="es-ES_tradnl" dirty="0"/>
+              <a:t>Django–</a:t>
+            </a:r>
+            <a:r>
+              <a:rPr lang="es-ES_tradnl" dirty="0" err="1"/>
+              <a:t>rest</a:t>
+            </a:r>
+            <a:r>
+              <a:rPr lang="es-ES_tradnl" dirty="0"/>
+              <a:t> Framework</a:t>
+            </a:r>
+          </a:p>
+          <a:p>
+            <a:pPr lvl="1"/>
+            <a:r>
+              <a:rPr lang="es-ES_tradnl" sz="2000" i="1" dirty="0"/>
+              <a:t>Microservicios</a:t>
+            </a:r>
+          </a:p>
+          <a:p>
+            <a:pPr lvl="1"/>
+            <a:r>
+              <a:rPr lang="es-ES_tradnl" sz="2000" i="1" dirty="0"/>
+              <a:t>Cómputo en la nube</a:t>
+            </a:r>
+          </a:p>
+        </p:txBody>
+      </p:sp>
+    </p:spTree>
+    <p:extLst>
+      <p:ext uri="{BB962C8B-B14F-4D97-AF65-F5344CB8AC3E}">
+        <p14:creationId xmlns:p14="http://schemas.microsoft.com/office/powerpoint/2010/main" val="2328532776"/>
+      </p:ext>
+    </p:extLst>
+  </p:cSld>
+  <p:clrMapOvr>
+    <a:masterClrMapping/>
+  </p:clrMapOvr>
+</p:sld>
+</file>
+
+<file path=ppt/slides/slide6.xml><?xml version="1.0" encoding="utf-8"?>
+<p:sld xmlns:a="http://schemas.openxmlformats.org/drawingml/2006/main" xmlns:r="http://schemas.openxmlformats.org/officeDocument/2006/relationships" xmlns:p="http://schemas.openxmlformats.org/presentationml/2006/main">
+  <p:cSld>
+    <p:spTree>
+      <p:nvGrpSpPr>
+        <p:cNvPr id="1" name=""/>
+        <p:cNvGrpSpPr/>
+        <p:nvPr/>
+      </p:nvGrpSpPr>
+      <p:grpSpPr>
+        <a:xfrm>
+          <a:off x="0" y="0"/>
+          <a:ext cx="0" cy="0"/>
+          <a:chOff x="0" y="0"/>
+          <a:chExt cx="0" cy="0"/>
+        </a:xfrm>
+      </p:grpSpPr>
+      <p:sp>
+        <p:nvSpPr>
+          <p:cNvPr id="2" name="Título 1">
+            <a:extLst>
+              <a:ext uri="{FF2B5EF4-FFF2-40B4-BE49-F238E27FC236}">
+                <a16:creationId xmlns:a16="http://schemas.microsoft.com/office/drawing/2014/main" id="{A2AFD3AD-D296-4DCB-96ED-E213B60C202A}"/>
+              </a:ext>
+            </a:extLst>
+          </p:cNvPr>
+          <p:cNvSpPr>
+            <a:spLocks noGrp="1"/>
+          </p:cNvSpPr>
+          <p:nvPr>
+            <p:ph type="title"/>
+          </p:nvPr>
+        </p:nvSpPr>
+        <p:spPr>
+          <a:xfrm>
+            <a:off x="638881" y="417576"/>
+            <a:ext cx="10909640" cy="1249394"/>
+          </a:xfrm>
+        </p:spPr>
+        <p:txBody>
+          <a:bodyPr vert="horz" lIns="91440" tIns="45720" rIns="91440" bIns="45720" rtlCol="0" anchor="ctr">
+            <a:normAutofit/>
+          </a:bodyPr>
+          <a:lstStyle/>
+          <a:p>
+            <a:pPr algn="ctr"/>
+            <a:r>
+              <a:rPr lang="en-US" sz="6600" kern="1200" dirty="0" err="1">
+                <a:solidFill>
+                  <a:schemeClr val="tx1"/>
+                </a:solidFill>
+                <a:latin typeface="+mj-lt"/>
+                <a:ea typeface="+mj-ea"/>
+                <a:cs typeface="+mj-cs"/>
+              </a:rPr>
+              <a:t>Modelo</a:t>
+            </a:r>
+            <a:r>
+              <a:rPr lang="en-US" sz="6600" kern="1200" dirty="0">
+                <a:solidFill>
+                  <a:schemeClr val="tx1"/>
+                </a:solidFill>
+                <a:latin typeface="+mj-lt"/>
+                <a:ea typeface="+mj-ea"/>
+                <a:cs typeface="+mj-cs"/>
+              </a:rPr>
+              <a:t> </a:t>
+            </a:r>
+            <a:r>
+              <a:rPr lang="en-US" sz="6600" dirty="0"/>
+              <a:t>– </a:t>
+            </a:r>
+            <a:r>
+              <a:rPr lang="en-US" sz="6600" kern="1200" dirty="0">
+                <a:solidFill>
+                  <a:schemeClr val="tx1"/>
+                </a:solidFill>
+                <a:latin typeface="+mj-lt"/>
+                <a:ea typeface="+mj-ea"/>
+                <a:cs typeface="+mj-cs"/>
+              </a:rPr>
+              <a:t>Vista - Template</a:t>
+            </a:r>
+          </a:p>
+        </p:txBody>
+      </p:sp>
+      <p:pic>
+        <p:nvPicPr>
+          <p:cNvPr id="5" name="Imagen 4">
+            <a:extLst>
+              <a:ext uri="{FF2B5EF4-FFF2-40B4-BE49-F238E27FC236}">
+                <a16:creationId xmlns:a16="http://schemas.microsoft.com/office/drawing/2014/main" id="{B3D7E5FA-37E2-C58F-7DCF-6553F38E4B61}"/>
+              </a:ext>
+            </a:extLst>
+          </p:cNvPr>
+          <p:cNvPicPr>
+            <a:picLocks noChangeAspect="1"/>
+          </p:cNvPicPr>
+          <p:nvPr/>
+        </p:nvPicPr>
+        <p:blipFill>
+          <a:blip r:embed="rId3"/>
+          <a:stretch>
+            <a:fillRect/>
+          </a:stretch>
+        </p:blipFill>
+        <p:spPr>
+          <a:xfrm>
+            <a:off x="809897" y="2175324"/>
+            <a:ext cx="10523438" cy="2946562"/>
+          </a:xfrm>
+          <a:prstGeom prst="rect">
+            <a:avLst/>
+          </a:prstGeom>
+        </p:spPr>
+      </p:pic>
+      <p:sp>
+        <p:nvSpPr>
+          <p:cNvPr id="4" name="CuadroTexto 3">
+            <a:extLst>
+              <a:ext uri="{FF2B5EF4-FFF2-40B4-BE49-F238E27FC236}">
+                <a16:creationId xmlns:a16="http://schemas.microsoft.com/office/drawing/2014/main" id="{B82D8916-2571-8E95-5B5E-79311A451492}"/>
+              </a:ext>
+            </a:extLst>
+          </p:cNvPr>
+          <p:cNvSpPr txBox="1"/>
+          <p:nvPr/>
+        </p:nvSpPr>
+        <p:spPr>
+          <a:xfrm>
+            <a:off x="809897" y="5168575"/>
+            <a:ext cx="5842497" cy="923330"/>
+          </a:xfrm>
+          <a:prstGeom prst="rect">
+            <a:avLst/>
+          </a:prstGeom>
+          <a:noFill/>
+        </p:spPr>
+        <p:txBody>
+          <a:bodyPr wrap="none" rtlCol="0">
+            <a:spAutoFit/>
+          </a:bodyPr>
+          <a:lstStyle/>
+          <a:p>
+            <a:r>
+              <a:rPr lang="es-MX" dirty="0"/>
+              <a:t>Vistas – Clases o funciones que atienden las peticiones HTTP</a:t>
+            </a:r>
+          </a:p>
+          <a:p>
+            <a:r>
+              <a:rPr lang="es-MX" dirty="0"/>
+              <a:t>Modelos – ORM (</a:t>
+            </a:r>
+            <a:r>
+              <a:rPr lang="es-MX" dirty="0" err="1"/>
+              <a:t>Object</a:t>
+            </a:r>
+            <a:r>
+              <a:rPr lang="es-MX" dirty="0"/>
+              <a:t> </a:t>
+            </a:r>
+            <a:r>
+              <a:rPr lang="es-MX" dirty="0" err="1"/>
+              <a:t>Relational</a:t>
+            </a:r>
+            <a:r>
+              <a:rPr lang="es-MX" dirty="0"/>
+              <a:t> </a:t>
+            </a:r>
+            <a:r>
+              <a:rPr lang="es-MX" dirty="0" err="1"/>
+              <a:t>Maping</a:t>
+            </a:r>
+            <a:r>
+              <a:rPr lang="es-MX" dirty="0"/>
+              <a:t>)</a:t>
+            </a:r>
+          </a:p>
+          <a:p>
+            <a:r>
+              <a:rPr lang="es-MX" dirty="0" err="1"/>
+              <a:t>Templates</a:t>
+            </a:r>
+            <a:r>
+              <a:rPr lang="es-MX" dirty="0"/>
+              <a:t> – HTML (plantillas) -&gt; Herencia -&gt; </a:t>
+            </a:r>
+            <a:r>
+              <a:rPr lang="es-MX" dirty="0" err="1"/>
+              <a:t>Template</a:t>
+            </a:r>
+            <a:r>
+              <a:rPr lang="es-MX" dirty="0"/>
+              <a:t> tags </a:t>
+            </a:r>
+          </a:p>
+        </p:txBody>
+      </p:sp>
+      <p:sp>
+        <p:nvSpPr>
+          <p:cNvPr id="6" name="CuadroTexto 5">
+            <a:extLst>
+              <a:ext uri="{FF2B5EF4-FFF2-40B4-BE49-F238E27FC236}">
+                <a16:creationId xmlns:a16="http://schemas.microsoft.com/office/drawing/2014/main" id="{C5243E78-6519-0EA4-61D1-2F5CEACF62FF}"/>
+              </a:ext>
+            </a:extLst>
+          </p:cNvPr>
+          <p:cNvSpPr txBox="1"/>
+          <p:nvPr/>
+        </p:nvSpPr>
+        <p:spPr>
+          <a:xfrm>
+            <a:off x="7729480" y="5168575"/>
+            <a:ext cx="3508310" cy="923330"/>
+          </a:xfrm>
+          <a:prstGeom prst="rect">
+            <a:avLst/>
+          </a:prstGeom>
+          <a:noFill/>
+        </p:spPr>
+        <p:txBody>
+          <a:bodyPr wrap="square" rtlCol="0">
+            <a:spAutoFit/>
+          </a:bodyPr>
+          <a:lstStyle/>
+          <a:p>
+            <a:r>
+              <a:rPr lang="es-MX" dirty="0"/>
+              <a:t>Python – Django</a:t>
+            </a:r>
+          </a:p>
+          <a:p>
+            <a:r>
+              <a:rPr lang="es-MX" dirty="0"/>
+              <a:t>HTML – CSS – Bootstrap …  </a:t>
+            </a:r>
+          </a:p>
+          <a:p>
+            <a:r>
+              <a:rPr lang="es-MX" dirty="0"/>
+              <a:t>JavaScript (JQuery) … JSON, AJAX …</a:t>
+            </a:r>
+          </a:p>
+        </p:txBody>
+      </p:sp>
+      <p:sp>
+        <p:nvSpPr>
+          <p:cNvPr id="7" name="Flecha: a la derecha 6">
+            <a:extLst>
+              <a:ext uri="{FF2B5EF4-FFF2-40B4-BE49-F238E27FC236}">
+                <a16:creationId xmlns:a16="http://schemas.microsoft.com/office/drawing/2014/main" id="{F6A69430-3E7E-DA0B-5FCD-FD6A60618320}"/>
+              </a:ext>
+            </a:extLst>
+          </p:cNvPr>
+          <p:cNvSpPr/>
+          <p:nvPr/>
+        </p:nvSpPr>
+        <p:spPr>
+          <a:xfrm>
+            <a:off x="6186030" y="5422547"/>
+            <a:ext cx="839755" cy="783772"/>
+          </a:xfrm>
+          <a:prstGeom prst="rightArrow">
+            <a:avLst/>
+          </a:prstGeom>
+        </p:spPr>
+        <p:style>
+          <a:lnRef idx="2">
+            <a:schemeClr val="accent1">
+              <a:shade val="50000"/>
+            </a:schemeClr>
+          </a:lnRef>
+          <a:fillRef idx="1">
+            <a:schemeClr val="accent1"/>
+          </a:fillRef>
+          <a:effectRef idx="0">
+            <a:schemeClr val="accent1"/>
+          </a:effectRef>
+          <a:fontRef idx="minor">
+            <a:schemeClr val="lt1"/>
+          </a:fontRef>
+        </p:style>
+        <p:txBody>
+          <a:bodyPr rtlCol="0" anchor="ctr"/>
+          <a:lstStyle/>
+          <a:p>
+            <a:pPr algn="ctr"/>
+            <a:endParaRPr lang="es-MX"/>
+          </a:p>
+        </p:txBody>
+      </p:sp>
+    </p:spTree>
+    <p:extLst>
+      <p:ext uri="{BB962C8B-B14F-4D97-AF65-F5344CB8AC3E}">
+        <p14:creationId xmlns:p14="http://schemas.microsoft.com/office/powerpoint/2010/main" val="4103413093"/>
+      </p:ext>
+    </p:extLst>
+  </p:cSld>
+  <p:clrMapOvr>
+    <a:masterClrMapping/>
+  </p:clrMapOvr>
+</p:sld>
+</file>
+
+<file path=ppt/slides/slide7.xml><?xml version="1.0" encoding="utf-8"?>
+<p:sld xmlns:a="http://schemas.openxmlformats.org/drawingml/2006/main" xmlns:r="http://schemas.openxmlformats.org/officeDocument/2006/relationships" xmlns:p="http://schemas.openxmlformats.org/presentationml/2006/main">
+  <p:cSld>
+    <p:spTree>
+      <p:nvGrpSpPr>
+        <p:cNvPr id="1" name=""/>
+        <p:cNvGrpSpPr/>
+        <p:nvPr/>
+      </p:nvGrpSpPr>
+      <p:grpSpPr>
+        <a:xfrm>
+          <a:off x="0" y="0"/>
+          <a:ext cx="0" cy="0"/>
+          <a:chOff x="0" y="0"/>
+          <a:chExt cx="0" cy="0"/>
+        </a:xfrm>
+      </p:grpSpPr>
+      <p:sp>
+        <p:nvSpPr>
+          <p:cNvPr id="2" name="Title 1">
+            <a:extLst>
+              <a:ext uri="{FF2B5EF4-FFF2-40B4-BE49-F238E27FC236}">
+                <a16:creationId xmlns:a16="http://schemas.microsoft.com/office/drawing/2014/main" id="{E763E8EF-203B-AE23-CCF7-115CA26B1590}"/>
+              </a:ext>
+            </a:extLst>
+          </p:cNvPr>
+          <p:cNvSpPr>
+            <a:spLocks noGrp="1"/>
+          </p:cNvSpPr>
+          <p:nvPr>
+            <p:ph type="title"/>
+          </p:nvPr>
+        </p:nvSpPr>
+        <p:spPr>
+          <a:xfrm>
+            <a:off x="838201" y="365125"/>
+            <a:ext cx="5251316" cy="1127499"/>
+          </a:xfrm>
+        </p:spPr>
+        <p:txBody>
+          <a:bodyPr>
+            <a:normAutofit fontScale="90000"/>
+          </a:bodyPr>
+          <a:lstStyle/>
+          <a:p>
+            <a:r>
+              <a:rPr lang="es-ES_tradnl" dirty="0"/>
+              <a:t>Historias de usuario</a:t>
+            </a:r>
+          </a:p>
+        </p:txBody>
+      </p:sp>
+      <p:pic>
+        <p:nvPicPr>
+          <p:cNvPr id="11" name="Imagen 10" descr="Dibujo animado de un personaje animado&#10;&#10;Descripción generada automáticamente con confianza baja">
+            <a:extLst>
+              <a:ext uri="{FF2B5EF4-FFF2-40B4-BE49-F238E27FC236}">
+                <a16:creationId xmlns:a16="http://schemas.microsoft.com/office/drawing/2014/main" id="{79CB3F0E-CCCA-349F-C432-59297AB0877D}"/>
+              </a:ext>
+            </a:extLst>
+          </p:cNvPr>
+          <p:cNvPicPr>
+            <a:picLocks noChangeAspect="1"/>
+          </p:cNvPicPr>
+          <p:nvPr/>
+        </p:nvPicPr>
+        <p:blipFill rotWithShape="1">
+          <a:blip r:embed="rId3">
+            <a:extLst>
+              <a:ext uri="{837473B0-CC2E-450A-ABE3-18F120FF3D39}">
+                <a1611:picAttrSrcUrl xmlns:a1611="http://schemas.microsoft.com/office/drawing/2016/11/main" r:id="rId4"/>
+              </a:ext>
+            </a:extLst>
+          </a:blip>
+          <a:srcRect l="28200" r="22893"/>
+          <a:stretch/>
+        </p:blipFill>
+        <p:spPr>
+          <a:xfrm>
+            <a:off x="6229215" y="10"/>
+            <a:ext cx="5962785" cy="6857990"/>
+          </a:xfrm>
+          <a:custGeom>
+            <a:avLst/>
+            <a:gdLst/>
+            <a:ahLst/>
+            <a:cxnLst/>
+            <a:rect l="l" t="t" r="r" b="b"/>
+            <a:pathLst>
+              <a:path w="5962785" h="6858000">
+                <a:moveTo>
+                  <a:pt x="1044839" y="0"/>
+                </a:moveTo>
+                <a:lnTo>
+                  <a:pt x="5962785" y="0"/>
+                </a:lnTo>
+                <a:lnTo>
+                  <a:pt x="5962785" y="6858000"/>
+                </a:lnTo>
+                <a:lnTo>
+                  <a:pt x="1469886" y="6858000"/>
+                </a:lnTo>
+                <a:lnTo>
+                  <a:pt x="1416006" y="6823984"/>
+                </a:lnTo>
+                <a:cubicBezTo>
+                  <a:pt x="1356767" y="6787940"/>
+                  <a:pt x="1296437" y="6755500"/>
+                  <a:pt x="1232473" y="6733873"/>
+                </a:cubicBezTo>
+                <a:cubicBezTo>
+                  <a:pt x="1145250" y="6705037"/>
+                  <a:pt x="1060933" y="6654575"/>
+                  <a:pt x="1075471" y="6503186"/>
+                </a:cubicBezTo>
+                <a:cubicBezTo>
+                  <a:pt x="1078378" y="6459932"/>
+                  <a:pt x="1055118" y="6427493"/>
+                  <a:pt x="1020229" y="6438306"/>
+                </a:cubicBezTo>
+                <a:cubicBezTo>
+                  <a:pt x="953358" y="6459932"/>
+                  <a:pt x="921375" y="6398656"/>
+                  <a:pt x="883579" y="6351798"/>
+                </a:cubicBezTo>
+                <a:cubicBezTo>
+                  <a:pt x="816707" y="6268895"/>
+                  <a:pt x="752743" y="6182387"/>
+                  <a:pt x="645167" y="6167969"/>
+                </a:cubicBezTo>
+                <a:cubicBezTo>
+                  <a:pt x="665519" y="6103088"/>
+                  <a:pt x="700408" y="6110298"/>
+                  <a:pt x="732391" y="6124716"/>
+                </a:cubicBezTo>
+                <a:cubicBezTo>
+                  <a:pt x="816707" y="6160761"/>
+                  <a:pt x="901023" y="6200410"/>
+                  <a:pt x="985339" y="6236455"/>
+                </a:cubicBezTo>
+                <a:cubicBezTo>
+                  <a:pt x="1040581" y="6258081"/>
+                  <a:pt x="1095822" y="6290522"/>
+                  <a:pt x="1168509" y="6265291"/>
+                </a:cubicBezTo>
+                <a:cubicBezTo>
+                  <a:pt x="1104545" y="6135530"/>
+                  <a:pt x="996969" y="6110298"/>
+                  <a:pt x="909746" y="6070649"/>
+                </a:cubicBezTo>
+                <a:cubicBezTo>
+                  <a:pt x="802169" y="6020185"/>
+                  <a:pt x="738206" y="5926470"/>
+                  <a:pt x="659704" y="5818335"/>
+                </a:cubicBezTo>
+                <a:cubicBezTo>
+                  <a:pt x="738206" y="5789500"/>
+                  <a:pt x="787632" y="5868798"/>
+                  <a:pt x="851597" y="5865193"/>
+                </a:cubicBezTo>
+                <a:cubicBezTo>
+                  <a:pt x="854504" y="5854380"/>
+                  <a:pt x="860319" y="5832753"/>
+                  <a:pt x="860319" y="5832753"/>
+                </a:cubicBezTo>
+                <a:cubicBezTo>
+                  <a:pt x="755650" y="5775081"/>
+                  <a:pt x="709132" y="5666947"/>
+                  <a:pt x="691686" y="5533581"/>
+                </a:cubicBezTo>
+                <a:cubicBezTo>
+                  <a:pt x="685872" y="5465095"/>
+                  <a:pt x="648075" y="5443468"/>
+                  <a:pt x="610278" y="5411029"/>
+                </a:cubicBezTo>
+                <a:cubicBezTo>
+                  <a:pt x="482350" y="5299289"/>
+                  <a:pt x="345700" y="5198364"/>
+                  <a:pt x="238123" y="5046976"/>
+                </a:cubicBezTo>
+                <a:cubicBezTo>
+                  <a:pt x="363144" y="5064998"/>
+                  <a:pt x="461997" y="5165924"/>
+                  <a:pt x="592833" y="5209177"/>
+                </a:cubicBezTo>
+                <a:cubicBezTo>
+                  <a:pt x="488165" y="5043371"/>
+                  <a:pt x="351514" y="4956864"/>
+                  <a:pt x="226494" y="4855939"/>
+                </a:cubicBezTo>
+                <a:cubicBezTo>
+                  <a:pt x="168344" y="4809081"/>
+                  <a:pt x="116011" y="4751408"/>
+                  <a:pt x="49139" y="4726177"/>
+                </a:cubicBezTo>
+                <a:cubicBezTo>
+                  <a:pt x="25879" y="4718968"/>
+                  <a:pt x="-14825" y="4700947"/>
+                  <a:pt x="5527" y="4650483"/>
+                </a:cubicBezTo>
+                <a:cubicBezTo>
+                  <a:pt x="22972" y="4607230"/>
+                  <a:pt x="54954" y="4621648"/>
+                  <a:pt x="84029" y="4632460"/>
+                </a:cubicBezTo>
+                <a:cubicBezTo>
+                  <a:pt x="153807" y="4661296"/>
+                  <a:pt x="229401" y="4661296"/>
+                  <a:pt x="325347" y="4661296"/>
+                </a:cubicBezTo>
+                <a:cubicBezTo>
+                  <a:pt x="243939" y="4524326"/>
+                  <a:pt x="95658" y="4567580"/>
+                  <a:pt x="25879" y="4423401"/>
+                </a:cubicBezTo>
+                <a:cubicBezTo>
+                  <a:pt x="113103" y="4398170"/>
+                  <a:pt x="179975" y="4448632"/>
+                  <a:pt x="249753" y="4459446"/>
+                </a:cubicBezTo>
+                <a:cubicBezTo>
+                  <a:pt x="313718" y="4470259"/>
+                  <a:pt x="328254" y="4445028"/>
+                  <a:pt x="313718" y="4365729"/>
+                </a:cubicBezTo>
+                <a:cubicBezTo>
+                  <a:pt x="290458" y="4243177"/>
+                  <a:pt x="325347" y="4181900"/>
+                  <a:pt x="418386" y="4214341"/>
+                </a:cubicBezTo>
+                <a:cubicBezTo>
+                  <a:pt x="505609" y="4246781"/>
+                  <a:pt x="514332" y="4199922"/>
+                  <a:pt x="491072" y="4131438"/>
+                </a:cubicBezTo>
+                <a:cubicBezTo>
+                  <a:pt x="456183" y="4030512"/>
+                  <a:pt x="493979" y="3951214"/>
+                  <a:pt x="520147" y="3864706"/>
+                </a:cubicBezTo>
+                <a:cubicBezTo>
+                  <a:pt x="560851" y="3734945"/>
+                  <a:pt x="543407" y="3670064"/>
+                  <a:pt x="459090" y="3572743"/>
+                </a:cubicBezTo>
+                <a:cubicBezTo>
+                  <a:pt x="409664" y="3518676"/>
+                  <a:pt x="360236" y="3471818"/>
+                  <a:pt x="290458" y="3424959"/>
+                </a:cubicBezTo>
+                <a:cubicBezTo>
+                  <a:pt x="450368" y="3399728"/>
+                  <a:pt x="284643" y="3313221"/>
+                  <a:pt x="339884" y="3259153"/>
+                </a:cubicBezTo>
+                <a:cubicBezTo>
+                  <a:pt x="453275" y="3237527"/>
+                  <a:pt x="543407" y="3410542"/>
+                  <a:pt x="697501" y="3360078"/>
+                </a:cubicBezTo>
+                <a:cubicBezTo>
+                  <a:pt x="511425" y="3212294"/>
+                  <a:pt x="302087" y="3165436"/>
+                  <a:pt x="165437" y="2967190"/>
+                </a:cubicBezTo>
+                <a:cubicBezTo>
+                  <a:pt x="197419" y="2923937"/>
+                  <a:pt x="229401" y="2967190"/>
+                  <a:pt x="255568" y="2949167"/>
+                </a:cubicBezTo>
+                <a:cubicBezTo>
+                  <a:pt x="255568" y="2938354"/>
+                  <a:pt x="560851" y="3006840"/>
+                  <a:pt x="578296" y="2725691"/>
+                </a:cubicBezTo>
+                <a:cubicBezTo>
+                  <a:pt x="584111" y="2725691"/>
+                  <a:pt x="589926" y="2725691"/>
+                  <a:pt x="595740" y="2714876"/>
+                </a:cubicBezTo>
+                <a:cubicBezTo>
+                  <a:pt x="627722" y="2675228"/>
+                  <a:pt x="598648" y="2581510"/>
+                  <a:pt x="650982" y="2574301"/>
+                </a:cubicBezTo>
+                <a:cubicBezTo>
+                  <a:pt x="709132" y="2567092"/>
+                  <a:pt x="764373" y="2534653"/>
+                  <a:pt x="825429" y="2552674"/>
+                </a:cubicBezTo>
+                <a:cubicBezTo>
+                  <a:pt x="871949" y="2567092"/>
+                  <a:pt x="921375" y="2585115"/>
+                  <a:pt x="970802" y="2585115"/>
+                </a:cubicBezTo>
+                <a:cubicBezTo>
+                  <a:pt x="1023136" y="2585115"/>
+                  <a:pt x="1095822" y="2707668"/>
+                  <a:pt x="1127805" y="2545465"/>
+                </a:cubicBezTo>
+                <a:cubicBezTo>
+                  <a:pt x="1127805" y="2538257"/>
+                  <a:pt x="1217936" y="2556280"/>
+                  <a:pt x="1267362" y="2563488"/>
+                </a:cubicBezTo>
+                <a:cubicBezTo>
+                  <a:pt x="1308067" y="2570698"/>
+                  <a:pt x="1357494" y="2603137"/>
+                  <a:pt x="1386568" y="2538257"/>
+                </a:cubicBezTo>
+                <a:cubicBezTo>
+                  <a:pt x="1401105" y="2498607"/>
+                  <a:pt x="1331326" y="2426518"/>
+                  <a:pt x="1270270" y="2419309"/>
+                </a:cubicBezTo>
+                <a:cubicBezTo>
+                  <a:pt x="1215029" y="2412101"/>
+                  <a:pt x="1159787" y="2404892"/>
+                  <a:pt x="1107453" y="2419309"/>
+                </a:cubicBezTo>
+                <a:cubicBezTo>
+                  <a:pt x="1043489" y="2437331"/>
+                  <a:pt x="1008599" y="2408495"/>
+                  <a:pt x="991154" y="2343615"/>
+                </a:cubicBezTo>
+                <a:cubicBezTo>
+                  <a:pt x="970802" y="2275131"/>
+                  <a:pt x="933005" y="2239085"/>
+                  <a:pt x="880671" y="2206645"/>
+                </a:cubicBezTo>
+                <a:cubicBezTo>
+                  <a:pt x="752743" y="2127346"/>
+                  <a:pt x="630630" y="2033629"/>
+                  <a:pt x="491072" y="1986771"/>
+                </a:cubicBezTo>
+                <a:cubicBezTo>
+                  <a:pt x="464905" y="1979562"/>
+                  <a:pt x="432923" y="1965145"/>
+                  <a:pt x="421293" y="1903868"/>
+                </a:cubicBezTo>
+                <a:cubicBezTo>
+                  <a:pt x="799262" y="1997584"/>
+                  <a:pt x="1142342" y="2239085"/>
+                  <a:pt x="1531941" y="2224667"/>
+                </a:cubicBezTo>
+                <a:cubicBezTo>
+                  <a:pt x="1427272" y="2148974"/>
+                  <a:pt x="1302252" y="2145369"/>
+                  <a:pt x="1188861" y="2091301"/>
+                </a:cubicBezTo>
+                <a:cubicBezTo>
+                  <a:pt x="1270270" y="2051652"/>
+                  <a:pt x="1345864" y="2094906"/>
+                  <a:pt x="1421458" y="2116532"/>
+                </a:cubicBezTo>
+                <a:cubicBezTo>
+                  <a:pt x="1485422" y="2134554"/>
+                  <a:pt x="1543571" y="2138160"/>
+                  <a:pt x="1549386" y="2026420"/>
+                </a:cubicBezTo>
+                <a:cubicBezTo>
+                  <a:pt x="1549386" y="2015607"/>
+                  <a:pt x="1549386" y="2008398"/>
+                  <a:pt x="1549386" y="1997584"/>
+                </a:cubicBezTo>
+                <a:cubicBezTo>
+                  <a:pt x="1526126" y="1950727"/>
+                  <a:pt x="1494144" y="1929099"/>
+                  <a:pt x="1453440" y="1914682"/>
+                </a:cubicBezTo>
+                <a:cubicBezTo>
+                  <a:pt x="1430180" y="1907473"/>
+                  <a:pt x="1398198" y="1893056"/>
+                  <a:pt x="1398198" y="1860614"/>
+                </a:cubicBezTo>
+                <a:cubicBezTo>
+                  <a:pt x="1401105" y="1738063"/>
+                  <a:pt x="1322604" y="1702018"/>
+                  <a:pt x="1247011" y="1665972"/>
+                </a:cubicBezTo>
+                <a:cubicBezTo>
+                  <a:pt x="1287715" y="1604696"/>
+                  <a:pt x="1322604" y="1647950"/>
+                  <a:pt x="1354586" y="1644345"/>
+                </a:cubicBezTo>
+                <a:cubicBezTo>
+                  <a:pt x="1374939" y="1640741"/>
+                  <a:pt x="1395290" y="1637138"/>
+                  <a:pt x="1395290" y="1604696"/>
+                </a:cubicBezTo>
+                <a:cubicBezTo>
+                  <a:pt x="1395290" y="1579465"/>
+                  <a:pt x="1386568" y="1547025"/>
+                  <a:pt x="1366216" y="1547025"/>
+                </a:cubicBezTo>
+                <a:cubicBezTo>
+                  <a:pt x="1238288" y="1543420"/>
+                  <a:pt x="1165601" y="1370405"/>
+                  <a:pt x="1031858" y="1370405"/>
+                </a:cubicBezTo>
+                <a:cubicBezTo>
+                  <a:pt x="950450" y="1370405"/>
+                  <a:pt x="1072563" y="1273083"/>
+                  <a:pt x="1005692" y="1233435"/>
+                </a:cubicBezTo>
+                <a:cubicBezTo>
+                  <a:pt x="991154" y="1222621"/>
+                  <a:pt x="1046396" y="1208203"/>
+                  <a:pt x="1069655" y="1211808"/>
+                </a:cubicBezTo>
+                <a:cubicBezTo>
+                  <a:pt x="1092915" y="1215412"/>
+                  <a:pt x="1113268" y="1240644"/>
+                  <a:pt x="1142342" y="1222621"/>
+                </a:cubicBezTo>
+                <a:cubicBezTo>
+                  <a:pt x="1156879" y="1157741"/>
+                  <a:pt x="1119082" y="1132510"/>
+                  <a:pt x="1084193" y="1114487"/>
+                </a:cubicBezTo>
+                <a:cubicBezTo>
+                  <a:pt x="1008599" y="1071234"/>
+                  <a:pt x="933005" y="1020771"/>
+                  <a:pt x="848689" y="1006353"/>
+                </a:cubicBezTo>
+                <a:cubicBezTo>
+                  <a:pt x="819615" y="1002748"/>
+                  <a:pt x="802169" y="984726"/>
+                  <a:pt x="805077" y="948681"/>
+                </a:cubicBezTo>
+                <a:cubicBezTo>
+                  <a:pt x="810892" y="901822"/>
+                  <a:pt x="839967" y="916240"/>
+                  <a:pt x="863226" y="919844"/>
+                </a:cubicBezTo>
+                <a:cubicBezTo>
+                  <a:pt x="877764" y="923450"/>
+                  <a:pt x="892301" y="934263"/>
+                  <a:pt x="906838" y="909031"/>
+                </a:cubicBezTo>
+                <a:cubicBezTo>
+                  <a:pt x="566666" y="653113"/>
+                  <a:pt x="386404" y="667532"/>
+                  <a:pt x="5527" y="458471"/>
+                </a:cubicBezTo>
+                <a:cubicBezTo>
+                  <a:pt x="89843" y="418822"/>
+                  <a:pt x="150900" y="447658"/>
+                  <a:pt x="209049" y="454867"/>
+                </a:cubicBezTo>
+                <a:cubicBezTo>
+                  <a:pt x="354422" y="472890"/>
+                  <a:pt x="264290" y="505329"/>
+                  <a:pt x="409664" y="526956"/>
+                </a:cubicBezTo>
+                <a:cubicBezTo>
+                  <a:pt x="479443" y="537770"/>
+                  <a:pt x="543407" y="573815"/>
+                  <a:pt x="621908" y="516143"/>
+                </a:cubicBezTo>
+                <a:cubicBezTo>
+                  <a:pt x="674242" y="476494"/>
+                  <a:pt x="758558" y="519747"/>
+                  <a:pt x="822522" y="552188"/>
+                </a:cubicBezTo>
+                <a:cubicBezTo>
+                  <a:pt x="874856" y="581024"/>
+                  <a:pt x="927190" y="588232"/>
+                  <a:pt x="996969" y="552188"/>
+                </a:cubicBezTo>
+                <a:cubicBezTo>
+                  <a:pt x="933005" y="530562"/>
+                  <a:pt x="883579" y="512539"/>
+                  <a:pt x="834151" y="498120"/>
+                </a:cubicBezTo>
+                <a:cubicBezTo>
+                  <a:pt x="793447" y="487307"/>
+                  <a:pt x="770187" y="462076"/>
+                  <a:pt x="773095" y="408008"/>
+                </a:cubicBezTo>
+                <a:cubicBezTo>
+                  <a:pt x="773095" y="379172"/>
+                  <a:pt x="764373" y="339523"/>
+                  <a:pt x="793447" y="325106"/>
+                </a:cubicBezTo>
+                <a:cubicBezTo>
+                  <a:pt x="816707" y="310688"/>
+                  <a:pt x="848689" y="325106"/>
+                  <a:pt x="860319" y="350336"/>
+                </a:cubicBezTo>
+                <a:cubicBezTo>
+                  <a:pt x="874856" y="397195"/>
+                  <a:pt x="889393" y="440449"/>
+                  <a:pt x="938820" y="444054"/>
+                </a:cubicBezTo>
+                <a:cubicBezTo>
+                  <a:pt x="1005692" y="451262"/>
+                  <a:pt x="967894" y="422426"/>
+                  <a:pt x="956265" y="386381"/>
+                </a:cubicBezTo>
+                <a:cubicBezTo>
+                  <a:pt x="944635" y="346733"/>
+                  <a:pt x="979525" y="335919"/>
+                  <a:pt x="1002784" y="343127"/>
+                </a:cubicBezTo>
+                <a:cubicBezTo>
+                  <a:pt x="1090008" y="375569"/>
+                  <a:pt x="1180139" y="317897"/>
+                  <a:pt x="1270270" y="364755"/>
+                </a:cubicBezTo>
+                <a:cubicBezTo>
+                  <a:pt x="1247011" y="249411"/>
+                  <a:pt x="1197583" y="198949"/>
+                  <a:pt x="1092915" y="180926"/>
+                </a:cubicBezTo>
+                <a:cubicBezTo>
+                  <a:pt x="1055118" y="177322"/>
+                  <a:pt x="1014414" y="184530"/>
+                  <a:pt x="979525" y="152090"/>
+                </a:cubicBezTo>
+                <a:cubicBezTo>
+                  <a:pt x="959172" y="134068"/>
+                  <a:pt x="938820" y="112441"/>
+                  <a:pt x="953358" y="76396"/>
+                </a:cubicBezTo>
+                <a:cubicBezTo>
+                  <a:pt x="962080" y="51165"/>
+                  <a:pt x="985339" y="51165"/>
+                  <a:pt x="1005692" y="58373"/>
+                </a:cubicBezTo>
+                <a:cubicBezTo>
+                  <a:pt x="1090008" y="98023"/>
+                  <a:pt x="1180139" y="108837"/>
+                  <a:pt x="1267362" y="123254"/>
+                </a:cubicBezTo>
+                <a:cubicBezTo>
+                  <a:pt x="1281900" y="126859"/>
+                  <a:pt x="1296437" y="134068"/>
+                  <a:pt x="1310975" y="98023"/>
+                </a:cubicBezTo>
+                <a:cubicBezTo>
+                  <a:pt x="1260095" y="81803"/>
+                  <a:pt x="1209941" y="62879"/>
+                  <a:pt x="1159787" y="43505"/>
+                </a:cubicBezTo>
+                <a:close/>
+              </a:path>
+            </a:pathLst>
+          </a:custGeom>
+        </p:spPr>
+      </p:pic>
+      <p:sp>
+        <p:nvSpPr>
+          <p:cNvPr id="3" name="Content Placeholder 2">
+            <a:extLst>
+              <a:ext uri="{FF2B5EF4-FFF2-40B4-BE49-F238E27FC236}">
+                <a16:creationId xmlns:a16="http://schemas.microsoft.com/office/drawing/2014/main" id="{DABB32DF-1F8F-A24A-35A1-A928E411AAD6}"/>
+              </a:ext>
+            </a:extLst>
+          </p:cNvPr>
+          <p:cNvSpPr>
+            <a:spLocks noGrp="1"/>
+          </p:cNvSpPr>
+          <p:nvPr>
+            <p:ph idx="1"/>
+          </p:nvPr>
+        </p:nvSpPr>
+        <p:spPr>
+          <a:xfrm>
+            <a:off x="1149531" y="1393795"/>
+            <a:ext cx="5251316" cy="4484492"/>
+          </a:xfrm>
+        </p:spPr>
+        <p:txBody>
+          <a:bodyPr>
+            <a:normAutofit lnSpcReduction="10000"/>
+          </a:bodyPr>
+          <a:lstStyle/>
+          <a:p>
+            <a:pPr marL="0" indent="0">
+              <a:buNone/>
+            </a:pPr>
+            <a:r>
+              <a:rPr lang="es-MX" sz="1600" b="0" i="0" dirty="0">
+                <a:solidFill>
+                  <a:srgbClr val="374151"/>
+                </a:solidFill>
+                <a:effectLst/>
+                <a:latin typeface="Söhne"/>
+              </a:rPr>
+              <a:t>"Estoy en búsqueda de una página web versátil, accesible tanto en computadoras como en dispositivos móviles. El enfoque primordial es impulsar la promoción de mi negocio, destacando una cartera completa de proyectos finalizados y algunos actualmente en desarrollo. Dada la diversidad de mis proyectos, busco un diseño profesional que refleje la visión única de mi negocio y proporcione una experiencia atractiva y coherente, adaptada tanto a la computadora de escritorio como al formato móvil.“</a:t>
+            </a:r>
+          </a:p>
+          <a:p>
+            <a:pPr algn="l">
+              <a:buFont typeface="+mj-lt"/>
+              <a:buAutoNum type="arabicPeriod"/>
+            </a:pPr>
+            <a:r>
+              <a:rPr lang="es-MX" sz="1600" b="0" i="0" dirty="0">
+                <a:solidFill>
+                  <a:srgbClr val="374151"/>
+                </a:solidFill>
+                <a:effectLst/>
+                <a:latin typeface="Söhne"/>
+              </a:rPr>
+              <a:t>Solo yo tengo la capacidad de modificar el contenido de los proyectos</a:t>
+            </a:r>
+            <a:r>
+              <a:rPr lang="es-MX" sz="1600" dirty="0">
+                <a:solidFill>
+                  <a:srgbClr val="374151"/>
+                </a:solidFill>
+                <a:latin typeface="Söhne"/>
+              </a:rPr>
+              <a:t> (</a:t>
+            </a:r>
+            <a:r>
+              <a:rPr lang="es-MX" sz="1600" b="0" i="0" dirty="0">
+                <a:solidFill>
+                  <a:srgbClr val="374151"/>
+                </a:solidFill>
+                <a:effectLst/>
+                <a:latin typeface="Söhne"/>
+              </a:rPr>
+              <a:t>imágenes y textos )</a:t>
+            </a:r>
+          </a:p>
+          <a:p>
+            <a:pPr algn="l">
+              <a:buFont typeface="+mj-lt"/>
+              <a:buAutoNum type="arabicPeriod"/>
+            </a:pPr>
+            <a:r>
+              <a:rPr lang="es-MX" sz="1600" b="0" i="0" dirty="0">
+                <a:solidFill>
+                  <a:srgbClr val="374151"/>
+                </a:solidFill>
+                <a:effectLst/>
+                <a:latin typeface="Söhne"/>
+              </a:rPr>
+              <a:t>Mis proyectos incluyen una imagen representativa, el nombre del proyecto, un breve resumen y la fecha de realización. </a:t>
+            </a:r>
+          </a:p>
+          <a:p>
+            <a:pPr algn="l">
+              <a:buFont typeface="+mj-lt"/>
+              <a:buAutoNum type="arabicPeriod"/>
+            </a:pPr>
+            <a:r>
+              <a:rPr lang="es-MX" sz="1600" b="0" i="0" dirty="0">
+                <a:solidFill>
+                  <a:srgbClr val="374151"/>
+                </a:solidFill>
+                <a:effectLst/>
+                <a:latin typeface="Söhne"/>
+              </a:rPr>
+              <a:t>Me gustaría explorar la posibilidad de realizar transacciones directamente desde el sitio web, brindando a los visitantes la oportunidad de adquirir productos o servicios de manera fácil y segura.</a:t>
+            </a:r>
+          </a:p>
+        </p:txBody>
+      </p:sp>
+    </p:spTree>
+    <p:extLst>
+      <p:ext uri="{BB962C8B-B14F-4D97-AF65-F5344CB8AC3E}">
+        <p14:creationId xmlns:p14="http://schemas.microsoft.com/office/powerpoint/2010/main" val="3379646264"/>
+      </p:ext>
+    </p:extLst>
+  </p:cSld>
+  <p:clrMapOvr>
+    <a:masterClrMapping/>
+  </p:clrMapOvr>
+</p:sld>
+</file>
+
+<file path=ppt/slides/slide8.xml><?xml version="1.0" encoding="utf-8"?>
+<p:sld xmlns:a="http://schemas.openxmlformats.org/drawingml/2006/main" xmlns:r="http://schemas.openxmlformats.org/officeDocument/2006/relationships" xmlns:p="http://schemas.openxmlformats.org/presentationml/2006/main">
+  <p:cSld>
+    <p:spTree>
+      <p:nvGrpSpPr>
+        <p:cNvPr id="1" name=""/>
+        <p:cNvGrpSpPr/>
+        <p:nvPr/>
+      </p:nvGrpSpPr>
+      <p:grpSpPr>
+        <a:xfrm>
+          <a:off x="0" y="0"/>
+          <a:ext cx="0" cy="0"/>
+          <a:chOff x="0" y="0"/>
+          <a:chExt cx="0" cy="0"/>
+        </a:xfrm>
+      </p:grpSpPr>
+      <p:sp>
+        <p:nvSpPr>
+          <p:cNvPr id="2" name="Title 1">
+            <a:extLst>
+              <a:ext uri="{FF2B5EF4-FFF2-40B4-BE49-F238E27FC236}">
+                <a16:creationId xmlns:a16="http://schemas.microsoft.com/office/drawing/2014/main" id="{E763E8EF-203B-AE23-CCF7-115CA26B1590}"/>
+              </a:ext>
+            </a:extLst>
+          </p:cNvPr>
+          <p:cNvSpPr>
+            <a:spLocks noGrp="1"/>
+          </p:cNvSpPr>
+          <p:nvPr>
+            <p:ph type="title"/>
+          </p:nvPr>
+        </p:nvSpPr>
+        <p:spPr>
+          <a:xfrm>
+            <a:off x="640080" y="325369"/>
+            <a:ext cx="4368602" cy="1956841"/>
+          </a:xfrm>
+        </p:spPr>
+        <p:txBody>
+          <a:bodyPr anchor="b">
+            <a:normAutofit/>
+          </a:bodyPr>
+          <a:lstStyle/>
+          <a:p>
+            <a:r>
+              <a:rPr lang="es-ES_tradnl" sz="5400" dirty="0"/>
+              <a:t>Análisis</a:t>
+            </a:r>
+          </a:p>
+        </p:txBody>
+      </p:sp>
+      <p:sp>
+        <p:nvSpPr>
+          <p:cNvPr id="3" name="Content Placeholder 2">
+            <a:extLst>
+              <a:ext uri="{FF2B5EF4-FFF2-40B4-BE49-F238E27FC236}">
+                <a16:creationId xmlns:a16="http://schemas.microsoft.com/office/drawing/2014/main" id="{DABB32DF-1F8F-A24A-35A1-A928E411AAD6}"/>
+              </a:ext>
+            </a:extLst>
+          </p:cNvPr>
+          <p:cNvSpPr>
+            <a:spLocks noGrp="1"/>
+          </p:cNvSpPr>
+          <p:nvPr>
+            <p:ph idx="1"/>
+          </p:nvPr>
+        </p:nvSpPr>
+        <p:spPr>
+          <a:xfrm>
+            <a:off x="940526" y="2282210"/>
+            <a:ext cx="4368602" cy="3648327"/>
+          </a:xfrm>
+        </p:spPr>
+        <p:txBody>
+          <a:bodyPr>
+            <a:normAutofit fontScale="92500" lnSpcReduction="20000"/>
+          </a:bodyPr>
+          <a:lstStyle/>
+          <a:p>
+            <a:pPr marL="0" indent="0">
+              <a:buNone/>
+            </a:pPr>
+            <a:r>
+              <a:rPr lang="es-ES_tradnl" sz="2000" i="1" dirty="0">
+                <a:highlight>
+                  <a:srgbClr val="FFFF00"/>
+                </a:highlight>
+              </a:rPr>
+              <a:t>“… ¿El cliente no sabe lo que quiere? …”</a:t>
+            </a:r>
+          </a:p>
+          <a:p>
+            <a:pPr marL="0" indent="0">
+              <a:buNone/>
+            </a:pPr>
+            <a:r>
+              <a:rPr lang="es-ES_tradnl" sz="2000" dirty="0"/>
+              <a:t>“.. página web … computadora y en el celular … cartera de los proyectos .. tipos de proyectos .. algo profesional… diseño vaya de acuerdo a la visión.... ”</a:t>
+            </a:r>
+          </a:p>
+          <a:p>
+            <a:pPr marL="0" indent="0">
+              <a:buNone/>
+            </a:pPr>
+            <a:r>
+              <a:rPr lang="es-ES_tradnl" sz="2000" dirty="0"/>
+              <a:t>“.. solo yo pueda modificar … sea interactiva.. </a:t>
+            </a:r>
+          </a:p>
+          <a:p>
+            <a:pPr marL="0" indent="0">
+              <a:buNone/>
+            </a:pPr>
+            <a:r>
+              <a:rPr lang="es-ES_tradnl" sz="2000" dirty="0"/>
+              <a:t>“… una imagen, el nombre del proyecto, un resumen y la fecha.. ”</a:t>
+            </a:r>
+          </a:p>
+          <a:p>
+            <a:pPr marL="0" indent="0">
+              <a:buNone/>
+            </a:pPr>
+            <a:r>
+              <a:rPr lang="es-ES_tradnl" sz="2000" dirty="0"/>
+              <a:t>“… vender…  realizar transacciones.. ”</a:t>
+            </a:r>
+          </a:p>
+        </p:txBody>
+      </p:sp>
+      <p:pic>
+        <p:nvPicPr>
+          <p:cNvPr id="5" name="Imagen 4" descr="Interfaz de usuario gráfica&#10;&#10;Descripción generada automáticamente con confianza media">
+            <a:extLst>
+              <a:ext uri="{FF2B5EF4-FFF2-40B4-BE49-F238E27FC236}">
+                <a16:creationId xmlns:a16="http://schemas.microsoft.com/office/drawing/2014/main" id="{1D895565-F7AB-229C-A395-D580BDF12860}"/>
+              </a:ext>
+            </a:extLst>
+          </p:cNvPr>
+          <p:cNvPicPr>
+            <a:picLocks noChangeAspect="1"/>
+          </p:cNvPicPr>
+          <p:nvPr/>
+        </p:nvPicPr>
+        <p:blipFill rotWithShape="1">
+          <a:blip r:embed="rId3">
+            <a:extLst>
+              <a:ext uri="{837473B0-CC2E-450A-ABE3-18F120FF3D39}">
+                <a1611:picAttrSrcUrl xmlns:a1611="http://schemas.microsoft.com/office/drawing/2016/11/main" r:id="rId4"/>
+              </a:ext>
+            </a:extLst>
+          </a:blip>
+          <a:srcRect l="21337" r="16725" b="-1"/>
+          <a:stretch/>
+        </p:blipFill>
+        <p:spPr>
+          <a:xfrm>
+            <a:off x="5311702" y="10"/>
+            <a:ext cx="6878775" cy="6857990"/>
+          </a:xfrm>
+          <a:custGeom>
+            <a:avLst/>
+            <a:gdLst/>
+            <a:ahLst/>
+            <a:cxnLst/>
+            <a:rect l="l" t="t" r="r" b="b"/>
+            <a:pathLst>
+              <a:path w="6878775" h="6858000">
+                <a:moveTo>
+                  <a:pt x="1102973" y="0"/>
+                </a:moveTo>
+                <a:lnTo>
+                  <a:pt x="1160688" y="0"/>
+                </a:lnTo>
+                <a:lnTo>
+                  <a:pt x="983189" y="331786"/>
+                </a:lnTo>
+                <a:cubicBezTo>
+                  <a:pt x="914866" y="469145"/>
+                  <a:pt x="850355" y="608712"/>
+                  <a:pt x="789261" y="750263"/>
+                </a:cubicBezTo>
+                <a:cubicBezTo>
+                  <a:pt x="774307" y="784928"/>
+                  <a:pt x="759992" y="819849"/>
+                  <a:pt x="745295" y="854514"/>
+                </a:cubicBezTo>
+                <a:cubicBezTo>
+                  <a:pt x="756682" y="845393"/>
+                  <a:pt x="765489" y="833492"/>
+                  <a:pt x="770857" y="819975"/>
+                </a:cubicBezTo>
+                <a:cubicBezTo>
+                  <a:pt x="879943" y="589569"/>
+                  <a:pt x="999605" y="365513"/>
+                  <a:pt x="1131329" y="148742"/>
+                </a:cubicBezTo>
+                <a:lnTo>
+                  <a:pt x="1227589" y="0"/>
+                </a:lnTo>
+                <a:lnTo>
+                  <a:pt x="6878775" y="0"/>
+                </a:lnTo>
+                <a:lnTo>
+                  <a:pt x="6878775" y="6858000"/>
+                </a:lnTo>
+                <a:lnTo>
+                  <a:pt x="713521" y="6858000"/>
+                </a:lnTo>
+                <a:lnTo>
+                  <a:pt x="625642" y="6670527"/>
+                </a:lnTo>
+                <a:cubicBezTo>
+                  <a:pt x="507232" y="6398531"/>
+                  <a:pt x="403083" y="6118381"/>
+                  <a:pt x="312785" y="5830359"/>
+                </a:cubicBezTo>
+                <a:cubicBezTo>
+                  <a:pt x="278149" y="5719759"/>
+                  <a:pt x="248879" y="5607635"/>
+                  <a:pt x="212198" y="5480401"/>
+                </a:cubicBezTo>
+                <a:cubicBezTo>
+                  <a:pt x="212208" y="5491601"/>
+                  <a:pt x="212803" y="5502788"/>
+                  <a:pt x="213988" y="5513923"/>
+                </a:cubicBezTo>
+                <a:cubicBezTo>
+                  <a:pt x="264089" y="5723695"/>
+                  <a:pt x="307290" y="5935370"/>
+                  <a:pt x="365826" y="6142729"/>
+                </a:cubicBezTo>
+                <a:cubicBezTo>
+                  <a:pt x="433152" y="6380817"/>
+                  <a:pt x="510068" y="6614016"/>
+                  <a:pt x="597975" y="6841549"/>
+                </a:cubicBezTo>
+                <a:lnTo>
+                  <a:pt x="604824" y="6858000"/>
+                </a:lnTo>
+                <a:lnTo>
+                  <a:pt x="552056" y="6858000"/>
+                </a:lnTo>
+                <a:lnTo>
+                  <a:pt x="539576" y="6828295"/>
+                </a:lnTo>
+                <a:cubicBezTo>
+                  <a:pt x="380597" y="6414594"/>
+                  <a:pt x="260223" y="5988893"/>
+                  <a:pt x="171555" y="5552906"/>
+                </a:cubicBezTo>
+                <a:cubicBezTo>
+                  <a:pt x="91163" y="5157998"/>
+                  <a:pt x="43746" y="4758899"/>
+                  <a:pt x="12305" y="4357388"/>
+                </a:cubicBezTo>
+                <a:cubicBezTo>
+                  <a:pt x="-14281" y="4013908"/>
+                  <a:pt x="4507" y="3672965"/>
+                  <a:pt x="46684" y="3331516"/>
+                </a:cubicBezTo>
+                <a:cubicBezTo>
+                  <a:pt x="127203" y="2664286"/>
+                  <a:pt x="277819" y="2007265"/>
+                  <a:pt x="496065" y="1371196"/>
+                </a:cubicBezTo>
+                <a:cubicBezTo>
+                  <a:pt x="636273" y="966066"/>
+                  <a:pt x="800445" y="573253"/>
+                  <a:pt x="995723" y="196614"/>
+                </a:cubicBezTo>
+                <a:close/>
+              </a:path>
+            </a:pathLst>
+          </a:custGeom>
+        </p:spPr>
+      </p:pic>
+    </p:spTree>
+    <p:extLst>
+      <p:ext uri="{BB962C8B-B14F-4D97-AF65-F5344CB8AC3E}">
+        <p14:creationId xmlns:p14="http://schemas.microsoft.com/office/powerpoint/2010/main" val="3213149920"/>
+      </p:ext>
+    </p:extLst>
+  </p:cSld>
+  <p:clrMapOvr>
+    <a:masterClrMapping/>
+  </p:clrMapOvr>
+</p:sld>
+</file>
+
+<file path=ppt/slides/slide9.xml><?xml version="1.0" encoding="utf-8"?>
+<p:sld xmlns:a="http://schemas.openxmlformats.org/drawingml/2006/main" xmlns:r="http://schemas.openxmlformats.org/officeDocument/2006/relationships" xmlns:p="http://schemas.openxmlformats.org/presentationml/2006/main">
+  <p:cSld>
+    <p:spTree>
+      <p:nvGrpSpPr>
+        <p:cNvPr id="1" name=""/>
+        <p:cNvGrpSpPr/>
+        <p:nvPr/>
+      </p:nvGrpSpPr>
+      <p:grpSpPr>
+        <a:xfrm>
+          <a:off x="0" y="0"/>
+          <a:ext cx="0" cy="0"/>
+          <a:chOff x="0" y="0"/>
+          <a:chExt cx="0" cy="0"/>
+        </a:xfrm>
+      </p:grpSpPr>
+      <p:sp>
+        <p:nvSpPr>
+          <p:cNvPr id="2" name="Título 1">
+            <a:extLst>
+              <a:ext uri="{FF2B5EF4-FFF2-40B4-BE49-F238E27FC236}">
+                <a16:creationId xmlns:a16="http://schemas.microsoft.com/office/drawing/2014/main" id="{9034B9B3-82F6-CEA2-003D-6BA59C1C528E}"/>
+              </a:ext>
+            </a:extLst>
+          </p:cNvPr>
+          <p:cNvSpPr>
+            <a:spLocks noGrp="1"/>
+          </p:cNvSpPr>
+          <p:nvPr>
+            <p:ph type="title"/>
+          </p:nvPr>
+        </p:nvSpPr>
+        <p:spPr>
+          <a:xfrm>
+            <a:off x="7129133" y="802955"/>
+            <a:ext cx="4266942" cy="1498456"/>
+          </a:xfrm>
+        </p:spPr>
+        <p:txBody>
+          <a:bodyPr anchor="b">
+            <a:normAutofit/>
+          </a:bodyPr>
+          <a:lstStyle/>
+          <a:p>
+            <a:r>
+              <a:rPr lang="es-MX" sz="3600" dirty="0">
+                <a:solidFill>
+                  <a:schemeClr val="tx1"/>
+                </a:solidFill>
+              </a:rPr>
+              <a:t>Análisis</a:t>
+            </a:r>
+          </a:p>
+        </p:txBody>
+      </p:sp>
+      <p:pic>
+        <p:nvPicPr>
+          <p:cNvPr id="9" name="Imagen 8" descr="Imagen que contiene colorido, cuarto&#10;&#10;Descripción generada automáticamente">
+            <a:extLst>
+              <a:ext uri="{FF2B5EF4-FFF2-40B4-BE49-F238E27FC236}">
+                <a16:creationId xmlns:a16="http://schemas.microsoft.com/office/drawing/2014/main" id="{D46635B6-B8A1-CBB5-ADE3-5A062D14F9A7}"/>
+              </a:ext>
+            </a:extLst>
+          </p:cNvPr>
+          <p:cNvPicPr>
+            <a:picLocks noChangeAspect="1"/>
+          </p:cNvPicPr>
+          <p:nvPr/>
+        </p:nvPicPr>
+        <p:blipFill rotWithShape="1">
+          <a:blip r:embed="rId3">
+            <a:alphaModFix/>
+            <a:extLst>
+              <a:ext uri="{837473B0-CC2E-450A-ABE3-18F120FF3D39}">
+                <a1611:picAttrSrcUrl xmlns:a1611="http://schemas.microsoft.com/office/drawing/2016/11/main" r:id="rId4"/>
+              </a:ext>
+            </a:extLst>
+          </a:blip>
+          <a:srcRect r="6747" b="-3"/>
+          <a:stretch/>
+        </p:blipFill>
+        <p:spPr>
+          <a:xfrm>
+            <a:off x="4377345" y="665352"/>
+            <a:ext cx="2069967" cy="2069967"/>
+          </a:xfrm>
+          <a:custGeom>
+            <a:avLst/>
+            <a:gdLst/>
+            <a:ahLst/>
+            <a:cxnLst/>
+            <a:rect l="l" t="t" r="r" b="b"/>
+            <a:pathLst>
+              <a:path w="6057610" h="6057610">
+                <a:moveTo>
+                  <a:pt x="3028805" y="0"/>
+                </a:moveTo>
+                <a:cubicBezTo>
+                  <a:pt x="4701568" y="0"/>
+                  <a:pt x="6057610" y="1356042"/>
+                  <a:pt x="6057610" y="3028805"/>
+                </a:cubicBezTo>
+                <a:cubicBezTo>
+                  <a:pt x="6057610" y="4701568"/>
+                  <a:pt x="4701568" y="6057610"/>
+                  <a:pt x="3028805" y="6057610"/>
+                </a:cubicBezTo>
+                <a:cubicBezTo>
+                  <a:pt x="1356042" y="6057610"/>
+                  <a:pt x="0" y="4701568"/>
+                  <a:pt x="0" y="3028805"/>
+                </a:cubicBezTo>
+                <a:cubicBezTo>
+                  <a:pt x="0" y="1356042"/>
+                  <a:pt x="1356042" y="0"/>
+                  <a:pt x="3028805" y="0"/>
+                </a:cubicBezTo>
+                <a:close/>
+              </a:path>
+            </a:pathLst>
+          </a:custGeom>
+          <a:effectLst>
+            <a:softEdge rad="0"/>
+          </a:effectLst>
+        </p:spPr>
+      </p:pic>
+      <p:pic>
+        <p:nvPicPr>
+          <p:cNvPr id="1026" name="Picture 2">
+            <a:extLst>
+              <a:ext uri="{FF2B5EF4-FFF2-40B4-BE49-F238E27FC236}">
+                <a16:creationId xmlns:a16="http://schemas.microsoft.com/office/drawing/2014/main" id="{4A587BD7-0CB0-DE14-9C52-42071F1D93BC}"/>
+              </a:ext>
+            </a:extLst>
+          </p:cNvPr>
+          <p:cNvPicPr>
+            <a:picLocks noChangeAspect="1" noChangeArrowheads="1"/>
+          </p:cNvPicPr>
+          <p:nvPr/>
+        </p:nvPicPr>
+        <p:blipFill rotWithShape="1">
+          <a:blip r:embed="rId5">
+            <a:alphaModFix/>
+            <a:extLst>
+              <a:ext uri="{28A0092B-C50C-407E-A947-70E740481C1C}">
+                <a14:useLocalDpi xmlns:a14="http://schemas.microsoft.com/office/drawing/2010/main" val="0"/>
+              </a:ext>
+            </a:extLst>
+          </a:blip>
+          <a:srcRect l="15565" r="14184" b="-1"/>
+          <a:stretch/>
+        </p:blipFill>
+        <p:spPr bwMode="auto">
+          <a:xfrm>
+            <a:off x="3833078" y="3162261"/>
+            <a:ext cx="2588751" cy="2588749"/>
+          </a:xfrm>
+          <a:custGeom>
+            <a:avLst/>
+            <a:gdLst/>
+            <a:ahLst/>
+            <a:cxnLst/>
+            <a:rect l="l" t="t" r="r" b="b"/>
+            <a:pathLst>
+              <a:path w="6057610" h="6057610">
+                <a:moveTo>
+                  <a:pt x="3028805" y="0"/>
+                </a:moveTo>
+                <a:cubicBezTo>
+                  <a:pt x="4701568" y="0"/>
+                  <a:pt x="6057610" y="1356042"/>
+                  <a:pt x="6057610" y="3028805"/>
+                </a:cubicBezTo>
+                <a:cubicBezTo>
+                  <a:pt x="6057610" y="4701568"/>
+                  <a:pt x="4701568" y="6057610"/>
+                  <a:pt x="3028805" y="6057610"/>
+                </a:cubicBezTo>
+                <a:cubicBezTo>
+                  <a:pt x="1356042" y="6057610"/>
+                  <a:pt x="0" y="4701568"/>
+                  <a:pt x="0" y="3028805"/>
+                </a:cubicBezTo>
+                <a:cubicBezTo>
+                  <a:pt x="0" y="1356042"/>
+                  <a:pt x="1356042" y="0"/>
+                  <a:pt x="3028805" y="0"/>
+                </a:cubicBezTo>
+                <a:close/>
+              </a:path>
+            </a:pathLst>
+          </a:custGeom>
+          <a:noFill/>
+          <a:effectLst>
+            <a:softEdge rad="0"/>
+          </a:effectLst>
+          <a:extLst>
+            <a:ext uri="{909E8E84-426E-40DD-AFC4-6F175D3DCCD1}">
+              <a14:hiddenFill xmlns:a14="http://schemas.microsoft.com/office/drawing/2010/main">
+                <a:solidFill>
+                  <a:srgbClr val="FFFFFF"/>
+                </a:solidFill>
+              </a14:hiddenFill>
+            </a:ext>
+          </a:extLst>
+        </p:spPr>
+      </p:pic>
+      <p:pic>
+        <p:nvPicPr>
+          <p:cNvPr id="4" name="Imagen 3" descr="Interfaz de usuario gráfica, Sitio web&#10;&#10;Descripción generada automáticamente">
+            <a:extLst>
+              <a:ext uri="{FF2B5EF4-FFF2-40B4-BE49-F238E27FC236}">
+                <a16:creationId xmlns:a16="http://schemas.microsoft.com/office/drawing/2014/main" id="{510CFC6C-D055-38FC-5A75-58EA35531BFC}"/>
+              </a:ext>
+            </a:extLst>
+          </p:cNvPr>
+          <p:cNvPicPr>
+            <a:picLocks noChangeAspect="1"/>
+          </p:cNvPicPr>
+          <p:nvPr/>
+        </p:nvPicPr>
+        <p:blipFill rotWithShape="1">
+          <a:blip r:embed="rId6">
+            <a:alphaModFix/>
+            <a:extLst>
+              <a:ext uri="{837473B0-CC2E-450A-ABE3-18F120FF3D39}">
+                <a1611:picAttrSrcUrl xmlns:a1611="http://schemas.microsoft.com/office/drawing/2016/11/main" r:id="rId7"/>
+              </a:ext>
+            </a:extLst>
+          </a:blip>
+          <a:srcRect l="19644" r="14870" b="-3"/>
+          <a:stretch/>
+        </p:blipFill>
+        <p:spPr>
+          <a:xfrm>
+            <a:off x="922643" y="802954"/>
+            <a:ext cx="3454702" cy="2980737"/>
+          </a:xfrm>
+          <a:custGeom>
+            <a:avLst/>
+            <a:gdLst/>
+            <a:ahLst/>
+            <a:cxnLst/>
+            <a:rect l="l" t="t" r="r" b="b"/>
+            <a:pathLst>
+              <a:path w="4443799" h="3776782">
+                <a:moveTo>
+                  <a:pt x="0" y="0"/>
+                </a:moveTo>
+                <a:lnTo>
+                  <a:pt x="4164578" y="0"/>
+                </a:lnTo>
+                <a:lnTo>
+                  <a:pt x="4238884" y="154250"/>
+                </a:lnTo>
+                <a:cubicBezTo>
+                  <a:pt x="4370833" y="466214"/>
+                  <a:pt x="4443799" y="809200"/>
+                  <a:pt x="4443799" y="1169228"/>
+                </a:cubicBezTo>
+                <a:cubicBezTo>
+                  <a:pt x="4443799" y="2609341"/>
+                  <a:pt x="3276357" y="3776782"/>
+                  <a:pt x="1836244" y="3776782"/>
+                </a:cubicBezTo>
+                <a:cubicBezTo>
+                  <a:pt x="1206195" y="3776782"/>
+                  <a:pt x="628337" y="3553326"/>
+                  <a:pt x="177598" y="3181344"/>
+                </a:cubicBezTo>
+                <a:lnTo>
+                  <a:pt x="0" y="3019932"/>
+                </a:lnTo>
+                <a:close/>
+              </a:path>
+            </a:pathLst>
+          </a:custGeom>
+          <a:effectLst>
+            <a:softEdge rad="0"/>
+          </a:effectLst>
+        </p:spPr>
+      </p:pic>
+      <p:pic>
+        <p:nvPicPr>
+          <p:cNvPr id="6" name="Imagen 5" descr="Imagen que contiene Texto&#10;&#10;Descripción generada automáticamente">
+            <a:extLst>
+              <a:ext uri="{FF2B5EF4-FFF2-40B4-BE49-F238E27FC236}">
+                <a16:creationId xmlns:a16="http://schemas.microsoft.com/office/drawing/2014/main" id="{F6377E91-CA4B-04A9-93D3-1BD84BAA61A6}"/>
+              </a:ext>
+            </a:extLst>
+          </p:cNvPr>
+          <p:cNvPicPr>
+            <a:picLocks noChangeAspect="1"/>
+          </p:cNvPicPr>
+          <p:nvPr/>
+        </p:nvPicPr>
+        <p:blipFill rotWithShape="1">
+          <a:blip r:embed="rId8">
+            <a:alphaModFix/>
+            <a:extLst>
+              <a:ext uri="{837473B0-CC2E-450A-ABE3-18F120FF3D39}">
+                <a1611:picAttrSrcUrl xmlns:a1611="http://schemas.microsoft.com/office/drawing/2016/11/main" r:id="rId9"/>
+              </a:ext>
+            </a:extLst>
+          </a:blip>
+          <a:srcRect l="10141" r="13183" b="4"/>
+          <a:stretch/>
+        </p:blipFill>
+        <p:spPr>
+          <a:xfrm>
+            <a:off x="1134098" y="3783691"/>
+            <a:ext cx="2347135" cy="2012602"/>
+          </a:xfrm>
+          <a:custGeom>
+            <a:avLst/>
+            <a:gdLst/>
+            <a:ahLst/>
+            <a:cxnLst/>
+            <a:rect l="l" t="t" r="r" b="b"/>
+            <a:pathLst>
+              <a:path w="3440586" h="2950205">
+                <a:moveTo>
+                  <a:pt x="1539166" y="0"/>
+                </a:moveTo>
+                <a:cubicBezTo>
+                  <a:pt x="2589292" y="0"/>
+                  <a:pt x="3440586" y="851294"/>
+                  <a:pt x="3440586" y="1901419"/>
+                </a:cubicBezTo>
+                <a:cubicBezTo>
+                  <a:pt x="3440586" y="2229583"/>
+                  <a:pt x="3357452" y="2538330"/>
+                  <a:pt x="3211095" y="2807749"/>
+                </a:cubicBezTo>
+                <a:lnTo>
+                  <a:pt x="3124550" y="2950205"/>
+                </a:lnTo>
+                <a:lnTo>
+                  <a:pt x="0" y="2950205"/>
+                </a:lnTo>
+                <a:lnTo>
+                  <a:pt x="0" y="788141"/>
+                </a:lnTo>
+                <a:lnTo>
+                  <a:pt x="71938" y="691940"/>
+                </a:lnTo>
+                <a:cubicBezTo>
+                  <a:pt x="420687" y="269355"/>
+                  <a:pt x="948471" y="0"/>
+                  <a:pt x="1539166" y="0"/>
+                </a:cubicBezTo>
+                <a:close/>
+              </a:path>
+            </a:pathLst>
+          </a:custGeom>
+          <a:effectLst>
+            <a:softEdge rad="0"/>
+          </a:effectLst>
+        </p:spPr>
+      </p:pic>
+      <p:sp>
+        <p:nvSpPr>
+          <p:cNvPr id="3" name="Marcador de contenido 2">
+            <a:extLst>
+              <a:ext uri="{FF2B5EF4-FFF2-40B4-BE49-F238E27FC236}">
+                <a16:creationId xmlns:a16="http://schemas.microsoft.com/office/drawing/2014/main" id="{BA85FF21-7E7C-233E-8E11-BFD989DCE6F1}"/>
+              </a:ext>
+            </a:extLst>
+          </p:cNvPr>
+          <p:cNvSpPr>
+            <a:spLocks noGrp="1"/>
+          </p:cNvSpPr>
+          <p:nvPr>
+            <p:ph idx="1"/>
+          </p:nvPr>
+        </p:nvSpPr>
+        <p:spPr>
+          <a:xfrm>
+            <a:off x="6648995" y="2421682"/>
+            <a:ext cx="4747080" cy="4069909"/>
+          </a:xfrm>
+        </p:spPr>
+        <p:txBody>
+          <a:bodyPr anchor="ctr">
+            <a:normAutofit lnSpcReduction="10000"/>
+          </a:bodyPr>
+          <a:lstStyle/>
+          <a:p>
+            <a:r>
+              <a:rPr lang="es-MX" sz="2000" i="1" dirty="0">
+                <a:solidFill>
+                  <a:schemeClr val="tx1"/>
+                </a:solidFill>
+              </a:rPr>
+              <a:t>“Los </a:t>
+            </a:r>
+            <a:r>
+              <a:rPr lang="es-MX" sz="2000" b="1" i="1" dirty="0">
+                <a:solidFill>
+                  <a:schemeClr val="tx1"/>
+                </a:solidFill>
+              </a:rPr>
+              <a:t>requerimientos</a:t>
+            </a:r>
+            <a:r>
+              <a:rPr lang="es-MX" sz="2000" i="1" dirty="0">
+                <a:solidFill>
+                  <a:schemeClr val="tx1"/>
+                </a:solidFill>
+              </a:rPr>
+              <a:t> los dice el cliente, las </a:t>
+            </a:r>
+            <a:r>
+              <a:rPr lang="es-MX" sz="2000" b="1" i="1" dirty="0">
+                <a:solidFill>
+                  <a:schemeClr val="tx1"/>
+                </a:solidFill>
+              </a:rPr>
+              <a:t>expectativas</a:t>
+            </a:r>
+            <a:r>
+              <a:rPr lang="es-MX" sz="2000" i="1" dirty="0">
+                <a:solidFill>
+                  <a:schemeClr val="tx1"/>
+                </a:solidFill>
+              </a:rPr>
+              <a:t> las pregunta el desarrollador..”</a:t>
+            </a:r>
+          </a:p>
+          <a:p>
+            <a:r>
+              <a:rPr lang="es-MX" sz="2000" dirty="0">
+                <a:solidFill>
+                  <a:schemeClr val="tx1"/>
+                </a:solidFill>
+              </a:rPr>
+              <a:t> Entendimiento</a:t>
+            </a:r>
+          </a:p>
+          <a:p>
+            <a:pPr lvl="1">
+              <a:buFont typeface="Wingdings" panose="05000000000000000000" pitchFamily="2" charset="2"/>
+              <a:buChar char="ü"/>
+            </a:pPr>
+            <a:r>
+              <a:rPr lang="es-MX" sz="2000" dirty="0">
+                <a:solidFill>
+                  <a:schemeClr val="tx1"/>
+                </a:solidFill>
+              </a:rPr>
+              <a:t>Aplicación web</a:t>
+            </a:r>
+          </a:p>
+          <a:p>
+            <a:pPr lvl="1">
+              <a:buFont typeface="Wingdings" panose="05000000000000000000" pitchFamily="2" charset="2"/>
+              <a:buChar char="ü"/>
+            </a:pPr>
+            <a:r>
+              <a:rPr lang="es-MX" sz="2000" dirty="0">
+                <a:solidFill>
+                  <a:schemeClr val="tx1"/>
+                </a:solidFill>
+              </a:rPr>
+              <a:t>Sitio responsivo</a:t>
+            </a:r>
+          </a:p>
+          <a:p>
+            <a:pPr lvl="1">
+              <a:buFont typeface="Wingdings" panose="05000000000000000000" pitchFamily="2" charset="2"/>
+              <a:buChar char="ü"/>
+            </a:pPr>
+            <a:r>
+              <a:rPr lang="es-MX" sz="2000" i="1" dirty="0">
+                <a:solidFill>
+                  <a:schemeClr val="tx1"/>
+                </a:solidFill>
+              </a:rPr>
+              <a:t>El diseño </a:t>
+            </a:r>
+            <a:r>
+              <a:rPr lang="es-MX" sz="2000" i="1" dirty="0">
+                <a:solidFill>
+                  <a:schemeClr val="tx1"/>
+                </a:solidFill>
+                <a:sym typeface="Wingdings" panose="05000000000000000000" pitchFamily="2" charset="2"/>
+              </a:rPr>
+              <a:t> Diseñador</a:t>
+            </a:r>
+          </a:p>
+          <a:p>
+            <a:pPr lvl="1">
+              <a:buFont typeface="Wingdings" panose="05000000000000000000" pitchFamily="2" charset="2"/>
+              <a:buChar char="ü"/>
+            </a:pPr>
+            <a:r>
+              <a:rPr lang="es-MX" sz="2000" dirty="0">
+                <a:solidFill>
+                  <a:schemeClr val="tx1"/>
+                </a:solidFill>
+                <a:sym typeface="Wingdings" panose="05000000000000000000" pitchFamily="2" charset="2"/>
+              </a:rPr>
+              <a:t>Esquema de privilegios</a:t>
+            </a:r>
+            <a:r>
+              <a:rPr lang="es-MX" sz="2000" dirty="0">
+                <a:solidFill>
+                  <a:schemeClr val="tx1"/>
+                </a:solidFill>
+              </a:rPr>
+              <a:t> </a:t>
+            </a:r>
+          </a:p>
+          <a:p>
+            <a:pPr lvl="1">
+              <a:buFont typeface="Wingdings" panose="05000000000000000000" pitchFamily="2" charset="2"/>
+              <a:buChar char="ü"/>
+            </a:pPr>
+            <a:r>
+              <a:rPr lang="es-MX" sz="2000" dirty="0">
+                <a:solidFill>
+                  <a:schemeClr val="tx1"/>
+                </a:solidFill>
+              </a:rPr>
+              <a:t>Seguridad</a:t>
+            </a:r>
+          </a:p>
+          <a:p>
+            <a:pPr lvl="1">
+              <a:buFont typeface="Wingdings" panose="05000000000000000000" pitchFamily="2" charset="2"/>
+              <a:buChar char="ü"/>
+            </a:pPr>
+            <a:r>
+              <a:rPr lang="es-MX" sz="2000" dirty="0">
+                <a:solidFill>
+                  <a:schemeClr val="tx1"/>
+                </a:solidFill>
+              </a:rPr>
+              <a:t>Hosting</a:t>
+            </a:r>
+          </a:p>
+          <a:p>
+            <a:pPr lvl="1">
+              <a:buFont typeface="Wingdings" panose="05000000000000000000" pitchFamily="2" charset="2"/>
+              <a:buChar char="ü"/>
+            </a:pPr>
+            <a:r>
+              <a:rPr lang="es-MX" sz="2000" dirty="0">
+                <a:solidFill>
+                  <a:schemeClr val="tx1"/>
+                </a:solidFill>
+              </a:rPr>
+              <a:t>Carrito de compras</a:t>
+            </a:r>
+          </a:p>
+          <a:p>
+            <a:pPr lvl="1">
+              <a:buFont typeface="Wingdings" panose="05000000000000000000" pitchFamily="2" charset="2"/>
+              <a:buChar char="ü"/>
+            </a:pPr>
+            <a:r>
+              <a:rPr lang="es-MX" sz="2000" dirty="0">
+                <a:solidFill>
+                  <a:schemeClr val="tx1"/>
+                </a:solidFill>
+              </a:rPr>
+              <a:t>… </a:t>
+            </a:r>
+          </a:p>
+        </p:txBody>
+      </p:sp>
+    </p:spTree>
+    <p:extLst>
+      <p:ext uri="{BB962C8B-B14F-4D97-AF65-F5344CB8AC3E}">
+        <p14:creationId xmlns:p14="http://schemas.microsoft.com/office/powerpoint/2010/main" val="3402389706"/>
+      </p:ext>
+    </p:extLst>
   </p:cSld>
   <p:clrMapOvr>
     <a:masterClrMapping/>
@@ -12088,4 +15236,19 @@
   <a:objectDefaults/>
   <a:extraClrSchemeLst/>
 </a:theme>
+</file>
+
+<file path=customXml/item1.xml><?xml version="1.0" encoding="utf-8"?>
+<sisl xmlns:xsd="http://www.w3.org/2001/XMLSchema" xmlns:xsi="http://www.w3.org/2001/XMLSchema-instance" xmlns="http://www.boldonjames.com/2008/01/sie/internal/label" sislVersion="0" policy="2c673f97-f704-441a-a1be-26277c273d44" origin="userSelected">
+  <element uid="26942484-e33a-4b77-b4f5-82dd3c942130" value=""/>
+</sisl>
+</file>
+
+<file path=customXml/itemProps1.xml><?xml version="1.0" encoding="utf-8"?>
+<ds:datastoreItem xmlns:ds="http://schemas.openxmlformats.org/officeDocument/2006/customXml" ds:itemID="{77C03CFB-38CB-4D8B-ADBA-E48B46A65F82}">
+  <ds:schemaRefs>
+    <ds:schemaRef ds:uri="http://www.w3.org/2001/XMLSchema"/>
+    <ds:schemaRef ds:uri="http://www.boldonjames.com/2008/01/sie/internal/label"/>
+  </ds:schemaRefs>
+</ds:datastoreItem>
 </file>